--- a/journal.pptx
+++ b/journal.pptx
@@ -5,7 +5,7 @@
     <p:sldMasterId id="2147483648" r:id="rId1"/>
   </p:sldMasterIdLst>
   <p:notesMasterIdLst>
-    <p:notesMasterId r:id="rId22"/>
+    <p:notesMasterId r:id="rId21"/>
   </p:notesMasterIdLst>
   <p:sldIdLst>
     <p:sldId id="256" r:id="rId2"/>
@@ -17,17 +17,16 @@
     <p:sldId id="266" r:id="rId8"/>
     <p:sldId id="258" r:id="rId9"/>
     <p:sldId id="259" r:id="rId10"/>
-    <p:sldId id="261" r:id="rId11"/>
-    <p:sldId id="267" r:id="rId12"/>
-    <p:sldId id="260" r:id="rId13"/>
-    <p:sldId id="268" r:id="rId14"/>
-    <p:sldId id="270" r:id="rId15"/>
-    <p:sldId id="269" r:id="rId16"/>
-    <p:sldId id="271" r:id="rId17"/>
-    <p:sldId id="272" r:id="rId18"/>
-    <p:sldId id="275" r:id="rId19"/>
-    <p:sldId id="274" r:id="rId20"/>
-    <p:sldId id="273" r:id="rId21"/>
+    <p:sldId id="260" r:id="rId11"/>
+    <p:sldId id="268" r:id="rId12"/>
+    <p:sldId id="270" r:id="rId13"/>
+    <p:sldId id="269" r:id="rId14"/>
+    <p:sldId id="271" r:id="rId15"/>
+    <p:sldId id="272" r:id="rId16"/>
+    <p:sldId id="275" r:id="rId17"/>
+    <p:sldId id="274" r:id="rId18"/>
+    <p:sldId id="273" r:id="rId19"/>
+    <p:sldId id="276" r:id="rId20"/>
   </p:sldIdLst>
   <p:sldSz cx="9144000" cy="6858000" type="screen4x3"/>
   <p:notesSz cx="6946900" cy="9220200"/>
@@ -128,7 +127,7 @@
   </p:defaultTextStyle>
   <p:extLst>
     <p:ext uri="{EFAFB233-063F-42B5-8137-9DF3F51BA10A}">
-      <p15:sldGuideLst xmlns:p15="http://schemas.microsoft.com/office/powerpoint/2012/main" xmlns="">
+      <p15:sldGuideLst xmlns="" xmlns:p15="http://schemas.microsoft.com/office/powerpoint/2012/main">
         <p15:guide id="1" orient="horz" pos="218">
           <p15:clr>
             <a:srgbClr val="A4A3A4"/>
@@ -237,7 +236,7 @@
           <a:p>
             <a:fld id="{6CF856C5-97CB-4D55-BAA7-FC722E8906C9}" type="datetimeFigureOut">
               <a:rPr lang="en-GB" smtClean="0"/>
-              <a:t>29/10/2013</a:t>
+              <a:t>30/10/2013</a:t>
             </a:fld>
             <a:endParaRPr lang="en-GB"/>
           </a:p>
@@ -641,6 +640,14 @@
           <a:bodyPr/>
           <a:lstStyle/>
           <a:p>
+            <a:r>
+              <a:rPr lang="en-GB" dirty="0" smtClean="0"/>
+              <a:t>Sources = machines, different users (technicians etc.) over</a:t>
+            </a:r>
+            <a:r>
+              <a:rPr lang="en-GB" baseline="0" dirty="0" smtClean="0"/>
+              <a:t> time, different tools used in different service events, many apps</a:t>
+            </a:r>
             <a:endParaRPr lang="en-GB" dirty="0"/>
           </a:p>
         </p:txBody>
@@ -662,7 +669,7 @@
           <a:p>
             <a:fld id="{2EE7C4A2-2F1A-489A-9B31-2A05A6FBA47F}" type="slidenum">
               <a:rPr lang="en-GB" smtClean="0"/>
-              <a:t>10</a:t>
+              <a:t>11</a:t>
             </a:fld>
             <a:endParaRPr lang="en-GB"/>
           </a:p>
@@ -671,7 +678,7 @@
     </p:spTree>
     <p:extLst>
       <p:ext uri="{BB962C8B-B14F-4D97-AF65-F5344CB8AC3E}">
-        <p14:creationId xmlns:p14="http://schemas.microsoft.com/office/powerpoint/2010/main" val="1284995290"/>
+        <p14:creationId xmlns:p14="http://schemas.microsoft.com/office/powerpoint/2010/main" val="2736857076"/>
       </p:ext>
     </p:extLst>
   </p:cSld>
@@ -846,7 +853,7 @@
           <a:p>
             <a:fld id="{2EE7C4A2-2F1A-489A-9B31-2A05A6FBA47F}" type="slidenum">
               <a:rPr lang="en-GB" smtClean="0"/>
-              <a:t>15</a:t>
+              <a:t>14</a:t>
             </a:fld>
             <a:endParaRPr lang="en-GB"/>
           </a:p>
@@ -909,14 +916,6 @@
           <a:bodyPr/>
           <a:lstStyle/>
           <a:p>
-            <a:r>
-              <a:rPr lang="en-GB" dirty="0" smtClean="0"/>
-              <a:t>Sources = machines, different users (technicians etc.) over</a:t>
-            </a:r>
-            <a:r>
-              <a:rPr lang="en-GB" baseline="0" dirty="0" smtClean="0"/>
-              <a:t> time, different tools used in different service events, many apps</a:t>
-            </a:r>
             <a:endParaRPr lang="en-GB" dirty="0"/>
           </a:p>
         </p:txBody>
@@ -938,7 +937,7 @@
           <a:p>
             <a:fld id="{2EE7C4A2-2F1A-489A-9B31-2A05A6FBA47F}" type="slidenum">
               <a:rPr lang="en-GB" smtClean="0"/>
-              <a:t>16</a:t>
+              <a:t>15</a:t>
             </a:fld>
             <a:endParaRPr lang="en-GB"/>
           </a:p>
@@ -1022,7 +1021,7 @@
           <a:p>
             <a:fld id="{2EE7C4A2-2F1A-489A-9B31-2A05A6FBA47F}" type="slidenum">
               <a:rPr lang="en-GB" smtClean="0"/>
-              <a:t>17</a:t>
+              <a:t>16</a:t>
             </a:fld>
             <a:endParaRPr lang="en-GB"/>
           </a:p>
@@ -1085,7 +1084,7 @@
           <a:bodyPr/>
           <a:lstStyle/>
           <a:p>
-            <a:endParaRPr lang="en-GB" dirty="0"/>
+            <a:endParaRPr lang="en-GB" dirty="0" smtClean="0"/>
           </a:p>
         </p:txBody>
       </p:sp>
@@ -1106,7 +1105,7 @@
           <a:p>
             <a:fld id="{2EE7C4A2-2F1A-489A-9B31-2A05A6FBA47F}" type="slidenum">
               <a:rPr lang="en-GB" smtClean="0"/>
-              <a:t>18</a:t>
+              <a:t>17</a:t>
             </a:fld>
             <a:endParaRPr lang="en-GB"/>
           </a:p>
@@ -1169,7 +1168,7 @@
           <a:bodyPr/>
           <a:lstStyle/>
           <a:p>
-            <a:endParaRPr lang="en-GB" dirty="0" smtClean="0"/>
+            <a:endParaRPr lang="en-GB" dirty="0"/>
           </a:p>
         </p:txBody>
       </p:sp>
@@ -1190,91 +1189,7 @@
           <a:p>
             <a:fld id="{2EE7C4A2-2F1A-489A-9B31-2A05A6FBA47F}" type="slidenum">
               <a:rPr lang="en-GB" smtClean="0"/>
-              <a:t>19</a:t>
-            </a:fld>
-            <a:endParaRPr lang="en-GB"/>
-          </a:p>
-        </p:txBody>
-      </p:sp>
-    </p:spTree>
-    <p:extLst>
-      <p:ext uri="{BB962C8B-B14F-4D97-AF65-F5344CB8AC3E}">
-        <p14:creationId xmlns:p14="http://schemas.microsoft.com/office/powerpoint/2010/main" val="2736857076"/>
-      </p:ext>
-    </p:extLst>
-  </p:cSld>
-  <p:clrMapOvr>
-    <a:masterClrMapping/>
-  </p:clrMapOvr>
-</p:notes>
-</file>
-
-<file path=ppt/notesSlides/notesSlide9.xml><?xml version="1.0" encoding="utf-8"?>
-<p:notes xmlns:a="http://schemas.openxmlformats.org/drawingml/2006/main" xmlns:r="http://schemas.openxmlformats.org/officeDocument/2006/relationships" xmlns:p="http://schemas.openxmlformats.org/presentationml/2006/main">
-  <p:cSld>
-    <p:spTree>
-      <p:nvGrpSpPr>
-        <p:cNvPr id="1" name=""/>
-        <p:cNvGrpSpPr/>
-        <p:nvPr/>
-      </p:nvGrpSpPr>
-      <p:grpSpPr>
-        <a:xfrm>
-          <a:off x="0" y="0"/>
-          <a:ext cx="0" cy="0"/>
-          <a:chOff x="0" y="0"/>
-          <a:chExt cx="0" cy="0"/>
-        </a:xfrm>
-      </p:grpSpPr>
-      <p:sp>
-        <p:nvSpPr>
-          <p:cNvPr id="2" name="Slide Image Placeholder 1"/>
-          <p:cNvSpPr>
-            <a:spLocks noGrp="1" noRot="1" noChangeAspect="1"/>
-          </p:cNvSpPr>
-          <p:nvPr>
-            <p:ph type="sldImg"/>
-          </p:nvPr>
-        </p:nvSpPr>
-        <p:spPr/>
-      </p:sp>
-      <p:sp>
-        <p:nvSpPr>
-          <p:cNvPr id="3" name="Notes Placeholder 2"/>
-          <p:cNvSpPr>
-            <a:spLocks noGrp="1"/>
-          </p:cNvSpPr>
-          <p:nvPr>
-            <p:ph type="body" idx="1"/>
-          </p:nvPr>
-        </p:nvSpPr>
-        <p:spPr/>
-        <p:txBody>
-          <a:bodyPr/>
-          <a:lstStyle/>
-          <a:p>
-            <a:endParaRPr lang="en-GB" dirty="0"/>
-          </a:p>
-        </p:txBody>
-      </p:sp>
-      <p:sp>
-        <p:nvSpPr>
-          <p:cNvPr id="4" name="Slide Number Placeholder 3"/>
-          <p:cNvSpPr>
-            <a:spLocks noGrp="1"/>
-          </p:cNvSpPr>
-          <p:nvPr>
-            <p:ph type="sldNum" sz="quarter" idx="10"/>
-          </p:nvPr>
-        </p:nvSpPr>
-        <p:spPr/>
-        <p:txBody>
-          <a:bodyPr/>
-          <a:lstStyle/>
-          <a:p>
-            <a:fld id="{2EE7C4A2-2F1A-489A-9B31-2A05A6FBA47F}" type="slidenum">
-              <a:rPr lang="en-GB" smtClean="0"/>
-              <a:t>20</a:t>
+              <a:t>18</a:t>
             </a:fld>
             <a:endParaRPr lang="en-GB"/>
           </a:p>
@@ -6018,60 +5933,6 @@
       </p:grpSpPr>
       <p:sp>
         <p:nvSpPr>
-          <p:cNvPr id="3" name="Content Placeholder 2"/>
-          <p:cNvSpPr>
-            <a:spLocks noGrp="1"/>
-          </p:cNvSpPr>
-          <p:nvPr>
-            <p:ph idx="1"/>
-          </p:nvPr>
-        </p:nvSpPr>
-        <p:spPr>
-          <a:xfrm>
-            <a:off x="2051720" y="4509120"/>
-            <a:ext cx="6867473" cy="1900824"/>
-          </a:xfrm>
-        </p:spPr>
-        <p:txBody>
-          <a:bodyPr/>
-          <a:lstStyle/>
-          <a:p>
-            <a:r>
-              <a:rPr lang="en-GB" dirty="0" smtClean="0"/>
-              <a:t>Think of it this way :</a:t>
-            </a:r>
-          </a:p>
-          <a:p>
-            <a:pPr lvl="1"/>
-            <a:r>
-              <a:rPr lang="en-GB" dirty="0" smtClean="0"/>
-              <a:t>The machine / data source is constantly writing it’s autobiography</a:t>
-            </a:r>
-          </a:p>
-          <a:p>
-            <a:pPr lvl="1"/>
-            <a:endParaRPr lang="en-GB" dirty="0" smtClean="0"/>
-          </a:p>
-          <a:p>
-            <a:pPr marL="455613" lvl="1" indent="0">
-              <a:buNone/>
-            </a:pPr>
-            <a:r>
-              <a:rPr lang="en-GB" dirty="0" smtClean="0"/>
-              <a:t>=&gt; “What is happening to me right now”</a:t>
-            </a:r>
-          </a:p>
-          <a:p>
-            <a:r>
-              <a:rPr lang="en-GB" dirty="0" smtClean="0"/>
-              <a:t>And we can look back at previous pages to see what has happened in the past …</a:t>
-            </a:r>
-            <a:endParaRPr lang="en-GB" dirty="0"/>
-          </a:p>
-        </p:txBody>
-      </p:sp>
-      <p:sp>
-        <p:nvSpPr>
           <p:cNvPr id="5" name="Title 4"/>
           <p:cNvSpPr>
             <a:spLocks noGrp="1"/>
@@ -6087,7 +5948,7 @@
           <a:p>
             <a:r>
               <a:rPr lang="en-GB" dirty="0" smtClean="0"/>
-              <a:t>At any time, we have historic and current (“now”) data</a:t>
+              <a:t>Using Jolt, we can generate (predict) future data</a:t>
             </a:r>
             <a:endParaRPr lang="en-GB" dirty="0"/>
           </a:p>
@@ -6095,7 +5956,7 @@
       </p:sp>
       <p:sp>
         <p:nvSpPr>
-          <p:cNvPr id="16" name="Subtitle 15"/>
+          <p:cNvPr id="6" name="Subtitle 5"/>
           <p:cNvSpPr>
             <a:spLocks noGrp="1"/>
           </p:cNvSpPr>
@@ -6176,14 +6037,285 @@
               </a:rPr>
               <a:t>source</a:t>
             </a:r>
-            <a:endParaRPr lang="en-GB" dirty="0" smtClean="0">
+          </a:p>
+        </p:txBody>
+      </p:sp>
+      <p:grpSp>
+        <p:nvGrpSpPr>
+          <p:cNvPr id="8" name="Group 7"/>
+          <p:cNvGrpSpPr/>
+          <p:nvPr/>
+        </p:nvGrpSpPr>
+        <p:grpSpPr>
+          <a:xfrm>
+            <a:off x="5796136" y="1988840"/>
+            <a:ext cx="2736304" cy="792088"/>
+            <a:chOff x="2051720" y="1988840"/>
+            <a:chExt cx="6480720" cy="792088"/>
+          </a:xfrm>
+        </p:grpSpPr>
+        <p:cxnSp>
+          <p:nvCxnSpPr>
+            <p:cNvPr id="9" name="Straight Arrow Connector 8"/>
+            <p:cNvCxnSpPr>
+              <a:stCxn id="7" idx="3"/>
+            </p:cNvCxnSpPr>
+            <p:nvPr/>
+          </p:nvCxnSpPr>
+          <p:spPr>
+            <a:xfrm>
+              <a:off x="2051720" y="2384884"/>
+              <a:ext cx="6480720" cy="0"/>
+            </a:xfrm>
+            <a:prstGeom prst="straightConnector1">
+              <a:avLst/>
+            </a:prstGeom>
+            <a:ln w="19050">
               <a:solidFill>
-                <a:schemeClr val="bg1"/>
+                <a:schemeClr val="tx1"/>
               </a:solidFill>
-            </a:endParaRPr>
-          </a:p>
-        </p:txBody>
-      </p:sp>
+              <a:prstDash val="dash"/>
+              <a:tailEnd type="arrow"/>
+            </a:ln>
+          </p:spPr>
+          <p:style>
+            <a:lnRef idx="1">
+              <a:schemeClr val="accent1"/>
+            </a:lnRef>
+            <a:fillRef idx="0">
+              <a:schemeClr val="accent1"/>
+            </a:fillRef>
+            <a:effectRef idx="0">
+              <a:schemeClr val="accent1"/>
+            </a:effectRef>
+            <a:fontRef idx="minor">
+              <a:schemeClr val="tx1"/>
+            </a:fontRef>
+          </p:style>
+        </p:cxnSp>
+        <p:cxnSp>
+          <p:nvCxnSpPr>
+            <p:cNvPr id="10" name="Straight Arrow Connector 9"/>
+            <p:cNvCxnSpPr/>
+            <p:nvPr/>
+          </p:nvCxnSpPr>
+          <p:spPr>
+            <a:xfrm>
+              <a:off x="2051720" y="2305676"/>
+              <a:ext cx="6480720" cy="0"/>
+            </a:xfrm>
+            <a:prstGeom prst="straightConnector1">
+              <a:avLst/>
+            </a:prstGeom>
+            <a:ln w="19050">
+              <a:solidFill>
+                <a:schemeClr val="tx1"/>
+              </a:solidFill>
+              <a:prstDash val="dash"/>
+              <a:tailEnd type="arrow"/>
+            </a:ln>
+          </p:spPr>
+          <p:style>
+            <a:lnRef idx="1">
+              <a:schemeClr val="accent1"/>
+            </a:lnRef>
+            <a:fillRef idx="0">
+              <a:schemeClr val="accent1"/>
+            </a:fillRef>
+            <a:effectRef idx="0">
+              <a:schemeClr val="accent1"/>
+            </a:effectRef>
+            <a:fontRef idx="minor">
+              <a:schemeClr val="tx1"/>
+            </a:fontRef>
+          </p:style>
+        </p:cxnSp>
+        <p:cxnSp>
+          <p:nvCxnSpPr>
+            <p:cNvPr id="11" name="Straight Arrow Connector 10"/>
+            <p:cNvCxnSpPr/>
+            <p:nvPr/>
+          </p:nvCxnSpPr>
+          <p:spPr>
+            <a:xfrm>
+              <a:off x="2051720" y="2147258"/>
+              <a:ext cx="6480720" cy="0"/>
+            </a:xfrm>
+            <a:prstGeom prst="straightConnector1">
+              <a:avLst/>
+            </a:prstGeom>
+            <a:ln w="19050">
+              <a:solidFill>
+                <a:schemeClr val="tx1"/>
+              </a:solidFill>
+              <a:prstDash val="dash"/>
+              <a:tailEnd type="arrow"/>
+            </a:ln>
+          </p:spPr>
+          <p:style>
+            <a:lnRef idx="1">
+              <a:schemeClr val="accent1"/>
+            </a:lnRef>
+            <a:fillRef idx="0">
+              <a:schemeClr val="accent1"/>
+            </a:fillRef>
+            <a:effectRef idx="0">
+              <a:schemeClr val="accent1"/>
+            </a:effectRef>
+            <a:fontRef idx="minor">
+              <a:schemeClr val="tx1"/>
+            </a:fontRef>
+          </p:style>
+        </p:cxnSp>
+        <p:cxnSp>
+          <p:nvCxnSpPr>
+            <p:cNvPr id="12" name="Straight Arrow Connector 11"/>
+            <p:cNvCxnSpPr/>
+            <p:nvPr/>
+          </p:nvCxnSpPr>
+          <p:spPr>
+            <a:xfrm>
+              <a:off x="2051720" y="1988840"/>
+              <a:ext cx="6480720" cy="0"/>
+            </a:xfrm>
+            <a:prstGeom prst="straightConnector1">
+              <a:avLst/>
+            </a:prstGeom>
+            <a:ln w="19050">
+              <a:solidFill>
+                <a:schemeClr val="tx1"/>
+              </a:solidFill>
+              <a:prstDash val="dash"/>
+              <a:tailEnd type="arrow"/>
+            </a:ln>
+          </p:spPr>
+          <p:style>
+            <a:lnRef idx="1">
+              <a:schemeClr val="accent1"/>
+            </a:lnRef>
+            <a:fillRef idx="0">
+              <a:schemeClr val="accent1"/>
+            </a:fillRef>
+            <a:effectRef idx="0">
+              <a:schemeClr val="accent1"/>
+            </a:effectRef>
+            <a:fontRef idx="minor">
+              <a:schemeClr val="tx1"/>
+            </a:fontRef>
+          </p:style>
+        </p:cxnSp>
+        <p:cxnSp>
+          <p:nvCxnSpPr>
+            <p:cNvPr id="13" name="Straight Arrow Connector 12"/>
+            <p:cNvCxnSpPr/>
+            <p:nvPr/>
+          </p:nvCxnSpPr>
+          <p:spPr>
+            <a:xfrm>
+              <a:off x="2051720" y="2464094"/>
+              <a:ext cx="6480720" cy="0"/>
+            </a:xfrm>
+            <a:prstGeom prst="straightConnector1">
+              <a:avLst/>
+            </a:prstGeom>
+            <a:ln w="19050">
+              <a:solidFill>
+                <a:schemeClr val="tx1"/>
+              </a:solidFill>
+              <a:prstDash val="dash"/>
+              <a:tailEnd type="arrow"/>
+            </a:ln>
+          </p:spPr>
+          <p:style>
+            <a:lnRef idx="1">
+              <a:schemeClr val="accent1"/>
+            </a:lnRef>
+            <a:fillRef idx="0">
+              <a:schemeClr val="accent1"/>
+            </a:fillRef>
+            <a:effectRef idx="0">
+              <a:schemeClr val="accent1"/>
+            </a:effectRef>
+            <a:fontRef idx="minor">
+              <a:schemeClr val="tx1"/>
+            </a:fontRef>
+          </p:style>
+        </p:cxnSp>
+        <p:cxnSp>
+          <p:nvCxnSpPr>
+            <p:cNvPr id="14" name="Straight Arrow Connector 13"/>
+            <p:cNvCxnSpPr/>
+            <p:nvPr/>
+          </p:nvCxnSpPr>
+          <p:spPr>
+            <a:xfrm>
+              <a:off x="2051720" y="2622512"/>
+              <a:ext cx="6480720" cy="0"/>
+            </a:xfrm>
+            <a:prstGeom prst="straightConnector1">
+              <a:avLst/>
+            </a:prstGeom>
+            <a:ln w="19050">
+              <a:solidFill>
+                <a:schemeClr val="tx1"/>
+              </a:solidFill>
+              <a:prstDash val="dash"/>
+              <a:tailEnd type="arrow"/>
+            </a:ln>
+          </p:spPr>
+          <p:style>
+            <a:lnRef idx="1">
+              <a:schemeClr val="accent1"/>
+            </a:lnRef>
+            <a:fillRef idx="0">
+              <a:schemeClr val="accent1"/>
+            </a:fillRef>
+            <a:effectRef idx="0">
+              <a:schemeClr val="accent1"/>
+            </a:effectRef>
+            <a:fontRef idx="minor">
+              <a:schemeClr val="tx1"/>
+            </a:fontRef>
+          </p:style>
+        </p:cxnSp>
+        <p:cxnSp>
+          <p:nvCxnSpPr>
+            <p:cNvPr id="15" name="Straight Arrow Connector 14"/>
+            <p:cNvCxnSpPr/>
+            <p:nvPr/>
+          </p:nvCxnSpPr>
+          <p:spPr>
+            <a:xfrm>
+              <a:off x="2051720" y="2780928"/>
+              <a:ext cx="6480720" cy="0"/>
+            </a:xfrm>
+            <a:prstGeom prst="straightConnector1">
+              <a:avLst/>
+            </a:prstGeom>
+            <a:ln w="19050">
+              <a:solidFill>
+                <a:schemeClr val="tx1"/>
+              </a:solidFill>
+              <a:prstDash val="dash"/>
+              <a:tailEnd type="arrow"/>
+            </a:ln>
+          </p:spPr>
+          <p:style>
+            <a:lnRef idx="1">
+              <a:schemeClr val="accent1"/>
+            </a:lnRef>
+            <a:fillRef idx="0">
+              <a:schemeClr val="accent1"/>
+            </a:fillRef>
+            <a:effectRef idx="0">
+              <a:schemeClr val="accent1"/>
+            </a:effectRef>
+            <a:fontRef idx="minor">
+              <a:schemeClr val="tx1"/>
+            </a:fontRef>
+          </p:style>
+        </p:cxnSp>
+      </p:grpSp>
       <p:cxnSp>
         <p:nvCxnSpPr>
           <p:cNvPr id="18" name="Straight Arrow Connector 17"/>
@@ -6276,7 +6408,6 @@
               <a:rPr lang="en-GB" sz="1400" dirty="0" smtClean="0"/>
               <a:t>time</a:t>
             </a:r>
-            <a:endParaRPr lang="en-GB" sz="1400" dirty="0" smtClean="0"/>
           </a:p>
         </p:txBody>
       </p:sp>
@@ -6304,13 +6435,8 @@
           <a:p>
             <a:r>
               <a:rPr lang="en-GB" sz="1400" dirty="0" smtClean="0"/>
-              <a:t>Dat</a:t>
+              <a:t>Data streams</a:t>
             </a:r>
-            <a:r>
-              <a:rPr lang="en-GB" sz="1400" dirty="0" smtClean="0"/>
-              <a:t>a streams</a:t>
-            </a:r>
-            <a:endParaRPr lang="en-GB" sz="1400" dirty="0" smtClean="0"/>
           </a:p>
         </p:txBody>
       </p:sp>
@@ -6639,7 +6765,6 @@
                 <a:rPr lang="en-GB" sz="1400" dirty="0" smtClean="0"/>
                 <a:t>Telemetry (machine)</a:t>
               </a:r>
-              <a:endParaRPr lang="en-GB" sz="1400" dirty="0" smtClean="0"/>
             </a:p>
           </p:txBody>
         </p:sp>
@@ -6670,20 +6795,19 @@
               <a:rPr lang="en-GB" sz="1400" dirty="0" smtClean="0"/>
               <a:t>now</a:t>
             </a:r>
-            <a:endParaRPr lang="en-GB" sz="1400" dirty="0" smtClean="0"/>
-          </a:p>
-        </p:txBody>
-      </p:sp>
-      <p:sp>
-        <p:nvSpPr>
-          <p:cNvPr id="32" name="Left Brace 31"/>
+          </a:p>
+        </p:txBody>
+      </p:sp>
+      <p:sp>
+        <p:nvSpPr>
+          <p:cNvPr id="33" name="Left Brace 32"/>
           <p:cNvSpPr/>
           <p:nvPr/>
         </p:nvSpPr>
         <p:spPr>
           <a:xfrm rot="16200000">
-            <a:off x="3708747" y="1416884"/>
-            <a:ext cx="428961" cy="3736202"/>
+            <a:off x="6977377" y="1899911"/>
+            <a:ext cx="428961" cy="2801058"/>
           </a:xfrm>
           <a:prstGeom prst="leftBrace">
             <a:avLst/>
@@ -6714,2795 +6838,6 @@
       </p:sp>
       <p:sp>
         <p:nvSpPr>
-          <p:cNvPr id="34" name="TextBox 33"/>
-          <p:cNvSpPr txBox="1"/>
-          <p:nvPr/>
-        </p:nvSpPr>
-        <p:spPr>
-          <a:xfrm>
-            <a:off x="3763026" y="3573596"/>
-            <a:ext cx="527388" cy="215444"/>
-          </a:xfrm>
-          <a:prstGeom prst="rect">
-            <a:avLst/>
-          </a:prstGeom>
-          <a:noFill/>
-        </p:spPr>
-        <p:txBody>
-          <a:bodyPr wrap="none" lIns="0" tIns="0" rIns="0" bIns="0" rtlCol="0">
-            <a:spAutoFit/>
-          </a:bodyPr>
-          <a:lstStyle/>
-          <a:p>
-            <a:r>
-              <a:rPr lang="en-GB" sz="1400" dirty="0" smtClean="0"/>
-              <a:t>history</a:t>
-            </a:r>
-            <a:endParaRPr lang="en-GB" sz="1400" dirty="0" smtClean="0"/>
-          </a:p>
-        </p:txBody>
-      </p:sp>
-    </p:spTree>
-    <p:extLst>
-      <p:ext uri="{BB962C8B-B14F-4D97-AF65-F5344CB8AC3E}">
-        <p14:creationId xmlns:p14="http://schemas.microsoft.com/office/powerpoint/2010/main" val="912134415"/>
-      </p:ext>
-    </p:extLst>
-  </p:cSld>
-  <p:clrMapOvr>
-    <a:masterClrMapping/>
-  </p:clrMapOvr>
-  <mc:AlternateContent xmlns:mc="http://schemas.openxmlformats.org/markup-compatibility/2006" xmlns:p14="http://schemas.microsoft.com/office/powerpoint/2010/main">
-    <mc:Choice Requires="p14">
-      <p:transition spd="med" p14:dur="600">
-        <p:fade/>
-      </p:transition>
-    </mc:Choice>
-    <mc:Fallback xmlns="">
-      <p:transition spd="med">
-        <p:fade/>
-      </p:transition>
-    </mc:Fallback>
-  </mc:AlternateContent>
-</p:sld>
-</file>
-
-<file path=ppt/slides/slide11.xml><?xml version="1.0" encoding="utf-8"?>
-<p:sld xmlns:a="http://schemas.openxmlformats.org/drawingml/2006/main" xmlns:r="http://schemas.openxmlformats.org/officeDocument/2006/relationships" xmlns:p="http://schemas.openxmlformats.org/presentationml/2006/main">
-  <p:cSld>
-    <p:spTree>
-      <p:nvGrpSpPr>
-        <p:cNvPr id="1" name=""/>
-        <p:cNvGrpSpPr/>
-        <p:nvPr/>
-      </p:nvGrpSpPr>
-      <p:grpSpPr>
-        <a:xfrm>
-          <a:off x="0" y="0"/>
-          <a:ext cx="0" cy="0"/>
-          <a:chOff x="0" y="0"/>
-          <a:chExt cx="0" cy="0"/>
-        </a:xfrm>
-      </p:grpSpPr>
-      <p:sp>
-        <p:nvSpPr>
-          <p:cNvPr id="2" name="Title 1"/>
-          <p:cNvSpPr>
-            <a:spLocks noGrp="1"/>
-          </p:cNvSpPr>
-          <p:nvPr>
-            <p:ph type="title"/>
-          </p:nvPr>
-        </p:nvSpPr>
-        <p:spPr/>
-        <p:txBody>
-          <a:bodyPr/>
-          <a:lstStyle/>
-          <a:p>
-            <a:r>
-              <a:rPr lang="en-GB" dirty="0" smtClean="0"/>
-              <a:t>So we can plot the information over time</a:t>
-            </a:r>
-            <a:endParaRPr lang="en-GB" dirty="0"/>
-          </a:p>
-        </p:txBody>
-      </p:sp>
-      <p:sp>
-        <p:nvSpPr>
-          <p:cNvPr id="3" name="Subtitle 2"/>
-          <p:cNvSpPr>
-            <a:spLocks noGrp="1"/>
-          </p:cNvSpPr>
-          <p:nvPr>
-            <p:ph type="subTitle" idx="15"/>
-          </p:nvPr>
-        </p:nvSpPr>
-        <p:spPr/>
-        <p:txBody>
-          <a:bodyPr/>
-          <a:lstStyle/>
-          <a:p>
-            <a:r>
-              <a:rPr lang="en-GB" dirty="0" smtClean="0"/>
-              <a:t>And </a:t>
-            </a:r>
-            <a:r>
-              <a:rPr lang="en-GB" dirty="0" err="1" smtClean="0"/>
-              <a:t>interegate</a:t>
-            </a:r>
-            <a:r>
-              <a:rPr lang="en-GB" dirty="0" smtClean="0"/>
-              <a:t> it…</a:t>
-            </a:r>
-            <a:endParaRPr lang="en-GB" dirty="0"/>
-          </a:p>
-        </p:txBody>
-      </p:sp>
-      <p:sp>
-        <p:nvSpPr>
-          <p:cNvPr id="4" name="Footer Placeholder 3"/>
-          <p:cNvSpPr>
-            <a:spLocks noGrp="1"/>
-          </p:cNvSpPr>
-          <p:nvPr>
-            <p:ph type="ftr" sz="quarter" idx="3"/>
-          </p:nvPr>
-        </p:nvSpPr>
-        <p:spPr/>
-        <p:txBody>
-          <a:bodyPr/>
-          <a:lstStyle/>
-          <a:p>
-            <a:endParaRPr lang="en-US" dirty="0"/>
-          </a:p>
-        </p:txBody>
-      </p:sp>
-      <p:sp>
-        <p:nvSpPr>
-          <p:cNvPr id="5" name="Rectangle 4"/>
-          <p:cNvSpPr/>
-          <p:nvPr/>
-        </p:nvSpPr>
-        <p:spPr>
-          <a:xfrm>
-            <a:off x="2339752" y="2132856"/>
-            <a:ext cx="5904656" cy="3528392"/>
-          </a:xfrm>
-          <a:prstGeom prst="rect">
-            <a:avLst/>
-          </a:prstGeom>
-          <a:ln/>
-        </p:spPr>
-        <p:style>
-          <a:lnRef idx="2">
-            <a:schemeClr val="accent6">
-              <a:shade val="50000"/>
-            </a:schemeClr>
-          </a:lnRef>
-          <a:fillRef idx="1">
-            <a:schemeClr val="accent6"/>
-          </a:fillRef>
-          <a:effectRef idx="0">
-            <a:schemeClr val="accent6"/>
-          </a:effectRef>
-          <a:fontRef idx="minor">
-            <a:schemeClr val="lt1"/>
-          </a:fontRef>
-        </p:style>
-        <p:txBody>
-          <a:bodyPr rtlCol="0" anchor="ctr"/>
-          <a:lstStyle/>
-          <a:p>
-            <a:pPr algn="ctr"/>
-            <a:endParaRPr lang="en-GB" dirty="0" smtClean="0">
-              <a:solidFill>
-                <a:schemeClr val="bg1"/>
-              </a:solidFill>
-            </a:endParaRPr>
-          </a:p>
-        </p:txBody>
-      </p:sp>
-      <p:sp>
-        <p:nvSpPr>
-          <p:cNvPr id="8" name="TextBox 7"/>
-          <p:cNvSpPr txBox="1"/>
-          <p:nvPr/>
-        </p:nvSpPr>
-        <p:spPr>
-          <a:xfrm>
-            <a:off x="2631105" y="2390807"/>
-            <a:ext cx="1984069" cy="369332"/>
-          </a:xfrm>
-          <a:prstGeom prst="rect">
-            <a:avLst/>
-          </a:prstGeom>
-          <a:noFill/>
-        </p:spPr>
-        <p:txBody>
-          <a:bodyPr wrap="none" lIns="0" tIns="0" rIns="0" bIns="0" rtlCol="0">
-            <a:spAutoFit/>
-          </a:bodyPr>
-          <a:lstStyle/>
-          <a:p>
-            <a:r>
-              <a:rPr lang="en-GB" sz="2400" dirty="0" smtClean="0"/>
-              <a:t>Temperature : </a:t>
-            </a:r>
-            <a:endParaRPr lang="en-GB" sz="2400" dirty="0" smtClean="0"/>
-          </a:p>
-        </p:txBody>
-      </p:sp>
-      <p:sp>
-        <p:nvSpPr>
-          <p:cNvPr id="9" name="TextBox 8"/>
-          <p:cNvSpPr txBox="1"/>
-          <p:nvPr/>
-        </p:nvSpPr>
-        <p:spPr>
-          <a:xfrm>
-            <a:off x="2555776" y="3275692"/>
-            <a:ext cx="1487587" cy="369332"/>
-          </a:xfrm>
-          <a:prstGeom prst="rect">
-            <a:avLst/>
-          </a:prstGeom>
-          <a:noFill/>
-        </p:spPr>
-        <p:txBody>
-          <a:bodyPr wrap="none" lIns="0" tIns="0" rIns="0" bIns="0" rtlCol="0">
-            <a:spAutoFit/>
-          </a:bodyPr>
-          <a:lstStyle/>
-          <a:p>
-            <a:r>
-              <a:rPr lang="en-GB" sz="2400" dirty="0" smtClean="0"/>
-              <a:t>Pressure : </a:t>
-            </a:r>
-            <a:endParaRPr lang="en-GB" sz="2400" dirty="0" smtClean="0"/>
-          </a:p>
-        </p:txBody>
-      </p:sp>
-      <p:sp>
-        <p:nvSpPr>
-          <p:cNvPr id="10" name="TextBox 9"/>
-          <p:cNvSpPr txBox="1"/>
-          <p:nvPr/>
-        </p:nvSpPr>
-        <p:spPr>
-          <a:xfrm>
-            <a:off x="2555776" y="4221088"/>
-            <a:ext cx="1282402" cy="369332"/>
-          </a:xfrm>
-          <a:prstGeom prst="rect">
-            <a:avLst/>
-          </a:prstGeom>
-          <a:noFill/>
-        </p:spPr>
-        <p:txBody>
-          <a:bodyPr wrap="none" lIns="0" tIns="0" rIns="0" bIns="0" rtlCol="0">
-            <a:spAutoFit/>
-          </a:bodyPr>
-          <a:lstStyle/>
-          <a:p>
-            <a:r>
-              <a:rPr lang="en-GB" sz="2400" dirty="0" smtClean="0"/>
-              <a:t>Altitude </a:t>
-            </a:r>
-            <a:r>
-              <a:rPr lang="en-GB" sz="2400" dirty="0" smtClean="0"/>
-              <a:t>: </a:t>
-            </a:r>
-            <a:endParaRPr lang="en-GB" sz="2400" dirty="0" smtClean="0"/>
-          </a:p>
-        </p:txBody>
-      </p:sp>
-      <p:sp>
-        <p:nvSpPr>
-          <p:cNvPr id="6" name="Freeform 5"/>
-          <p:cNvSpPr/>
-          <p:nvPr/>
-        </p:nvSpPr>
-        <p:spPr>
-          <a:xfrm>
-            <a:off x="4647414" y="2366074"/>
-            <a:ext cx="3054285" cy="368289"/>
-          </a:xfrm>
-          <a:custGeom>
-            <a:avLst/>
-            <a:gdLst>
-              <a:gd name="connsiteX0" fmla="*/ 0 w 3054285"/>
-              <a:gd name="connsiteY0" fmla="*/ 358272 h 368289"/>
-              <a:gd name="connsiteX1" fmla="*/ 207390 w 3054285"/>
-              <a:gd name="connsiteY1" fmla="*/ 358272 h 368289"/>
-              <a:gd name="connsiteX2" fmla="*/ 273378 w 3054285"/>
-              <a:gd name="connsiteY2" fmla="*/ 329992 h 368289"/>
-              <a:gd name="connsiteX3" fmla="*/ 301658 w 3054285"/>
-              <a:gd name="connsiteY3" fmla="*/ 311138 h 368289"/>
-              <a:gd name="connsiteX4" fmla="*/ 329939 w 3054285"/>
-              <a:gd name="connsiteY4" fmla="*/ 301712 h 368289"/>
-              <a:gd name="connsiteX5" fmla="*/ 358219 w 3054285"/>
-              <a:gd name="connsiteY5" fmla="*/ 282858 h 368289"/>
-              <a:gd name="connsiteX6" fmla="*/ 377073 w 3054285"/>
-              <a:gd name="connsiteY6" fmla="*/ 254578 h 368289"/>
-              <a:gd name="connsiteX7" fmla="*/ 405353 w 3054285"/>
-              <a:gd name="connsiteY7" fmla="*/ 245151 h 368289"/>
-              <a:gd name="connsiteX8" fmla="*/ 443060 w 3054285"/>
-              <a:gd name="connsiteY8" fmla="*/ 226297 h 368289"/>
-              <a:gd name="connsiteX9" fmla="*/ 471341 w 3054285"/>
-              <a:gd name="connsiteY9" fmla="*/ 207444 h 368289"/>
-              <a:gd name="connsiteX10" fmla="*/ 509048 w 3054285"/>
-              <a:gd name="connsiteY10" fmla="*/ 198017 h 368289"/>
-              <a:gd name="connsiteX11" fmla="*/ 565609 w 3054285"/>
-              <a:gd name="connsiteY11" fmla="*/ 150883 h 368289"/>
-              <a:gd name="connsiteX12" fmla="*/ 603316 w 3054285"/>
-              <a:gd name="connsiteY12" fmla="*/ 141456 h 368289"/>
-              <a:gd name="connsiteX13" fmla="*/ 659877 w 3054285"/>
-              <a:gd name="connsiteY13" fmla="*/ 113175 h 368289"/>
-              <a:gd name="connsiteX14" fmla="*/ 688157 w 3054285"/>
-              <a:gd name="connsiteY14" fmla="*/ 94322 h 368289"/>
-              <a:gd name="connsiteX15" fmla="*/ 772998 w 3054285"/>
-              <a:gd name="connsiteY15" fmla="*/ 84895 h 368289"/>
-              <a:gd name="connsiteX16" fmla="*/ 1131217 w 3054285"/>
-              <a:gd name="connsiteY16" fmla="*/ 94322 h 368289"/>
-              <a:gd name="connsiteX17" fmla="*/ 1300899 w 3054285"/>
-              <a:gd name="connsiteY17" fmla="*/ 113175 h 368289"/>
-              <a:gd name="connsiteX18" fmla="*/ 1329180 w 3054285"/>
-              <a:gd name="connsiteY18" fmla="*/ 122602 h 368289"/>
-              <a:gd name="connsiteX19" fmla="*/ 1480009 w 3054285"/>
-              <a:gd name="connsiteY19" fmla="*/ 150883 h 368289"/>
-              <a:gd name="connsiteX20" fmla="*/ 1517716 w 3054285"/>
-              <a:gd name="connsiteY20" fmla="*/ 160310 h 368289"/>
-              <a:gd name="connsiteX21" fmla="*/ 1583704 w 3054285"/>
-              <a:gd name="connsiteY21" fmla="*/ 179163 h 368289"/>
-              <a:gd name="connsiteX22" fmla="*/ 1659118 w 3054285"/>
-              <a:gd name="connsiteY22" fmla="*/ 188590 h 368289"/>
-              <a:gd name="connsiteX23" fmla="*/ 1706252 w 3054285"/>
-              <a:gd name="connsiteY23" fmla="*/ 198017 h 368289"/>
-              <a:gd name="connsiteX24" fmla="*/ 1772240 w 3054285"/>
-              <a:gd name="connsiteY24" fmla="*/ 207444 h 368289"/>
-              <a:gd name="connsiteX25" fmla="*/ 2271860 w 3054285"/>
-              <a:gd name="connsiteY25" fmla="*/ 198017 h 368289"/>
-              <a:gd name="connsiteX26" fmla="*/ 2300141 w 3054285"/>
-              <a:gd name="connsiteY26" fmla="*/ 188590 h 368289"/>
-              <a:gd name="connsiteX27" fmla="*/ 2375555 w 3054285"/>
-              <a:gd name="connsiteY27" fmla="*/ 179163 h 368289"/>
-              <a:gd name="connsiteX28" fmla="*/ 2422689 w 3054285"/>
-              <a:gd name="connsiteY28" fmla="*/ 169736 h 368289"/>
-              <a:gd name="connsiteX29" fmla="*/ 2479250 w 3054285"/>
-              <a:gd name="connsiteY29" fmla="*/ 160310 h 368289"/>
-              <a:gd name="connsiteX30" fmla="*/ 2573518 w 3054285"/>
-              <a:gd name="connsiteY30" fmla="*/ 132029 h 368289"/>
-              <a:gd name="connsiteX31" fmla="*/ 2620652 w 3054285"/>
-              <a:gd name="connsiteY31" fmla="*/ 122602 h 368289"/>
-              <a:gd name="connsiteX32" fmla="*/ 2724347 w 3054285"/>
-              <a:gd name="connsiteY32" fmla="*/ 113175 h 368289"/>
-              <a:gd name="connsiteX33" fmla="*/ 2837468 w 3054285"/>
-              <a:gd name="connsiteY33" fmla="*/ 84895 h 368289"/>
-              <a:gd name="connsiteX34" fmla="*/ 2894029 w 3054285"/>
-              <a:gd name="connsiteY34" fmla="*/ 66041 h 368289"/>
-              <a:gd name="connsiteX35" fmla="*/ 2922310 w 3054285"/>
-              <a:gd name="connsiteY35" fmla="*/ 56615 h 368289"/>
-              <a:gd name="connsiteX36" fmla="*/ 2988297 w 3054285"/>
-              <a:gd name="connsiteY36" fmla="*/ 47188 h 368289"/>
-              <a:gd name="connsiteX37" fmla="*/ 3026005 w 3054285"/>
-              <a:gd name="connsiteY37" fmla="*/ 28334 h 368289"/>
-              <a:gd name="connsiteX38" fmla="*/ 3054285 w 3054285"/>
-              <a:gd name="connsiteY38" fmla="*/ 54 h 368289"/>
-            </a:gdLst>
-            <a:ahLst/>
-            <a:cxnLst>
-              <a:cxn ang="0">
-                <a:pos x="connsiteX0" y="connsiteY0"/>
-              </a:cxn>
-              <a:cxn ang="0">
-                <a:pos x="connsiteX1" y="connsiteY1"/>
-              </a:cxn>
-              <a:cxn ang="0">
-                <a:pos x="connsiteX2" y="connsiteY2"/>
-              </a:cxn>
-              <a:cxn ang="0">
-                <a:pos x="connsiteX3" y="connsiteY3"/>
-              </a:cxn>
-              <a:cxn ang="0">
-                <a:pos x="connsiteX4" y="connsiteY4"/>
-              </a:cxn>
-              <a:cxn ang="0">
-                <a:pos x="connsiteX5" y="connsiteY5"/>
-              </a:cxn>
-              <a:cxn ang="0">
-                <a:pos x="connsiteX6" y="connsiteY6"/>
-              </a:cxn>
-              <a:cxn ang="0">
-                <a:pos x="connsiteX7" y="connsiteY7"/>
-              </a:cxn>
-              <a:cxn ang="0">
-                <a:pos x="connsiteX8" y="connsiteY8"/>
-              </a:cxn>
-              <a:cxn ang="0">
-                <a:pos x="connsiteX9" y="connsiteY9"/>
-              </a:cxn>
-              <a:cxn ang="0">
-                <a:pos x="connsiteX10" y="connsiteY10"/>
-              </a:cxn>
-              <a:cxn ang="0">
-                <a:pos x="connsiteX11" y="connsiteY11"/>
-              </a:cxn>
-              <a:cxn ang="0">
-                <a:pos x="connsiteX12" y="connsiteY12"/>
-              </a:cxn>
-              <a:cxn ang="0">
-                <a:pos x="connsiteX13" y="connsiteY13"/>
-              </a:cxn>
-              <a:cxn ang="0">
-                <a:pos x="connsiteX14" y="connsiteY14"/>
-              </a:cxn>
-              <a:cxn ang="0">
-                <a:pos x="connsiteX15" y="connsiteY15"/>
-              </a:cxn>
-              <a:cxn ang="0">
-                <a:pos x="connsiteX16" y="connsiteY16"/>
-              </a:cxn>
-              <a:cxn ang="0">
-                <a:pos x="connsiteX17" y="connsiteY17"/>
-              </a:cxn>
-              <a:cxn ang="0">
-                <a:pos x="connsiteX18" y="connsiteY18"/>
-              </a:cxn>
-              <a:cxn ang="0">
-                <a:pos x="connsiteX19" y="connsiteY19"/>
-              </a:cxn>
-              <a:cxn ang="0">
-                <a:pos x="connsiteX20" y="connsiteY20"/>
-              </a:cxn>
-              <a:cxn ang="0">
-                <a:pos x="connsiteX21" y="connsiteY21"/>
-              </a:cxn>
-              <a:cxn ang="0">
-                <a:pos x="connsiteX22" y="connsiteY22"/>
-              </a:cxn>
-              <a:cxn ang="0">
-                <a:pos x="connsiteX23" y="connsiteY23"/>
-              </a:cxn>
-              <a:cxn ang="0">
-                <a:pos x="connsiteX24" y="connsiteY24"/>
-              </a:cxn>
-              <a:cxn ang="0">
-                <a:pos x="connsiteX25" y="connsiteY25"/>
-              </a:cxn>
-              <a:cxn ang="0">
-                <a:pos x="connsiteX26" y="connsiteY26"/>
-              </a:cxn>
-              <a:cxn ang="0">
-                <a:pos x="connsiteX27" y="connsiteY27"/>
-              </a:cxn>
-              <a:cxn ang="0">
-                <a:pos x="connsiteX28" y="connsiteY28"/>
-              </a:cxn>
-              <a:cxn ang="0">
-                <a:pos x="connsiteX29" y="connsiteY29"/>
-              </a:cxn>
-              <a:cxn ang="0">
-                <a:pos x="connsiteX30" y="connsiteY30"/>
-              </a:cxn>
-              <a:cxn ang="0">
-                <a:pos x="connsiteX31" y="connsiteY31"/>
-              </a:cxn>
-              <a:cxn ang="0">
-                <a:pos x="connsiteX32" y="connsiteY32"/>
-              </a:cxn>
-              <a:cxn ang="0">
-                <a:pos x="connsiteX33" y="connsiteY33"/>
-              </a:cxn>
-              <a:cxn ang="0">
-                <a:pos x="connsiteX34" y="connsiteY34"/>
-              </a:cxn>
-              <a:cxn ang="0">
-                <a:pos x="connsiteX35" y="connsiteY35"/>
-              </a:cxn>
-              <a:cxn ang="0">
-                <a:pos x="connsiteX36" y="connsiteY36"/>
-              </a:cxn>
-              <a:cxn ang="0">
-                <a:pos x="connsiteX37" y="connsiteY37"/>
-              </a:cxn>
-              <a:cxn ang="0">
-                <a:pos x="connsiteX38" y="connsiteY38"/>
-              </a:cxn>
-            </a:cxnLst>
-            <a:rect l="l" t="t" r="r" b="b"/>
-            <a:pathLst>
-              <a:path w="3054285" h="368289">
-                <a:moveTo>
-                  <a:pt x="0" y="358272"/>
-                </a:moveTo>
-                <a:cubicBezTo>
-                  <a:pt x="104221" y="369852"/>
-                  <a:pt x="87198" y="373296"/>
-                  <a:pt x="207390" y="358272"/>
-                </a:cubicBezTo>
-                <a:cubicBezTo>
-                  <a:pt x="224316" y="356156"/>
-                  <a:pt x="261696" y="336668"/>
-                  <a:pt x="273378" y="329992"/>
-                </a:cubicBezTo>
-                <a:cubicBezTo>
-                  <a:pt x="283215" y="324371"/>
-                  <a:pt x="291524" y="316205"/>
-                  <a:pt x="301658" y="311138"/>
-                </a:cubicBezTo>
-                <a:cubicBezTo>
-                  <a:pt x="310546" y="306694"/>
-                  <a:pt x="320512" y="304854"/>
-                  <a:pt x="329939" y="301712"/>
-                </a:cubicBezTo>
-                <a:cubicBezTo>
-                  <a:pt x="339366" y="295427"/>
-                  <a:pt x="350208" y="290869"/>
-                  <a:pt x="358219" y="282858"/>
-                </a:cubicBezTo>
-                <a:cubicBezTo>
-                  <a:pt x="366230" y="274847"/>
-                  <a:pt x="368226" y="261656"/>
-                  <a:pt x="377073" y="254578"/>
-                </a:cubicBezTo>
-                <a:cubicBezTo>
-                  <a:pt x="384832" y="248371"/>
-                  <a:pt x="396220" y="249065"/>
-                  <a:pt x="405353" y="245151"/>
-                </a:cubicBezTo>
-                <a:cubicBezTo>
-                  <a:pt x="418269" y="239615"/>
-                  <a:pt x="430859" y="233269"/>
-                  <a:pt x="443060" y="226297"/>
-                </a:cubicBezTo>
-                <a:cubicBezTo>
-                  <a:pt x="452897" y="220676"/>
-                  <a:pt x="460927" y="211907"/>
-                  <a:pt x="471341" y="207444"/>
-                </a:cubicBezTo>
-                <a:cubicBezTo>
-                  <a:pt x="483249" y="202341"/>
-                  <a:pt x="496479" y="201159"/>
-                  <a:pt x="509048" y="198017"/>
-                </a:cubicBezTo>
-                <a:cubicBezTo>
-                  <a:pt x="526038" y="181026"/>
-                  <a:pt x="542638" y="160728"/>
-                  <a:pt x="565609" y="150883"/>
-                </a:cubicBezTo>
-                <a:cubicBezTo>
-                  <a:pt x="577517" y="145780"/>
-                  <a:pt x="590747" y="144598"/>
-                  <a:pt x="603316" y="141456"/>
-                </a:cubicBezTo>
-                <a:cubicBezTo>
-                  <a:pt x="684352" y="87430"/>
-                  <a:pt x="581828" y="152199"/>
-                  <a:pt x="659877" y="113175"/>
-                </a:cubicBezTo>
-                <a:cubicBezTo>
-                  <a:pt x="670010" y="108108"/>
-                  <a:pt x="677166" y="97070"/>
-                  <a:pt x="688157" y="94322"/>
-                </a:cubicBezTo>
-                <a:cubicBezTo>
-                  <a:pt x="715762" y="87421"/>
-                  <a:pt x="744718" y="88037"/>
-                  <a:pt x="772998" y="84895"/>
-                </a:cubicBezTo>
-                <a:lnTo>
-                  <a:pt x="1131217" y="94322"/>
-                </a:lnTo>
-                <a:cubicBezTo>
-                  <a:pt x="1195264" y="96936"/>
-                  <a:pt x="1240101" y="104490"/>
-                  <a:pt x="1300899" y="113175"/>
-                </a:cubicBezTo>
-                <a:cubicBezTo>
-                  <a:pt x="1310326" y="116317"/>
-                  <a:pt x="1319480" y="120446"/>
-                  <a:pt x="1329180" y="122602"/>
-                </a:cubicBezTo>
-                <a:cubicBezTo>
-                  <a:pt x="1472343" y="154416"/>
-                  <a:pt x="1274801" y="99580"/>
-                  <a:pt x="1480009" y="150883"/>
-                </a:cubicBezTo>
-                <a:cubicBezTo>
-                  <a:pt x="1492578" y="154025"/>
-                  <a:pt x="1505259" y="156751"/>
-                  <a:pt x="1517716" y="160310"/>
-                </a:cubicBezTo>
-                <a:cubicBezTo>
-                  <a:pt x="1549091" y="169274"/>
-                  <a:pt x="1548347" y="173270"/>
-                  <a:pt x="1583704" y="179163"/>
-                </a:cubicBezTo>
-                <a:cubicBezTo>
-                  <a:pt x="1608693" y="183328"/>
-                  <a:pt x="1634079" y="184738"/>
-                  <a:pt x="1659118" y="188590"/>
-                </a:cubicBezTo>
-                <a:cubicBezTo>
-                  <a:pt x="1674954" y="191026"/>
-                  <a:pt x="1690448" y="195383"/>
-                  <a:pt x="1706252" y="198017"/>
-                </a:cubicBezTo>
-                <a:cubicBezTo>
-                  <a:pt x="1728169" y="201670"/>
-                  <a:pt x="1750244" y="204302"/>
-                  <a:pt x="1772240" y="207444"/>
-                </a:cubicBezTo>
-                <a:lnTo>
-                  <a:pt x="2271860" y="198017"/>
-                </a:lnTo>
-                <a:cubicBezTo>
-                  <a:pt x="2281791" y="197662"/>
-                  <a:pt x="2290364" y="190368"/>
-                  <a:pt x="2300141" y="188590"/>
-                </a:cubicBezTo>
-                <a:cubicBezTo>
-                  <a:pt x="2325066" y="184058"/>
-                  <a:pt x="2350516" y="183015"/>
-                  <a:pt x="2375555" y="179163"/>
-                </a:cubicBezTo>
-                <a:cubicBezTo>
-                  <a:pt x="2391391" y="176727"/>
-                  <a:pt x="2406925" y="172602"/>
-                  <a:pt x="2422689" y="169736"/>
-                </a:cubicBezTo>
-                <a:cubicBezTo>
-                  <a:pt x="2441494" y="166317"/>
-                  <a:pt x="2460396" y="163452"/>
-                  <a:pt x="2479250" y="160310"/>
-                </a:cubicBezTo>
-                <a:cubicBezTo>
-                  <a:pt x="2526247" y="144644"/>
-                  <a:pt x="2530778" y="141527"/>
-                  <a:pt x="2573518" y="132029"/>
-                </a:cubicBezTo>
-                <a:cubicBezTo>
-                  <a:pt x="2589159" y="128553"/>
-                  <a:pt x="2604753" y="124589"/>
-                  <a:pt x="2620652" y="122602"/>
-                </a:cubicBezTo>
-                <a:cubicBezTo>
-                  <a:pt x="2655092" y="118297"/>
-                  <a:pt x="2689782" y="116317"/>
-                  <a:pt x="2724347" y="113175"/>
-                </a:cubicBezTo>
-                <a:cubicBezTo>
-                  <a:pt x="2782282" y="101589"/>
-                  <a:pt x="2772681" y="104830"/>
-                  <a:pt x="2837468" y="84895"/>
-                </a:cubicBezTo>
-                <a:cubicBezTo>
-                  <a:pt x="2856463" y="79050"/>
-                  <a:pt x="2875175" y="72325"/>
-                  <a:pt x="2894029" y="66041"/>
-                </a:cubicBezTo>
-                <a:cubicBezTo>
-                  <a:pt x="2903456" y="62899"/>
-                  <a:pt x="2912473" y="58020"/>
-                  <a:pt x="2922310" y="56615"/>
-                </a:cubicBezTo>
-                <a:lnTo>
-                  <a:pt x="2988297" y="47188"/>
-                </a:lnTo>
-                <a:cubicBezTo>
-                  <a:pt x="3000866" y="40903"/>
-                  <a:pt x="3015209" y="37330"/>
-                  <a:pt x="3026005" y="28334"/>
-                </a:cubicBezTo>
-                <a:cubicBezTo>
-                  <a:pt x="3063079" y="-2561"/>
-                  <a:pt x="3028958" y="54"/>
-                  <a:pt x="3054285" y="54"/>
-                </a:cubicBezTo>
-              </a:path>
-            </a:pathLst>
-          </a:custGeom>
-          <a:noFill/>
-          <a:ln w="19050">
-            <a:solidFill>
-              <a:schemeClr val="tx1"/>
-            </a:solidFill>
-          </a:ln>
-        </p:spPr>
-        <p:style>
-          <a:lnRef idx="2">
-            <a:schemeClr val="accent1">
-              <a:shade val="50000"/>
-            </a:schemeClr>
-          </a:lnRef>
-          <a:fillRef idx="1">
-            <a:schemeClr val="accent1"/>
-          </a:fillRef>
-          <a:effectRef idx="0">
-            <a:schemeClr val="accent1"/>
-          </a:effectRef>
-          <a:fontRef idx="minor">
-            <a:schemeClr val="lt1"/>
-          </a:fontRef>
-        </p:style>
-        <p:txBody>
-          <a:bodyPr rtlCol="0" anchor="ctr"/>
-          <a:lstStyle/>
-          <a:p>
-            <a:pPr algn="ctr"/>
-            <a:endParaRPr lang="en-GB"/>
-          </a:p>
-        </p:txBody>
-      </p:sp>
-      <p:sp>
-        <p:nvSpPr>
-          <p:cNvPr id="11" name="Freeform 10"/>
-          <p:cNvSpPr/>
-          <p:nvPr/>
-        </p:nvSpPr>
-        <p:spPr>
-          <a:xfrm>
-            <a:off x="4624362" y="3120272"/>
-            <a:ext cx="2971974" cy="537328"/>
-          </a:xfrm>
-          <a:custGeom>
-            <a:avLst/>
-            <a:gdLst>
-              <a:gd name="connsiteX0" fmla="*/ 0 w 3337089"/>
-              <a:gd name="connsiteY0" fmla="*/ 461914 h 537328"/>
-              <a:gd name="connsiteX1" fmla="*/ 141402 w 3337089"/>
-              <a:gd name="connsiteY1" fmla="*/ 452487 h 537328"/>
-              <a:gd name="connsiteX2" fmla="*/ 179109 w 3337089"/>
-              <a:gd name="connsiteY2" fmla="*/ 443060 h 537328"/>
-              <a:gd name="connsiteX3" fmla="*/ 245097 w 3337089"/>
-              <a:gd name="connsiteY3" fmla="*/ 433633 h 537328"/>
-              <a:gd name="connsiteX4" fmla="*/ 301658 w 3337089"/>
-              <a:gd name="connsiteY4" fmla="*/ 405353 h 537328"/>
-              <a:gd name="connsiteX5" fmla="*/ 339365 w 3337089"/>
-              <a:gd name="connsiteY5" fmla="*/ 395926 h 537328"/>
-              <a:gd name="connsiteX6" fmla="*/ 527901 w 3337089"/>
-              <a:gd name="connsiteY6" fmla="*/ 377072 h 537328"/>
-              <a:gd name="connsiteX7" fmla="*/ 612742 w 3337089"/>
-              <a:gd name="connsiteY7" fmla="*/ 320512 h 537328"/>
-              <a:gd name="connsiteX8" fmla="*/ 650449 w 3337089"/>
-              <a:gd name="connsiteY8" fmla="*/ 311085 h 537328"/>
-              <a:gd name="connsiteX9" fmla="*/ 735291 w 3337089"/>
-              <a:gd name="connsiteY9" fmla="*/ 263951 h 537328"/>
-              <a:gd name="connsiteX10" fmla="*/ 754144 w 3337089"/>
-              <a:gd name="connsiteY10" fmla="*/ 235670 h 537328"/>
-              <a:gd name="connsiteX11" fmla="*/ 810705 w 3337089"/>
-              <a:gd name="connsiteY11" fmla="*/ 188536 h 537328"/>
-              <a:gd name="connsiteX12" fmla="*/ 829559 w 3337089"/>
-              <a:gd name="connsiteY12" fmla="*/ 160256 h 537328"/>
-              <a:gd name="connsiteX13" fmla="*/ 857839 w 3337089"/>
-              <a:gd name="connsiteY13" fmla="*/ 141402 h 537328"/>
-              <a:gd name="connsiteX14" fmla="*/ 895546 w 3337089"/>
-              <a:gd name="connsiteY14" fmla="*/ 84841 h 537328"/>
-              <a:gd name="connsiteX15" fmla="*/ 914400 w 3337089"/>
-              <a:gd name="connsiteY15" fmla="*/ 56561 h 537328"/>
-              <a:gd name="connsiteX16" fmla="*/ 923827 w 3337089"/>
-              <a:gd name="connsiteY16" fmla="*/ 28281 h 537328"/>
-              <a:gd name="connsiteX17" fmla="*/ 980388 w 3337089"/>
-              <a:gd name="connsiteY17" fmla="*/ 0 h 537328"/>
-              <a:gd name="connsiteX18" fmla="*/ 1093509 w 3337089"/>
-              <a:gd name="connsiteY18" fmla="*/ 18854 h 537328"/>
-              <a:gd name="connsiteX19" fmla="*/ 1112363 w 3337089"/>
-              <a:gd name="connsiteY19" fmla="*/ 47134 h 537328"/>
-              <a:gd name="connsiteX20" fmla="*/ 1140643 w 3337089"/>
-              <a:gd name="connsiteY20" fmla="*/ 84841 h 537328"/>
-              <a:gd name="connsiteX21" fmla="*/ 1150070 w 3337089"/>
-              <a:gd name="connsiteY21" fmla="*/ 113122 h 537328"/>
-              <a:gd name="connsiteX22" fmla="*/ 1159497 w 3337089"/>
-              <a:gd name="connsiteY22" fmla="*/ 160256 h 537328"/>
-              <a:gd name="connsiteX23" fmla="*/ 1178350 w 3337089"/>
-              <a:gd name="connsiteY23" fmla="*/ 188536 h 537328"/>
-              <a:gd name="connsiteX24" fmla="*/ 1187777 w 3337089"/>
-              <a:gd name="connsiteY24" fmla="*/ 216817 h 537328"/>
-              <a:gd name="connsiteX25" fmla="*/ 1234911 w 3337089"/>
-              <a:gd name="connsiteY25" fmla="*/ 273377 h 537328"/>
-              <a:gd name="connsiteX26" fmla="*/ 1244338 w 3337089"/>
-              <a:gd name="connsiteY26" fmla="*/ 301658 h 537328"/>
-              <a:gd name="connsiteX27" fmla="*/ 1272618 w 3337089"/>
-              <a:gd name="connsiteY27" fmla="*/ 320512 h 537328"/>
-              <a:gd name="connsiteX28" fmla="*/ 1310326 w 3337089"/>
-              <a:gd name="connsiteY28" fmla="*/ 348792 h 537328"/>
-              <a:gd name="connsiteX29" fmla="*/ 1366886 w 3337089"/>
-              <a:gd name="connsiteY29" fmla="*/ 386499 h 537328"/>
-              <a:gd name="connsiteX30" fmla="*/ 1395167 w 3337089"/>
-              <a:gd name="connsiteY30" fmla="*/ 414780 h 537328"/>
-              <a:gd name="connsiteX31" fmla="*/ 1423447 w 3337089"/>
-              <a:gd name="connsiteY31" fmla="*/ 424206 h 537328"/>
-              <a:gd name="connsiteX32" fmla="*/ 1470581 w 3337089"/>
-              <a:gd name="connsiteY32" fmla="*/ 443060 h 537328"/>
-              <a:gd name="connsiteX33" fmla="*/ 1545996 w 3337089"/>
-              <a:gd name="connsiteY33" fmla="*/ 471340 h 537328"/>
-              <a:gd name="connsiteX34" fmla="*/ 1602557 w 3337089"/>
-              <a:gd name="connsiteY34" fmla="*/ 499621 h 537328"/>
-              <a:gd name="connsiteX35" fmla="*/ 1668544 w 3337089"/>
-              <a:gd name="connsiteY35" fmla="*/ 518474 h 537328"/>
-              <a:gd name="connsiteX36" fmla="*/ 1772239 w 3337089"/>
-              <a:gd name="connsiteY36" fmla="*/ 527901 h 537328"/>
-              <a:gd name="connsiteX37" fmla="*/ 1857080 w 3337089"/>
-              <a:gd name="connsiteY37" fmla="*/ 537328 h 537328"/>
-              <a:gd name="connsiteX38" fmla="*/ 2073897 w 3337089"/>
-              <a:gd name="connsiteY38" fmla="*/ 509048 h 537328"/>
-              <a:gd name="connsiteX39" fmla="*/ 2187018 w 3337089"/>
-              <a:gd name="connsiteY39" fmla="*/ 452487 h 537328"/>
-              <a:gd name="connsiteX40" fmla="*/ 2215299 w 3337089"/>
-              <a:gd name="connsiteY40" fmla="*/ 443060 h 537328"/>
-              <a:gd name="connsiteX41" fmla="*/ 2281286 w 3337089"/>
-              <a:gd name="connsiteY41" fmla="*/ 377072 h 537328"/>
-              <a:gd name="connsiteX42" fmla="*/ 2309567 w 3337089"/>
-              <a:gd name="connsiteY42" fmla="*/ 367646 h 537328"/>
-              <a:gd name="connsiteX43" fmla="*/ 2375555 w 3337089"/>
-              <a:gd name="connsiteY43" fmla="*/ 329938 h 537328"/>
-              <a:gd name="connsiteX44" fmla="*/ 2403835 w 3337089"/>
-              <a:gd name="connsiteY44" fmla="*/ 320512 h 537328"/>
-              <a:gd name="connsiteX45" fmla="*/ 2554664 w 3337089"/>
-              <a:gd name="connsiteY45" fmla="*/ 339365 h 537328"/>
-              <a:gd name="connsiteX46" fmla="*/ 2611225 w 3337089"/>
-              <a:gd name="connsiteY46" fmla="*/ 367646 h 537328"/>
-              <a:gd name="connsiteX47" fmla="*/ 2630078 w 3337089"/>
-              <a:gd name="connsiteY47" fmla="*/ 395926 h 537328"/>
-              <a:gd name="connsiteX48" fmla="*/ 2658359 w 3337089"/>
-              <a:gd name="connsiteY48" fmla="*/ 405353 h 537328"/>
-              <a:gd name="connsiteX49" fmla="*/ 2762054 w 3337089"/>
-              <a:gd name="connsiteY49" fmla="*/ 433633 h 537328"/>
-              <a:gd name="connsiteX50" fmla="*/ 3044858 w 3337089"/>
-              <a:gd name="connsiteY50" fmla="*/ 424206 h 537328"/>
-              <a:gd name="connsiteX51" fmla="*/ 3082565 w 3337089"/>
-              <a:gd name="connsiteY51" fmla="*/ 414780 h 537328"/>
-              <a:gd name="connsiteX52" fmla="*/ 3214540 w 3337089"/>
-              <a:gd name="connsiteY52" fmla="*/ 443060 h 537328"/>
-              <a:gd name="connsiteX53" fmla="*/ 3337089 w 3337089"/>
-              <a:gd name="connsiteY53" fmla="*/ 452487 h 537328"/>
-            </a:gdLst>
-            <a:ahLst/>
-            <a:cxnLst>
-              <a:cxn ang="0">
-                <a:pos x="connsiteX0" y="connsiteY0"/>
-              </a:cxn>
-              <a:cxn ang="0">
-                <a:pos x="connsiteX1" y="connsiteY1"/>
-              </a:cxn>
-              <a:cxn ang="0">
-                <a:pos x="connsiteX2" y="connsiteY2"/>
-              </a:cxn>
-              <a:cxn ang="0">
-                <a:pos x="connsiteX3" y="connsiteY3"/>
-              </a:cxn>
-              <a:cxn ang="0">
-                <a:pos x="connsiteX4" y="connsiteY4"/>
-              </a:cxn>
-              <a:cxn ang="0">
-                <a:pos x="connsiteX5" y="connsiteY5"/>
-              </a:cxn>
-              <a:cxn ang="0">
-                <a:pos x="connsiteX6" y="connsiteY6"/>
-              </a:cxn>
-              <a:cxn ang="0">
-                <a:pos x="connsiteX7" y="connsiteY7"/>
-              </a:cxn>
-              <a:cxn ang="0">
-                <a:pos x="connsiteX8" y="connsiteY8"/>
-              </a:cxn>
-              <a:cxn ang="0">
-                <a:pos x="connsiteX9" y="connsiteY9"/>
-              </a:cxn>
-              <a:cxn ang="0">
-                <a:pos x="connsiteX10" y="connsiteY10"/>
-              </a:cxn>
-              <a:cxn ang="0">
-                <a:pos x="connsiteX11" y="connsiteY11"/>
-              </a:cxn>
-              <a:cxn ang="0">
-                <a:pos x="connsiteX12" y="connsiteY12"/>
-              </a:cxn>
-              <a:cxn ang="0">
-                <a:pos x="connsiteX13" y="connsiteY13"/>
-              </a:cxn>
-              <a:cxn ang="0">
-                <a:pos x="connsiteX14" y="connsiteY14"/>
-              </a:cxn>
-              <a:cxn ang="0">
-                <a:pos x="connsiteX15" y="connsiteY15"/>
-              </a:cxn>
-              <a:cxn ang="0">
-                <a:pos x="connsiteX16" y="connsiteY16"/>
-              </a:cxn>
-              <a:cxn ang="0">
-                <a:pos x="connsiteX17" y="connsiteY17"/>
-              </a:cxn>
-              <a:cxn ang="0">
-                <a:pos x="connsiteX18" y="connsiteY18"/>
-              </a:cxn>
-              <a:cxn ang="0">
-                <a:pos x="connsiteX19" y="connsiteY19"/>
-              </a:cxn>
-              <a:cxn ang="0">
-                <a:pos x="connsiteX20" y="connsiteY20"/>
-              </a:cxn>
-              <a:cxn ang="0">
-                <a:pos x="connsiteX21" y="connsiteY21"/>
-              </a:cxn>
-              <a:cxn ang="0">
-                <a:pos x="connsiteX22" y="connsiteY22"/>
-              </a:cxn>
-              <a:cxn ang="0">
-                <a:pos x="connsiteX23" y="connsiteY23"/>
-              </a:cxn>
-              <a:cxn ang="0">
-                <a:pos x="connsiteX24" y="connsiteY24"/>
-              </a:cxn>
-              <a:cxn ang="0">
-                <a:pos x="connsiteX25" y="connsiteY25"/>
-              </a:cxn>
-              <a:cxn ang="0">
-                <a:pos x="connsiteX26" y="connsiteY26"/>
-              </a:cxn>
-              <a:cxn ang="0">
-                <a:pos x="connsiteX27" y="connsiteY27"/>
-              </a:cxn>
-              <a:cxn ang="0">
-                <a:pos x="connsiteX28" y="connsiteY28"/>
-              </a:cxn>
-              <a:cxn ang="0">
-                <a:pos x="connsiteX29" y="connsiteY29"/>
-              </a:cxn>
-              <a:cxn ang="0">
-                <a:pos x="connsiteX30" y="connsiteY30"/>
-              </a:cxn>
-              <a:cxn ang="0">
-                <a:pos x="connsiteX31" y="connsiteY31"/>
-              </a:cxn>
-              <a:cxn ang="0">
-                <a:pos x="connsiteX32" y="connsiteY32"/>
-              </a:cxn>
-              <a:cxn ang="0">
-                <a:pos x="connsiteX33" y="connsiteY33"/>
-              </a:cxn>
-              <a:cxn ang="0">
-                <a:pos x="connsiteX34" y="connsiteY34"/>
-              </a:cxn>
-              <a:cxn ang="0">
-                <a:pos x="connsiteX35" y="connsiteY35"/>
-              </a:cxn>
-              <a:cxn ang="0">
-                <a:pos x="connsiteX36" y="connsiteY36"/>
-              </a:cxn>
-              <a:cxn ang="0">
-                <a:pos x="connsiteX37" y="connsiteY37"/>
-              </a:cxn>
-              <a:cxn ang="0">
-                <a:pos x="connsiteX38" y="connsiteY38"/>
-              </a:cxn>
-              <a:cxn ang="0">
-                <a:pos x="connsiteX39" y="connsiteY39"/>
-              </a:cxn>
-              <a:cxn ang="0">
-                <a:pos x="connsiteX40" y="connsiteY40"/>
-              </a:cxn>
-              <a:cxn ang="0">
-                <a:pos x="connsiteX41" y="connsiteY41"/>
-              </a:cxn>
-              <a:cxn ang="0">
-                <a:pos x="connsiteX42" y="connsiteY42"/>
-              </a:cxn>
-              <a:cxn ang="0">
-                <a:pos x="connsiteX43" y="connsiteY43"/>
-              </a:cxn>
-              <a:cxn ang="0">
-                <a:pos x="connsiteX44" y="connsiteY44"/>
-              </a:cxn>
-              <a:cxn ang="0">
-                <a:pos x="connsiteX45" y="connsiteY45"/>
-              </a:cxn>
-              <a:cxn ang="0">
-                <a:pos x="connsiteX46" y="connsiteY46"/>
-              </a:cxn>
-              <a:cxn ang="0">
-                <a:pos x="connsiteX47" y="connsiteY47"/>
-              </a:cxn>
-              <a:cxn ang="0">
-                <a:pos x="connsiteX48" y="connsiteY48"/>
-              </a:cxn>
-              <a:cxn ang="0">
-                <a:pos x="connsiteX49" y="connsiteY49"/>
-              </a:cxn>
-              <a:cxn ang="0">
-                <a:pos x="connsiteX50" y="connsiteY50"/>
-              </a:cxn>
-              <a:cxn ang="0">
-                <a:pos x="connsiteX51" y="connsiteY51"/>
-              </a:cxn>
-              <a:cxn ang="0">
-                <a:pos x="connsiteX52" y="connsiteY52"/>
-              </a:cxn>
-              <a:cxn ang="0">
-                <a:pos x="connsiteX53" y="connsiteY53"/>
-              </a:cxn>
-            </a:cxnLst>
-            <a:rect l="l" t="t" r="r" b="b"/>
-            <a:pathLst>
-              <a:path w="3337089" h="537328">
-                <a:moveTo>
-                  <a:pt x="0" y="461914"/>
-                </a:moveTo>
-                <a:cubicBezTo>
-                  <a:pt x="47134" y="458772"/>
-                  <a:pt x="94423" y="457432"/>
-                  <a:pt x="141402" y="452487"/>
-                </a:cubicBezTo>
-                <a:cubicBezTo>
-                  <a:pt x="154287" y="451131"/>
-                  <a:pt x="166362" y="445378"/>
-                  <a:pt x="179109" y="443060"/>
-                </a:cubicBezTo>
-                <a:cubicBezTo>
-                  <a:pt x="200970" y="439085"/>
-                  <a:pt x="223101" y="436775"/>
-                  <a:pt x="245097" y="433633"/>
-                </a:cubicBezTo>
-                <a:cubicBezTo>
-                  <a:pt x="364271" y="393907"/>
-                  <a:pt x="173727" y="460179"/>
-                  <a:pt x="301658" y="405353"/>
-                </a:cubicBezTo>
-                <a:cubicBezTo>
-                  <a:pt x="313566" y="400250"/>
-                  <a:pt x="326718" y="398737"/>
-                  <a:pt x="339365" y="395926"/>
-                </a:cubicBezTo>
-                <a:cubicBezTo>
-                  <a:pt x="419469" y="378125"/>
-                  <a:pt x="409874" y="384941"/>
-                  <a:pt x="527901" y="377072"/>
-                </a:cubicBezTo>
-                <a:lnTo>
-                  <a:pt x="612742" y="320512"/>
-                </a:lnTo>
-                <a:cubicBezTo>
-                  <a:pt x="623522" y="313325"/>
-                  <a:pt x="637880" y="314227"/>
-                  <a:pt x="650449" y="311085"/>
-                </a:cubicBezTo>
-                <a:cubicBezTo>
-                  <a:pt x="715278" y="267865"/>
-                  <a:pt x="685513" y="280542"/>
-                  <a:pt x="735291" y="263951"/>
-                </a:cubicBezTo>
-                <a:cubicBezTo>
-                  <a:pt x="741575" y="254524"/>
-                  <a:pt x="746891" y="244374"/>
-                  <a:pt x="754144" y="235670"/>
-                </a:cubicBezTo>
-                <a:cubicBezTo>
-                  <a:pt x="776824" y="208454"/>
-                  <a:pt x="782901" y="207073"/>
-                  <a:pt x="810705" y="188536"/>
-                </a:cubicBezTo>
-                <a:cubicBezTo>
-                  <a:pt x="816990" y="179109"/>
-                  <a:pt x="821548" y="168267"/>
-                  <a:pt x="829559" y="160256"/>
-                </a:cubicBezTo>
-                <a:cubicBezTo>
-                  <a:pt x="837570" y="152245"/>
-                  <a:pt x="850379" y="149928"/>
-                  <a:pt x="857839" y="141402"/>
-                </a:cubicBezTo>
-                <a:cubicBezTo>
-                  <a:pt x="872760" y="124349"/>
-                  <a:pt x="882977" y="103695"/>
-                  <a:pt x="895546" y="84841"/>
-                </a:cubicBezTo>
-                <a:cubicBezTo>
-                  <a:pt x="901831" y="75414"/>
-                  <a:pt x="910817" y="67309"/>
-                  <a:pt x="914400" y="56561"/>
-                </a:cubicBezTo>
-                <a:cubicBezTo>
-                  <a:pt x="917542" y="47134"/>
-                  <a:pt x="917620" y="36040"/>
-                  <a:pt x="923827" y="28281"/>
-                </a:cubicBezTo>
-                <a:cubicBezTo>
-                  <a:pt x="937118" y="11667"/>
-                  <a:pt x="961757" y="6210"/>
-                  <a:pt x="980388" y="0"/>
-                </a:cubicBezTo>
-                <a:cubicBezTo>
-                  <a:pt x="1018095" y="6285"/>
-                  <a:pt x="1057509" y="5997"/>
-                  <a:pt x="1093509" y="18854"/>
-                </a:cubicBezTo>
-                <a:cubicBezTo>
-                  <a:pt x="1104179" y="22665"/>
-                  <a:pt x="1105778" y="37915"/>
-                  <a:pt x="1112363" y="47134"/>
-                </a:cubicBezTo>
-                <a:cubicBezTo>
-                  <a:pt x="1121495" y="59919"/>
-                  <a:pt x="1131216" y="72272"/>
-                  <a:pt x="1140643" y="84841"/>
-                </a:cubicBezTo>
-                <a:cubicBezTo>
-                  <a:pt x="1143785" y="94268"/>
-                  <a:pt x="1147660" y="103482"/>
-                  <a:pt x="1150070" y="113122"/>
-                </a:cubicBezTo>
-                <a:cubicBezTo>
-                  <a:pt x="1153956" y="128666"/>
-                  <a:pt x="1153871" y="145254"/>
-                  <a:pt x="1159497" y="160256"/>
-                </a:cubicBezTo>
-                <a:cubicBezTo>
-                  <a:pt x="1163475" y="170864"/>
-                  <a:pt x="1173283" y="178403"/>
-                  <a:pt x="1178350" y="188536"/>
-                </a:cubicBezTo>
-                <a:cubicBezTo>
-                  <a:pt x="1182794" y="197424"/>
-                  <a:pt x="1182265" y="208549"/>
-                  <a:pt x="1187777" y="216817"/>
-                </a:cubicBezTo>
-                <a:cubicBezTo>
-                  <a:pt x="1229474" y="279362"/>
-                  <a:pt x="1204070" y="211693"/>
-                  <a:pt x="1234911" y="273377"/>
-                </a:cubicBezTo>
-                <a:cubicBezTo>
-                  <a:pt x="1239355" y="282265"/>
-                  <a:pt x="1238131" y="293898"/>
-                  <a:pt x="1244338" y="301658"/>
-                </a:cubicBezTo>
-                <a:cubicBezTo>
-                  <a:pt x="1251415" y="310505"/>
-                  <a:pt x="1263399" y="313927"/>
-                  <a:pt x="1272618" y="320512"/>
-                </a:cubicBezTo>
-                <a:cubicBezTo>
-                  <a:pt x="1285403" y="329644"/>
-                  <a:pt x="1297455" y="339782"/>
-                  <a:pt x="1310326" y="348792"/>
-                </a:cubicBezTo>
-                <a:cubicBezTo>
-                  <a:pt x="1328889" y="361786"/>
-                  <a:pt x="1350864" y="370477"/>
-                  <a:pt x="1366886" y="386499"/>
-                </a:cubicBezTo>
-                <a:cubicBezTo>
-                  <a:pt x="1376313" y="395926"/>
-                  <a:pt x="1384074" y="407385"/>
-                  <a:pt x="1395167" y="414780"/>
-                </a:cubicBezTo>
-                <a:cubicBezTo>
-                  <a:pt x="1403435" y="420292"/>
-                  <a:pt x="1414143" y="420717"/>
-                  <a:pt x="1423447" y="424206"/>
-                </a:cubicBezTo>
-                <a:cubicBezTo>
-                  <a:pt x="1439291" y="430148"/>
-                  <a:pt x="1455446" y="435492"/>
-                  <a:pt x="1470581" y="443060"/>
-                </a:cubicBezTo>
-                <a:cubicBezTo>
-                  <a:pt x="1548171" y="481855"/>
-                  <a:pt x="1436874" y="444060"/>
-                  <a:pt x="1545996" y="471340"/>
-                </a:cubicBezTo>
-                <a:cubicBezTo>
-                  <a:pt x="1593380" y="483186"/>
-                  <a:pt x="1556481" y="476583"/>
-                  <a:pt x="1602557" y="499621"/>
-                </a:cubicBezTo>
-                <a:cubicBezTo>
-                  <a:pt x="1613135" y="504910"/>
-                  <a:pt x="1660303" y="517375"/>
-                  <a:pt x="1668544" y="518474"/>
-                </a:cubicBezTo>
-                <a:cubicBezTo>
-                  <a:pt x="1702947" y="523061"/>
-                  <a:pt x="1737704" y="524447"/>
-                  <a:pt x="1772239" y="527901"/>
-                </a:cubicBezTo>
-                <a:cubicBezTo>
-                  <a:pt x="1800552" y="530732"/>
-                  <a:pt x="1828800" y="534186"/>
-                  <a:pt x="1857080" y="537328"/>
-                </a:cubicBezTo>
-                <a:cubicBezTo>
-                  <a:pt x="2049075" y="517118"/>
-                  <a:pt x="1977949" y="533033"/>
-                  <a:pt x="2073897" y="509048"/>
-                </a:cubicBezTo>
-                <a:cubicBezTo>
-                  <a:pt x="2146994" y="460316"/>
-                  <a:pt x="2108961" y="478506"/>
-                  <a:pt x="2187018" y="452487"/>
-                </a:cubicBezTo>
-                <a:lnTo>
-                  <a:pt x="2215299" y="443060"/>
-                </a:lnTo>
-                <a:lnTo>
-                  <a:pt x="2281286" y="377072"/>
-                </a:lnTo>
-                <a:cubicBezTo>
-                  <a:pt x="2288312" y="370046"/>
-                  <a:pt x="2300434" y="371560"/>
-                  <a:pt x="2309567" y="367646"/>
-                </a:cubicBezTo>
-                <a:cubicBezTo>
-                  <a:pt x="2425245" y="318071"/>
-                  <a:pt x="2280888" y="377271"/>
-                  <a:pt x="2375555" y="329938"/>
-                </a:cubicBezTo>
-                <a:cubicBezTo>
-                  <a:pt x="2384443" y="325494"/>
-                  <a:pt x="2394408" y="323654"/>
-                  <a:pt x="2403835" y="320512"/>
-                </a:cubicBezTo>
-                <a:cubicBezTo>
-                  <a:pt x="2454111" y="326796"/>
-                  <a:pt x="2512506" y="311259"/>
-                  <a:pt x="2554664" y="339365"/>
-                </a:cubicBezTo>
-                <a:cubicBezTo>
-                  <a:pt x="2591212" y="363731"/>
-                  <a:pt x="2572196" y="354636"/>
-                  <a:pt x="2611225" y="367646"/>
-                </a:cubicBezTo>
-                <a:cubicBezTo>
-                  <a:pt x="2617509" y="377073"/>
-                  <a:pt x="2621231" y="388849"/>
-                  <a:pt x="2630078" y="395926"/>
-                </a:cubicBezTo>
-                <a:cubicBezTo>
-                  <a:pt x="2637837" y="402134"/>
-                  <a:pt x="2649471" y="400909"/>
-                  <a:pt x="2658359" y="405353"/>
-                </a:cubicBezTo>
-                <a:cubicBezTo>
-                  <a:pt x="2729656" y="441001"/>
-                  <a:pt x="2626342" y="416669"/>
-                  <a:pt x="2762054" y="433633"/>
-                </a:cubicBezTo>
-                <a:cubicBezTo>
-                  <a:pt x="2856322" y="430491"/>
-                  <a:pt x="2950700" y="429745"/>
-                  <a:pt x="3044858" y="424206"/>
-                </a:cubicBezTo>
-                <a:cubicBezTo>
-                  <a:pt x="3057791" y="423445"/>
-                  <a:pt x="3069642" y="413857"/>
-                  <a:pt x="3082565" y="414780"/>
-                </a:cubicBezTo>
-                <a:cubicBezTo>
-                  <a:pt x="3148748" y="419507"/>
-                  <a:pt x="3162236" y="432599"/>
-                  <a:pt x="3214540" y="443060"/>
-                </a:cubicBezTo>
-                <a:cubicBezTo>
-                  <a:pt x="3279755" y="456103"/>
-                  <a:pt x="3266997" y="452487"/>
-                  <a:pt x="3337089" y="452487"/>
-                </a:cubicBezTo>
-              </a:path>
-            </a:pathLst>
-          </a:custGeom>
-          <a:noFill/>
-          <a:ln w="19050">
-            <a:solidFill>
-              <a:schemeClr val="tx1"/>
-            </a:solidFill>
-          </a:ln>
-        </p:spPr>
-        <p:style>
-          <a:lnRef idx="2">
-            <a:schemeClr val="accent1">
-              <a:shade val="50000"/>
-            </a:schemeClr>
-          </a:lnRef>
-          <a:fillRef idx="1">
-            <a:schemeClr val="accent1"/>
-          </a:fillRef>
-          <a:effectRef idx="0">
-            <a:schemeClr val="accent1"/>
-          </a:effectRef>
-          <a:fontRef idx="minor">
-            <a:schemeClr val="lt1"/>
-          </a:fontRef>
-        </p:style>
-        <p:txBody>
-          <a:bodyPr rtlCol="0" anchor="ctr"/>
-          <a:lstStyle/>
-          <a:p>
-            <a:pPr algn="ctr"/>
-            <a:endParaRPr lang="en-GB"/>
-          </a:p>
-        </p:txBody>
-      </p:sp>
-      <p:sp>
-        <p:nvSpPr>
-          <p:cNvPr id="13" name="Freeform 12"/>
-          <p:cNvSpPr/>
-          <p:nvPr/>
-        </p:nvSpPr>
-        <p:spPr>
-          <a:xfrm>
-            <a:off x="4647414" y="4176074"/>
-            <a:ext cx="3020930" cy="424338"/>
-          </a:xfrm>
-          <a:custGeom>
-            <a:avLst/>
-            <a:gdLst>
-              <a:gd name="connsiteX0" fmla="*/ 0 w 3044858"/>
-              <a:gd name="connsiteY0" fmla="*/ 0 h 424338"/>
-              <a:gd name="connsiteX1" fmla="*/ 47134 w 3044858"/>
-              <a:gd name="connsiteY1" fmla="*/ 9427 h 424338"/>
-              <a:gd name="connsiteX2" fmla="*/ 103695 w 3044858"/>
-              <a:gd name="connsiteY2" fmla="*/ 47134 h 424338"/>
-              <a:gd name="connsiteX3" fmla="*/ 131976 w 3044858"/>
-              <a:gd name="connsiteY3" fmla="*/ 56561 h 424338"/>
-              <a:gd name="connsiteX4" fmla="*/ 150829 w 3044858"/>
-              <a:gd name="connsiteY4" fmla="*/ 84841 h 424338"/>
-              <a:gd name="connsiteX5" fmla="*/ 235670 w 3044858"/>
-              <a:gd name="connsiteY5" fmla="*/ 131975 h 424338"/>
-              <a:gd name="connsiteX6" fmla="*/ 320512 w 3044858"/>
-              <a:gd name="connsiteY6" fmla="*/ 169683 h 424338"/>
-              <a:gd name="connsiteX7" fmla="*/ 377072 w 3044858"/>
-              <a:gd name="connsiteY7" fmla="*/ 207390 h 424338"/>
-              <a:gd name="connsiteX8" fmla="*/ 414780 w 3044858"/>
-              <a:gd name="connsiteY8" fmla="*/ 216817 h 424338"/>
-              <a:gd name="connsiteX9" fmla="*/ 499621 w 3044858"/>
-              <a:gd name="connsiteY9" fmla="*/ 245097 h 424338"/>
-              <a:gd name="connsiteX10" fmla="*/ 641023 w 3044858"/>
-              <a:gd name="connsiteY10" fmla="*/ 292231 h 424338"/>
-              <a:gd name="connsiteX11" fmla="*/ 697584 w 3044858"/>
-              <a:gd name="connsiteY11" fmla="*/ 311085 h 424338"/>
-              <a:gd name="connsiteX12" fmla="*/ 848413 w 3044858"/>
-              <a:gd name="connsiteY12" fmla="*/ 329938 h 424338"/>
-              <a:gd name="connsiteX13" fmla="*/ 895547 w 3044858"/>
-              <a:gd name="connsiteY13" fmla="*/ 339365 h 424338"/>
-              <a:gd name="connsiteX14" fmla="*/ 1093510 w 3044858"/>
-              <a:gd name="connsiteY14" fmla="*/ 358219 h 424338"/>
-              <a:gd name="connsiteX15" fmla="*/ 1150070 w 3044858"/>
-              <a:gd name="connsiteY15" fmla="*/ 367646 h 424338"/>
-              <a:gd name="connsiteX16" fmla="*/ 1178351 w 3044858"/>
-              <a:gd name="connsiteY16" fmla="*/ 377072 h 424338"/>
-              <a:gd name="connsiteX17" fmla="*/ 1348033 w 3044858"/>
-              <a:gd name="connsiteY17" fmla="*/ 386499 h 424338"/>
-              <a:gd name="connsiteX18" fmla="*/ 1819374 w 3044858"/>
-              <a:gd name="connsiteY18" fmla="*/ 405353 h 424338"/>
-              <a:gd name="connsiteX19" fmla="*/ 1941922 w 3044858"/>
-              <a:gd name="connsiteY19" fmla="*/ 395926 h 424338"/>
-              <a:gd name="connsiteX20" fmla="*/ 2158738 w 3044858"/>
-              <a:gd name="connsiteY20" fmla="*/ 386499 h 424338"/>
-              <a:gd name="connsiteX21" fmla="*/ 2573518 w 3044858"/>
-              <a:gd name="connsiteY21" fmla="*/ 367646 h 424338"/>
-              <a:gd name="connsiteX22" fmla="*/ 2875176 w 3044858"/>
-              <a:gd name="connsiteY22" fmla="*/ 386499 h 424338"/>
-              <a:gd name="connsiteX23" fmla="*/ 2941163 w 3044858"/>
-              <a:gd name="connsiteY23" fmla="*/ 405353 h 424338"/>
-              <a:gd name="connsiteX24" fmla="*/ 2997724 w 3044858"/>
-              <a:gd name="connsiteY24" fmla="*/ 414780 h 424338"/>
-              <a:gd name="connsiteX25" fmla="*/ 3044858 w 3044858"/>
-              <a:gd name="connsiteY25" fmla="*/ 424206 h 424338"/>
-            </a:gdLst>
-            <a:ahLst/>
-            <a:cxnLst>
-              <a:cxn ang="0">
-                <a:pos x="connsiteX0" y="connsiteY0"/>
-              </a:cxn>
-              <a:cxn ang="0">
-                <a:pos x="connsiteX1" y="connsiteY1"/>
-              </a:cxn>
-              <a:cxn ang="0">
-                <a:pos x="connsiteX2" y="connsiteY2"/>
-              </a:cxn>
-              <a:cxn ang="0">
-                <a:pos x="connsiteX3" y="connsiteY3"/>
-              </a:cxn>
-              <a:cxn ang="0">
-                <a:pos x="connsiteX4" y="connsiteY4"/>
-              </a:cxn>
-              <a:cxn ang="0">
-                <a:pos x="connsiteX5" y="connsiteY5"/>
-              </a:cxn>
-              <a:cxn ang="0">
-                <a:pos x="connsiteX6" y="connsiteY6"/>
-              </a:cxn>
-              <a:cxn ang="0">
-                <a:pos x="connsiteX7" y="connsiteY7"/>
-              </a:cxn>
-              <a:cxn ang="0">
-                <a:pos x="connsiteX8" y="connsiteY8"/>
-              </a:cxn>
-              <a:cxn ang="0">
-                <a:pos x="connsiteX9" y="connsiteY9"/>
-              </a:cxn>
-              <a:cxn ang="0">
-                <a:pos x="connsiteX10" y="connsiteY10"/>
-              </a:cxn>
-              <a:cxn ang="0">
-                <a:pos x="connsiteX11" y="connsiteY11"/>
-              </a:cxn>
-              <a:cxn ang="0">
-                <a:pos x="connsiteX12" y="connsiteY12"/>
-              </a:cxn>
-              <a:cxn ang="0">
-                <a:pos x="connsiteX13" y="connsiteY13"/>
-              </a:cxn>
-              <a:cxn ang="0">
-                <a:pos x="connsiteX14" y="connsiteY14"/>
-              </a:cxn>
-              <a:cxn ang="0">
-                <a:pos x="connsiteX15" y="connsiteY15"/>
-              </a:cxn>
-              <a:cxn ang="0">
-                <a:pos x="connsiteX16" y="connsiteY16"/>
-              </a:cxn>
-              <a:cxn ang="0">
-                <a:pos x="connsiteX17" y="connsiteY17"/>
-              </a:cxn>
-              <a:cxn ang="0">
-                <a:pos x="connsiteX18" y="connsiteY18"/>
-              </a:cxn>
-              <a:cxn ang="0">
-                <a:pos x="connsiteX19" y="connsiteY19"/>
-              </a:cxn>
-              <a:cxn ang="0">
-                <a:pos x="connsiteX20" y="connsiteY20"/>
-              </a:cxn>
-              <a:cxn ang="0">
-                <a:pos x="connsiteX21" y="connsiteY21"/>
-              </a:cxn>
-              <a:cxn ang="0">
-                <a:pos x="connsiteX22" y="connsiteY22"/>
-              </a:cxn>
-              <a:cxn ang="0">
-                <a:pos x="connsiteX23" y="connsiteY23"/>
-              </a:cxn>
-              <a:cxn ang="0">
-                <a:pos x="connsiteX24" y="connsiteY24"/>
-              </a:cxn>
-              <a:cxn ang="0">
-                <a:pos x="connsiteX25" y="connsiteY25"/>
-              </a:cxn>
-            </a:cxnLst>
-            <a:rect l="l" t="t" r="r" b="b"/>
-            <a:pathLst>
-              <a:path w="3044858" h="424338">
-                <a:moveTo>
-                  <a:pt x="0" y="0"/>
-                </a:moveTo>
-                <a:cubicBezTo>
-                  <a:pt x="15711" y="3142"/>
-                  <a:pt x="32548" y="2797"/>
-                  <a:pt x="47134" y="9427"/>
-                </a:cubicBezTo>
-                <a:cubicBezTo>
-                  <a:pt x="67762" y="18803"/>
-                  <a:pt x="82199" y="39969"/>
-                  <a:pt x="103695" y="47134"/>
-                </a:cubicBezTo>
-                <a:lnTo>
-                  <a:pt x="131976" y="56561"/>
-                </a:lnTo>
-                <a:cubicBezTo>
-                  <a:pt x="138260" y="65988"/>
-                  <a:pt x="142303" y="77381"/>
-                  <a:pt x="150829" y="84841"/>
-                </a:cubicBezTo>
-                <a:cubicBezTo>
-                  <a:pt x="190725" y="119751"/>
-                  <a:pt x="196826" y="119028"/>
-                  <a:pt x="235670" y="131975"/>
-                </a:cubicBezTo>
-                <a:cubicBezTo>
-                  <a:pt x="280487" y="161853"/>
-                  <a:pt x="253203" y="147246"/>
-                  <a:pt x="320512" y="169683"/>
-                </a:cubicBezTo>
-                <a:cubicBezTo>
-                  <a:pt x="342008" y="176849"/>
-                  <a:pt x="358219" y="194821"/>
-                  <a:pt x="377072" y="207390"/>
-                </a:cubicBezTo>
-                <a:cubicBezTo>
-                  <a:pt x="387852" y="214577"/>
-                  <a:pt x="402370" y="213094"/>
-                  <a:pt x="414780" y="216817"/>
-                </a:cubicBezTo>
-                <a:cubicBezTo>
-                  <a:pt x="414827" y="216831"/>
-                  <a:pt x="485458" y="240376"/>
-                  <a:pt x="499621" y="245097"/>
-                </a:cubicBezTo>
-                <a:lnTo>
-                  <a:pt x="641023" y="292231"/>
-                </a:lnTo>
-                <a:cubicBezTo>
-                  <a:pt x="641027" y="292232"/>
-                  <a:pt x="697581" y="311084"/>
-                  <a:pt x="697584" y="311085"/>
-                </a:cubicBezTo>
-                <a:cubicBezTo>
-                  <a:pt x="778751" y="327319"/>
-                  <a:pt x="728761" y="319062"/>
-                  <a:pt x="848413" y="329938"/>
-                </a:cubicBezTo>
-                <a:cubicBezTo>
-                  <a:pt x="864124" y="333080"/>
-                  <a:pt x="879686" y="337099"/>
-                  <a:pt x="895547" y="339365"/>
-                </a:cubicBezTo>
-                <a:cubicBezTo>
-                  <a:pt x="952690" y="347528"/>
-                  <a:pt x="1038873" y="353666"/>
-                  <a:pt x="1093510" y="358219"/>
-                </a:cubicBezTo>
-                <a:cubicBezTo>
-                  <a:pt x="1112363" y="361361"/>
-                  <a:pt x="1131412" y="363500"/>
-                  <a:pt x="1150070" y="367646"/>
-                </a:cubicBezTo>
-                <a:cubicBezTo>
-                  <a:pt x="1159770" y="369802"/>
-                  <a:pt x="1168459" y="376130"/>
-                  <a:pt x="1178351" y="377072"/>
-                </a:cubicBezTo>
-                <a:cubicBezTo>
-                  <a:pt x="1234744" y="382443"/>
-                  <a:pt x="1291472" y="383357"/>
-                  <a:pt x="1348033" y="386499"/>
-                </a:cubicBezTo>
-                <a:cubicBezTo>
-                  <a:pt x="1514509" y="441991"/>
-                  <a:pt x="1395294" y="405353"/>
-                  <a:pt x="1819374" y="405353"/>
-                </a:cubicBezTo>
-                <a:cubicBezTo>
-                  <a:pt x="1860344" y="405353"/>
-                  <a:pt x="1901015" y="398199"/>
-                  <a:pt x="1941922" y="395926"/>
-                </a:cubicBezTo>
-                <a:cubicBezTo>
-                  <a:pt x="2014151" y="391913"/>
-                  <a:pt x="2086451" y="389279"/>
-                  <a:pt x="2158738" y="386499"/>
-                </a:cubicBezTo>
-                <a:cubicBezTo>
-                  <a:pt x="2524563" y="372429"/>
-                  <a:pt x="2317702" y="384699"/>
-                  <a:pt x="2573518" y="367646"/>
-                </a:cubicBezTo>
-                <a:lnTo>
-                  <a:pt x="2875176" y="386499"/>
-                </a:lnTo>
-                <a:cubicBezTo>
-                  <a:pt x="2914186" y="390605"/>
-                  <a:pt x="2906986" y="397758"/>
-                  <a:pt x="2941163" y="405353"/>
-                </a:cubicBezTo>
-                <a:cubicBezTo>
-                  <a:pt x="2959822" y="409499"/>
-                  <a:pt x="2979065" y="410634"/>
-                  <a:pt x="2997724" y="414780"/>
-                </a:cubicBezTo>
-                <a:cubicBezTo>
-                  <a:pt x="3049085" y="426193"/>
-                  <a:pt x="3005240" y="424206"/>
-                  <a:pt x="3044858" y="424206"/>
-                </a:cubicBezTo>
-              </a:path>
-            </a:pathLst>
-          </a:custGeom>
-          <a:noFill/>
-          <a:ln w="19050">
-            <a:solidFill>
-              <a:schemeClr val="tx1"/>
-            </a:solidFill>
-          </a:ln>
-        </p:spPr>
-        <p:style>
-          <a:lnRef idx="2">
-            <a:schemeClr val="accent1">
-              <a:shade val="50000"/>
-            </a:schemeClr>
-          </a:lnRef>
-          <a:fillRef idx="1">
-            <a:schemeClr val="accent1"/>
-          </a:fillRef>
-          <a:effectRef idx="0">
-            <a:schemeClr val="accent1"/>
-          </a:effectRef>
-          <a:fontRef idx="minor">
-            <a:schemeClr val="lt1"/>
-          </a:fontRef>
-        </p:style>
-        <p:txBody>
-          <a:bodyPr rtlCol="0" anchor="ctr"/>
-          <a:lstStyle/>
-          <a:p>
-            <a:pPr algn="ctr"/>
-            <a:endParaRPr lang="en-GB">
-              <a:ln w="19050">
-                <a:solidFill>
-                  <a:schemeClr val="tx1"/>
-                </a:solidFill>
-              </a:ln>
-            </a:endParaRPr>
-          </a:p>
-        </p:txBody>
-      </p:sp>
-      <p:sp>
-        <p:nvSpPr>
-          <p:cNvPr id="14" name="Rectangle 13"/>
-          <p:cNvSpPr/>
-          <p:nvPr/>
-        </p:nvSpPr>
-        <p:spPr>
-          <a:xfrm>
-            <a:off x="5292080" y="3044612"/>
-            <a:ext cx="394340" cy="268664"/>
-          </a:xfrm>
-          <a:prstGeom prst="rect">
-            <a:avLst/>
-          </a:prstGeom>
-          <a:solidFill>
-            <a:srgbClr val="DD0101">
-              <a:alpha val="27059"/>
-            </a:srgbClr>
-          </a:solidFill>
-          <a:ln>
-            <a:noFill/>
-          </a:ln>
-        </p:spPr>
-        <p:style>
-          <a:lnRef idx="2">
-            <a:schemeClr val="accent1">
-              <a:shade val="50000"/>
-            </a:schemeClr>
-          </a:lnRef>
-          <a:fillRef idx="1">
-            <a:schemeClr val="accent1"/>
-          </a:fillRef>
-          <a:effectRef idx="0">
-            <a:schemeClr val="accent1"/>
-          </a:effectRef>
-          <a:fontRef idx="minor">
-            <a:schemeClr val="lt1"/>
-          </a:fontRef>
-        </p:style>
-        <p:txBody>
-          <a:bodyPr rtlCol="0" anchor="ctr"/>
-          <a:lstStyle/>
-          <a:p>
-            <a:pPr algn="ctr"/>
-            <a:endParaRPr lang="en-GB" dirty="0" smtClean="0">
-              <a:solidFill>
-                <a:schemeClr val="bg1"/>
-              </a:solidFill>
-            </a:endParaRPr>
-          </a:p>
-        </p:txBody>
-      </p:sp>
-      <p:cxnSp>
-        <p:nvCxnSpPr>
-          <p:cNvPr id="20" name="Straight Arrow Connector 19"/>
-          <p:cNvCxnSpPr/>
-          <p:nvPr/>
-        </p:nvCxnSpPr>
-        <p:spPr>
-          <a:xfrm flipV="1">
-            <a:off x="5489250" y="2366074"/>
-            <a:ext cx="0" cy="2526226"/>
-          </a:xfrm>
-          <a:prstGeom prst="straightConnector1">
-            <a:avLst/>
-          </a:prstGeom>
-          <a:ln>
-            <a:tailEnd type="arrow"/>
-          </a:ln>
-        </p:spPr>
-        <p:style>
-          <a:lnRef idx="1">
-            <a:schemeClr val="accent1"/>
-          </a:lnRef>
-          <a:fillRef idx="0">
-            <a:schemeClr val="accent1"/>
-          </a:fillRef>
-          <a:effectRef idx="0">
-            <a:schemeClr val="accent1"/>
-          </a:effectRef>
-          <a:fontRef idx="minor">
-            <a:schemeClr val="tx1"/>
-          </a:fontRef>
-        </p:style>
-      </p:cxnSp>
-      <p:sp>
-        <p:nvSpPr>
-          <p:cNvPr id="22" name="TextBox 21"/>
-          <p:cNvSpPr txBox="1"/>
-          <p:nvPr/>
-        </p:nvSpPr>
-        <p:spPr>
-          <a:xfrm>
-            <a:off x="5195154" y="4941168"/>
-            <a:ext cx="644151" cy="215444"/>
-          </a:xfrm>
-          <a:prstGeom prst="rect">
-            <a:avLst/>
-          </a:prstGeom>
-          <a:noFill/>
-        </p:spPr>
-        <p:txBody>
-          <a:bodyPr wrap="none" lIns="0" tIns="0" rIns="0" bIns="0" rtlCol="0">
-            <a:spAutoFit/>
-          </a:bodyPr>
-          <a:lstStyle/>
-          <a:p>
-            <a:r>
-              <a:rPr lang="en-GB" sz="1400" dirty="0" smtClean="0"/>
-              <a:t>Time = t</a:t>
-            </a:r>
-            <a:endParaRPr lang="en-GB" sz="1400" dirty="0" smtClean="0"/>
-          </a:p>
-        </p:txBody>
-      </p:sp>
-      <p:sp>
-        <p:nvSpPr>
-          <p:cNvPr id="23" name="TextBox 22"/>
-          <p:cNvSpPr txBox="1"/>
-          <p:nvPr/>
-        </p:nvSpPr>
-        <p:spPr>
-          <a:xfrm>
-            <a:off x="5549924" y="2205365"/>
-            <a:ext cx="198772" cy="215444"/>
-          </a:xfrm>
-          <a:prstGeom prst="rect">
-            <a:avLst/>
-          </a:prstGeom>
-          <a:noFill/>
-        </p:spPr>
-        <p:txBody>
-          <a:bodyPr wrap="none" lIns="0" tIns="0" rIns="0" bIns="0" rtlCol="0">
-            <a:spAutoFit/>
-          </a:bodyPr>
-          <a:lstStyle/>
-          <a:p>
-            <a:r>
-              <a:rPr lang="en-GB" sz="1400" dirty="0" smtClean="0"/>
-              <a:t>34</a:t>
-            </a:r>
-            <a:endParaRPr lang="en-GB" sz="1400" dirty="0" smtClean="0"/>
-          </a:p>
-        </p:txBody>
-      </p:sp>
-      <p:sp>
-        <p:nvSpPr>
-          <p:cNvPr id="25" name="TextBox 24"/>
-          <p:cNvSpPr txBox="1"/>
-          <p:nvPr/>
-        </p:nvSpPr>
-        <p:spPr>
-          <a:xfrm>
-            <a:off x="5549924" y="2824722"/>
-            <a:ext cx="198772" cy="215444"/>
-          </a:xfrm>
-          <a:prstGeom prst="rect">
-            <a:avLst/>
-          </a:prstGeom>
-          <a:noFill/>
-        </p:spPr>
-        <p:txBody>
-          <a:bodyPr wrap="none" lIns="0" tIns="0" rIns="0" bIns="0" rtlCol="0">
-            <a:spAutoFit/>
-          </a:bodyPr>
-          <a:lstStyle/>
-          <a:p>
-            <a:r>
-              <a:rPr lang="en-GB" sz="1400" dirty="0" smtClean="0"/>
-              <a:t>87</a:t>
-            </a:r>
-            <a:endParaRPr lang="en-GB" sz="1400" dirty="0" smtClean="0"/>
-          </a:p>
-        </p:txBody>
-      </p:sp>
-      <p:sp>
-        <p:nvSpPr>
-          <p:cNvPr id="26" name="TextBox 25"/>
-          <p:cNvSpPr txBox="1"/>
-          <p:nvPr/>
-        </p:nvSpPr>
-        <p:spPr>
-          <a:xfrm>
-            <a:off x="5526631" y="4221088"/>
-            <a:ext cx="298159" cy="215444"/>
-          </a:xfrm>
-          <a:prstGeom prst="rect">
-            <a:avLst/>
-          </a:prstGeom>
-          <a:noFill/>
-        </p:spPr>
-        <p:txBody>
-          <a:bodyPr wrap="none" lIns="0" tIns="0" rIns="0" bIns="0" rtlCol="0">
-            <a:spAutoFit/>
-          </a:bodyPr>
-          <a:lstStyle/>
-          <a:p>
-            <a:r>
-              <a:rPr lang="en-GB" sz="1400" dirty="0" smtClean="0"/>
-              <a:t>123</a:t>
-            </a:r>
-            <a:endParaRPr lang="en-GB" sz="1400" dirty="0" smtClean="0"/>
-          </a:p>
-        </p:txBody>
-      </p:sp>
-    </p:spTree>
-    <p:extLst>
-      <p:ext uri="{BB962C8B-B14F-4D97-AF65-F5344CB8AC3E}">
-        <p14:creationId xmlns:p14="http://schemas.microsoft.com/office/powerpoint/2010/main" val="3297432901"/>
-      </p:ext>
-    </p:extLst>
-  </p:cSld>
-  <p:clrMapOvr>
-    <a:masterClrMapping/>
-  </p:clrMapOvr>
-  <mc:AlternateContent xmlns:mc="http://schemas.openxmlformats.org/markup-compatibility/2006" xmlns:p14="http://schemas.microsoft.com/office/powerpoint/2010/main">
-    <mc:Choice Requires="p14">
-      <p:transition spd="med" p14:dur="600">
-        <p:fade/>
-      </p:transition>
-    </mc:Choice>
-    <mc:Fallback xmlns="">
-      <p:transition spd="med">
-        <p:fade/>
-      </p:transition>
-    </mc:Fallback>
-  </mc:AlternateContent>
-</p:sld>
-</file>
-
-<file path=ppt/slides/slide12.xml><?xml version="1.0" encoding="utf-8"?>
-<p:sld xmlns:a="http://schemas.openxmlformats.org/drawingml/2006/main" xmlns:r="http://schemas.openxmlformats.org/officeDocument/2006/relationships" xmlns:p="http://schemas.openxmlformats.org/presentationml/2006/main">
-  <p:cSld>
-    <p:spTree>
-      <p:nvGrpSpPr>
-        <p:cNvPr id="1" name=""/>
-        <p:cNvGrpSpPr/>
-        <p:nvPr/>
-      </p:nvGrpSpPr>
-      <p:grpSpPr>
-        <a:xfrm>
-          <a:off x="0" y="0"/>
-          <a:ext cx="0" cy="0"/>
-          <a:chOff x="0" y="0"/>
-          <a:chExt cx="0" cy="0"/>
-        </a:xfrm>
-      </p:grpSpPr>
-      <p:sp>
-        <p:nvSpPr>
-          <p:cNvPr id="5" name="Title 4"/>
-          <p:cNvSpPr>
-            <a:spLocks noGrp="1"/>
-          </p:cNvSpPr>
-          <p:nvPr>
-            <p:ph type="title"/>
-          </p:nvPr>
-        </p:nvSpPr>
-        <p:spPr/>
-        <p:txBody>
-          <a:bodyPr/>
-          <a:lstStyle/>
-          <a:p>
-            <a:r>
-              <a:rPr lang="en-GB" dirty="0" smtClean="0"/>
-              <a:t>Using Jolt, we can generate (predict) future data</a:t>
-            </a:r>
-            <a:endParaRPr lang="en-GB" dirty="0"/>
-          </a:p>
-        </p:txBody>
-      </p:sp>
-      <p:sp>
-        <p:nvSpPr>
-          <p:cNvPr id="6" name="Subtitle 5"/>
-          <p:cNvSpPr>
-            <a:spLocks noGrp="1"/>
-          </p:cNvSpPr>
-          <p:nvPr>
-            <p:ph type="subTitle" idx="15"/>
-          </p:nvPr>
-        </p:nvSpPr>
-        <p:spPr/>
-        <p:txBody>
-          <a:bodyPr/>
-          <a:lstStyle/>
-          <a:p>
-            <a:endParaRPr lang="en-GB"/>
-          </a:p>
-        </p:txBody>
-      </p:sp>
-      <p:sp>
-        <p:nvSpPr>
-          <p:cNvPr id="4" name="Footer Placeholder 3"/>
-          <p:cNvSpPr>
-            <a:spLocks noGrp="1"/>
-          </p:cNvSpPr>
-          <p:nvPr>
-            <p:ph type="ftr" sz="quarter" idx="3"/>
-          </p:nvPr>
-        </p:nvSpPr>
-        <p:spPr/>
-        <p:txBody>
-          <a:bodyPr/>
-          <a:lstStyle/>
-          <a:p>
-            <a:endParaRPr lang="en-US" dirty="0"/>
-          </a:p>
-        </p:txBody>
-      </p:sp>
-      <p:sp>
-        <p:nvSpPr>
-          <p:cNvPr id="7" name="Rectangle 6"/>
-          <p:cNvSpPr/>
-          <p:nvPr/>
-        </p:nvSpPr>
-        <p:spPr>
-          <a:xfrm>
-            <a:off x="323528" y="1844824"/>
-            <a:ext cx="1728192" cy="1080120"/>
-          </a:xfrm>
-          <a:prstGeom prst="rect">
-            <a:avLst/>
-          </a:prstGeom>
-          <a:ln/>
-        </p:spPr>
-        <p:style>
-          <a:lnRef idx="2">
-            <a:schemeClr val="accent1">
-              <a:shade val="50000"/>
-            </a:schemeClr>
-          </a:lnRef>
-          <a:fillRef idx="1">
-            <a:schemeClr val="accent1"/>
-          </a:fillRef>
-          <a:effectRef idx="0">
-            <a:schemeClr val="accent1"/>
-          </a:effectRef>
-          <a:fontRef idx="minor">
-            <a:schemeClr val="lt1"/>
-          </a:fontRef>
-        </p:style>
-        <p:txBody>
-          <a:bodyPr rtlCol="0" anchor="ctr"/>
-          <a:lstStyle/>
-          <a:p>
-            <a:pPr algn="ctr"/>
-            <a:r>
-              <a:rPr lang="en-GB" dirty="0" smtClean="0">
-                <a:solidFill>
-                  <a:schemeClr val="bg1"/>
-                </a:solidFill>
-              </a:rPr>
-              <a:t>source</a:t>
-            </a:r>
-            <a:endParaRPr lang="en-GB" dirty="0" smtClean="0">
-              <a:solidFill>
-                <a:schemeClr val="bg1"/>
-              </a:solidFill>
-            </a:endParaRPr>
-          </a:p>
-        </p:txBody>
-      </p:sp>
-      <p:grpSp>
-        <p:nvGrpSpPr>
-          <p:cNvPr id="8" name="Group 7"/>
-          <p:cNvGrpSpPr/>
-          <p:nvPr/>
-        </p:nvGrpSpPr>
-        <p:grpSpPr>
-          <a:xfrm>
-            <a:off x="5796136" y="1988840"/>
-            <a:ext cx="2736304" cy="792088"/>
-            <a:chOff x="2051720" y="1988840"/>
-            <a:chExt cx="6480720" cy="792088"/>
-          </a:xfrm>
-        </p:grpSpPr>
-        <p:cxnSp>
-          <p:nvCxnSpPr>
-            <p:cNvPr id="9" name="Straight Arrow Connector 8"/>
-            <p:cNvCxnSpPr>
-              <a:stCxn id="7" idx="3"/>
-            </p:cNvCxnSpPr>
-            <p:nvPr/>
-          </p:nvCxnSpPr>
-          <p:spPr>
-            <a:xfrm>
-              <a:off x="2051720" y="2384884"/>
-              <a:ext cx="6480720" cy="0"/>
-            </a:xfrm>
-            <a:prstGeom prst="straightConnector1">
-              <a:avLst/>
-            </a:prstGeom>
-            <a:ln w="19050">
-              <a:solidFill>
-                <a:schemeClr val="tx1"/>
-              </a:solidFill>
-              <a:prstDash val="dash"/>
-              <a:tailEnd type="arrow"/>
-            </a:ln>
-          </p:spPr>
-          <p:style>
-            <a:lnRef idx="1">
-              <a:schemeClr val="accent1"/>
-            </a:lnRef>
-            <a:fillRef idx="0">
-              <a:schemeClr val="accent1"/>
-            </a:fillRef>
-            <a:effectRef idx="0">
-              <a:schemeClr val="accent1"/>
-            </a:effectRef>
-            <a:fontRef idx="minor">
-              <a:schemeClr val="tx1"/>
-            </a:fontRef>
-          </p:style>
-        </p:cxnSp>
-        <p:cxnSp>
-          <p:nvCxnSpPr>
-            <p:cNvPr id="10" name="Straight Arrow Connector 9"/>
-            <p:cNvCxnSpPr/>
-            <p:nvPr/>
-          </p:nvCxnSpPr>
-          <p:spPr>
-            <a:xfrm>
-              <a:off x="2051720" y="2305676"/>
-              <a:ext cx="6480720" cy="0"/>
-            </a:xfrm>
-            <a:prstGeom prst="straightConnector1">
-              <a:avLst/>
-            </a:prstGeom>
-            <a:ln w="19050">
-              <a:solidFill>
-                <a:schemeClr val="tx1"/>
-              </a:solidFill>
-              <a:prstDash val="dash"/>
-              <a:tailEnd type="arrow"/>
-            </a:ln>
-          </p:spPr>
-          <p:style>
-            <a:lnRef idx="1">
-              <a:schemeClr val="accent1"/>
-            </a:lnRef>
-            <a:fillRef idx="0">
-              <a:schemeClr val="accent1"/>
-            </a:fillRef>
-            <a:effectRef idx="0">
-              <a:schemeClr val="accent1"/>
-            </a:effectRef>
-            <a:fontRef idx="minor">
-              <a:schemeClr val="tx1"/>
-            </a:fontRef>
-          </p:style>
-        </p:cxnSp>
-        <p:cxnSp>
-          <p:nvCxnSpPr>
-            <p:cNvPr id="11" name="Straight Arrow Connector 10"/>
-            <p:cNvCxnSpPr/>
-            <p:nvPr/>
-          </p:nvCxnSpPr>
-          <p:spPr>
-            <a:xfrm>
-              <a:off x="2051720" y="2147258"/>
-              <a:ext cx="6480720" cy="0"/>
-            </a:xfrm>
-            <a:prstGeom prst="straightConnector1">
-              <a:avLst/>
-            </a:prstGeom>
-            <a:ln w="19050">
-              <a:solidFill>
-                <a:schemeClr val="tx1"/>
-              </a:solidFill>
-              <a:prstDash val="dash"/>
-              <a:tailEnd type="arrow"/>
-            </a:ln>
-          </p:spPr>
-          <p:style>
-            <a:lnRef idx="1">
-              <a:schemeClr val="accent1"/>
-            </a:lnRef>
-            <a:fillRef idx="0">
-              <a:schemeClr val="accent1"/>
-            </a:fillRef>
-            <a:effectRef idx="0">
-              <a:schemeClr val="accent1"/>
-            </a:effectRef>
-            <a:fontRef idx="minor">
-              <a:schemeClr val="tx1"/>
-            </a:fontRef>
-          </p:style>
-        </p:cxnSp>
-        <p:cxnSp>
-          <p:nvCxnSpPr>
-            <p:cNvPr id="12" name="Straight Arrow Connector 11"/>
-            <p:cNvCxnSpPr/>
-            <p:nvPr/>
-          </p:nvCxnSpPr>
-          <p:spPr>
-            <a:xfrm>
-              <a:off x="2051720" y="1988840"/>
-              <a:ext cx="6480720" cy="0"/>
-            </a:xfrm>
-            <a:prstGeom prst="straightConnector1">
-              <a:avLst/>
-            </a:prstGeom>
-            <a:ln w="19050">
-              <a:solidFill>
-                <a:schemeClr val="tx1"/>
-              </a:solidFill>
-              <a:prstDash val="dash"/>
-              <a:tailEnd type="arrow"/>
-            </a:ln>
-          </p:spPr>
-          <p:style>
-            <a:lnRef idx="1">
-              <a:schemeClr val="accent1"/>
-            </a:lnRef>
-            <a:fillRef idx="0">
-              <a:schemeClr val="accent1"/>
-            </a:fillRef>
-            <a:effectRef idx="0">
-              <a:schemeClr val="accent1"/>
-            </a:effectRef>
-            <a:fontRef idx="minor">
-              <a:schemeClr val="tx1"/>
-            </a:fontRef>
-          </p:style>
-        </p:cxnSp>
-        <p:cxnSp>
-          <p:nvCxnSpPr>
-            <p:cNvPr id="13" name="Straight Arrow Connector 12"/>
-            <p:cNvCxnSpPr/>
-            <p:nvPr/>
-          </p:nvCxnSpPr>
-          <p:spPr>
-            <a:xfrm>
-              <a:off x="2051720" y="2464094"/>
-              <a:ext cx="6480720" cy="0"/>
-            </a:xfrm>
-            <a:prstGeom prst="straightConnector1">
-              <a:avLst/>
-            </a:prstGeom>
-            <a:ln w="19050">
-              <a:solidFill>
-                <a:schemeClr val="tx1"/>
-              </a:solidFill>
-              <a:prstDash val="dash"/>
-              <a:tailEnd type="arrow"/>
-            </a:ln>
-          </p:spPr>
-          <p:style>
-            <a:lnRef idx="1">
-              <a:schemeClr val="accent1"/>
-            </a:lnRef>
-            <a:fillRef idx="0">
-              <a:schemeClr val="accent1"/>
-            </a:fillRef>
-            <a:effectRef idx="0">
-              <a:schemeClr val="accent1"/>
-            </a:effectRef>
-            <a:fontRef idx="minor">
-              <a:schemeClr val="tx1"/>
-            </a:fontRef>
-          </p:style>
-        </p:cxnSp>
-        <p:cxnSp>
-          <p:nvCxnSpPr>
-            <p:cNvPr id="14" name="Straight Arrow Connector 13"/>
-            <p:cNvCxnSpPr/>
-            <p:nvPr/>
-          </p:nvCxnSpPr>
-          <p:spPr>
-            <a:xfrm>
-              <a:off x="2051720" y="2622512"/>
-              <a:ext cx="6480720" cy="0"/>
-            </a:xfrm>
-            <a:prstGeom prst="straightConnector1">
-              <a:avLst/>
-            </a:prstGeom>
-            <a:ln w="19050">
-              <a:solidFill>
-                <a:schemeClr val="tx1"/>
-              </a:solidFill>
-              <a:prstDash val="dash"/>
-              <a:tailEnd type="arrow"/>
-            </a:ln>
-          </p:spPr>
-          <p:style>
-            <a:lnRef idx="1">
-              <a:schemeClr val="accent1"/>
-            </a:lnRef>
-            <a:fillRef idx="0">
-              <a:schemeClr val="accent1"/>
-            </a:fillRef>
-            <a:effectRef idx="0">
-              <a:schemeClr val="accent1"/>
-            </a:effectRef>
-            <a:fontRef idx="minor">
-              <a:schemeClr val="tx1"/>
-            </a:fontRef>
-          </p:style>
-        </p:cxnSp>
-        <p:cxnSp>
-          <p:nvCxnSpPr>
-            <p:cNvPr id="15" name="Straight Arrow Connector 14"/>
-            <p:cNvCxnSpPr/>
-            <p:nvPr/>
-          </p:nvCxnSpPr>
-          <p:spPr>
-            <a:xfrm>
-              <a:off x="2051720" y="2780928"/>
-              <a:ext cx="6480720" cy="0"/>
-            </a:xfrm>
-            <a:prstGeom prst="straightConnector1">
-              <a:avLst/>
-            </a:prstGeom>
-            <a:ln w="19050">
-              <a:solidFill>
-                <a:schemeClr val="tx1"/>
-              </a:solidFill>
-              <a:prstDash val="dash"/>
-              <a:tailEnd type="arrow"/>
-            </a:ln>
-          </p:spPr>
-          <p:style>
-            <a:lnRef idx="1">
-              <a:schemeClr val="accent1"/>
-            </a:lnRef>
-            <a:fillRef idx="0">
-              <a:schemeClr val="accent1"/>
-            </a:fillRef>
-            <a:effectRef idx="0">
-              <a:schemeClr val="accent1"/>
-            </a:effectRef>
-            <a:fontRef idx="minor">
-              <a:schemeClr val="tx1"/>
-            </a:fontRef>
-          </p:style>
-        </p:cxnSp>
-      </p:grpSp>
-      <p:cxnSp>
-        <p:nvCxnSpPr>
-          <p:cNvPr id="18" name="Straight Arrow Connector 17"/>
-          <p:cNvCxnSpPr/>
-          <p:nvPr/>
-        </p:nvCxnSpPr>
-        <p:spPr>
-          <a:xfrm flipV="1">
-            <a:off x="323528" y="5517232"/>
-            <a:ext cx="0" cy="1008112"/>
-          </a:xfrm>
-          <a:prstGeom prst="straightConnector1">
-            <a:avLst/>
-          </a:prstGeom>
-          <a:ln>
-            <a:tailEnd type="arrow"/>
-          </a:ln>
-        </p:spPr>
-        <p:style>
-          <a:lnRef idx="1">
-            <a:schemeClr val="accent1"/>
-          </a:lnRef>
-          <a:fillRef idx="0">
-            <a:schemeClr val="accent1"/>
-          </a:fillRef>
-          <a:effectRef idx="0">
-            <a:schemeClr val="accent1"/>
-          </a:effectRef>
-          <a:fontRef idx="minor">
-            <a:schemeClr val="tx1"/>
-          </a:fontRef>
-        </p:style>
-      </p:cxnSp>
-      <p:cxnSp>
-        <p:nvCxnSpPr>
-          <p:cNvPr id="20" name="Straight Arrow Connector 19"/>
-          <p:cNvCxnSpPr/>
-          <p:nvPr/>
-        </p:nvCxnSpPr>
-        <p:spPr>
-          <a:xfrm>
-            <a:off x="323528" y="6525344"/>
-            <a:ext cx="1008112" cy="0"/>
-          </a:xfrm>
-          <a:prstGeom prst="straightConnector1">
-            <a:avLst/>
-          </a:prstGeom>
-          <a:ln>
-            <a:tailEnd type="arrow"/>
-          </a:ln>
-        </p:spPr>
-        <p:style>
-          <a:lnRef idx="1">
-            <a:schemeClr val="accent1"/>
-          </a:lnRef>
-          <a:fillRef idx="0">
-            <a:schemeClr val="accent1"/>
-          </a:fillRef>
-          <a:effectRef idx="0">
-            <a:schemeClr val="accent1"/>
-          </a:effectRef>
-          <a:fontRef idx="minor">
-            <a:schemeClr val="tx1"/>
-          </a:fontRef>
-        </p:style>
-      </p:cxnSp>
-      <p:sp>
-        <p:nvSpPr>
-          <p:cNvPr id="21" name="TextBox 20"/>
-          <p:cNvSpPr txBox="1"/>
-          <p:nvPr/>
-        </p:nvSpPr>
-        <p:spPr>
-          <a:xfrm>
-            <a:off x="1331640" y="6419618"/>
-            <a:ext cx="338234" cy="215444"/>
-          </a:xfrm>
-          <a:prstGeom prst="rect">
-            <a:avLst/>
-          </a:prstGeom>
-          <a:noFill/>
-        </p:spPr>
-        <p:txBody>
-          <a:bodyPr wrap="none" lIns="0" tIns="0" rIns="0" bIns="0" rtlCol="0">
-            <a:spAutoFit/>
-          </a:bodyPr>
-          <a:lstStyle/>
-          <a:p>
-            <a:r>
-              <a:rPr lang="en-GB" sz="1400" dirty="0" smtClean="0"/>
-              <a:t>time</a:t>
-            </a:r>
-            <a:endParaRPr lang="en-GB" sz="1400" dirty="0" smtClean="0"/>
-          </a:p>
-        </p:txBody>
-      </p:sp>
-      <p:sp>
-        <p:nvSpPr>
-          <p:cNvPr id="22" name="TextBox 21"/>
-          <p:cNvSpPr txBox="1"/>
-          <p:nvPr/>
-        </p:nvSpPr>
-        <p:spPr>
-          <a:xfrm>
-            <a:off x="123230" y="5265432"/>
-            <a:ext cx="1064394" cy="215444"/>
-          </a:xfrm>
-          <a:prstGeom prst="rect">
-            <a:avLst/>
-          </a:prstGeom>
-          <a:noFill/>
-        </p:spPr>
-        <p:txBody>
-          <a:bodyPr wrap="none" lIns="0" tIns="0" rIns="0" bIns="0" rtlCol="0">
-            <a:spAutoFit/>
-          </a:bodyPr>
-          <a:lstStyle/>
-          <a:p>
-            <a:r>
-              <a:rPr lang="en-GB" sz="1400" dirty="0" smtClean="0"/>
-              <a:t>Dat</a:t>
-            </a:r>
-            <a:r>
-              <a:rPr lang="en-GB" sz="1400" dirty="0" smtClean="0"/>
-              <a:t>a streams</a:t>
-            </a:r>
-            <a:endParaRPr lang="en-GB" sz="1400" dirty="0" smtClean="0"/>
-          </a:p>
-        </p:txBody>
-      </p:sp>
-      <p:cxnSp>
-        <p:nvCxnSpPr>
-          <p:cNvPr id="19" name="Straight Arrow Connector 18"/>
-          <p:cNvCxnSpPr/>
-          <p:nvPr/>
-        </p:nvCxnSpPr>
-        <p:spPr>
-          <a:xfrm flipV="1">
-            <a:off x="5796136" y="2780928"/>
-            <a:ext cx="0" cy="1008112"/>
-          </a:xfrm>
-          <a:prstGeom prst="straightConnector1">
-            <a:avLst/>
-          </a:prstGeom>
-          <a:ln>
-            <a:tailEnd type="arrow"/>
-          </a:ln>
-        </p:spPr>
-        <p:style>
-          <a:lnRef idx="1">
-            <a:schemeClr val="accent1"/>
-          </a:lnRef>
-          <a:fillRef idx="0">
-            <a:schemeClr val="accent1"/>
-          </a:fillRef>
-          <a:effectRef idx="0">
-            <a:schemeClr val="accent1"/>
-          </a:effectRef>
-          <a:fontRef idx="minor">
-            <a:schemeClr val="tx1"/>
-          </a:fontRef>
-        </p:style>
-      </p:cxnSp>
-      <p:grpSp>
-        <p:nvGrpSpPr>
-          <p:cNvPr id="2" name="Group 1"/>
-          <p:cNvGrpSpPr/>
-          <p:nvPr/>
-        </p:nvGrpSpPr>
-        <p:grpSpPr>
-          <a:xfrm>
-            <a:off x="2055126" y="1628800"/>
-            <a:ext cx="3744416" cy="1144951"/>
-            <a:chOff x="2051720" y="2700622"/>
-            <a:chExt cx="6480720" cy="1144951"/>
-          </a:xfrm>
-        </p:grpSpPr>
-        <p:cxnSp>
-          <p:nvCxnSpPr>
-            <p:cNvPr id="23" name="Straight Arrow Connector 22"/>
-            <p:cNvCxnSpPr/>
-            <p:nvPr/>
-          </p:nvCxnSpPr>
-          <p:spPr>
-            <a:xfrm>
-              <a:off x="2051720" y="3449529"/>
-              <a:ext cx="6480720" cy="0"/>
-            </a:xfrm>
-            <a:prstGeom prst="straightConnector1">
-              <a:avLst/>
-            </a:prstGeom>
-            <a:ln w="19050">
-              <a:solidFill>
-                <a:schemeClr val="tx1"/>
-              </a:solidFill>
-              <a:tailEnd type="arrow"/>
-            </a:ln>
-          </p:spPr>
-          <p:style>
-            <a:lnRef idx="1">
-              <a:schemeClr val="accent1"/>
-            </a:lnRef>
-            <a:fillRef idx="0">
-              <a:schemeClr val="accent1"/>
-            </a:fillRef>
-            <a:effectRef idx="0">
-              <a:schemeClr val="accent1"/>
-            </a:effectRef>
-            <a:fontRef idx="minor">
-              <a:schemeClr val="tx1"/>
-            </a:fontRef>
-          </p:style>
-        </p:cxnSp>
-        <p:cxnSp>
-          <p:nvCxnSpPr>
-            <p:cNvPr id="24" name="Straight Arrow Connector 23"/>
-            <p:cNvCxnSpPr/>
-            <p:nvPr/>
-          </p:nvCxnSpPr>
-          <p:spPr>
-            <a:xfrm>
-              <a:off x="2051720" y="3370321"/>
-              <a:ext cx="6480720" cy="0"/>
-            </a:xfrm>
-            <a:prstGeom prst="straightConnector1">
-              <a:avLst/>
-            </a:prstGeom>
-            <a:ln w="19050">
-              <a:solidFill>
-                <a:schemeClr val="tx1"/>
-              </a:solidFill>
-              <a:tailEnd type="arrow"/>
-            </a:ln>
-          </p:spPr>
-          <p:style>
-            <a:lnRef idx="1">
-              <a:schemeClr val="accent1"/>
-            </a:lnRef>
-            <a:fillRef idx="0">
-              <a:schemeClr val="accent1"/>
-            </a:fillRef>
-            <a:effectRef idx="0">
-              <a:schemeClr val="accent1"/>
-            </a:effectRef>
-            <a:fontRef idx="minor">
-              <a:schemeClr val="tx1"/>
-            </a:fontRef>
-          </p:style>
-        </p:cxnSp>
-        <p:cxnSp>
-          <p:nvCxnSpPr>
-            <p:cNvPr id="25" name="Straight Arrow Connector 24"/>
-            <p:cNvCxnSpPr/>
-            <p:nvPr/>
-          </p:nvCxnSpPr>
-          <p:spPr>
-            <a:xfrm>
-              <a:off x="2051720" y="3211903"/>
-              <a:ext cx="6480720" cy="0"/>
-            </a:xfrm>
-            <a:prstGeom prst="straightConnector1">
-              <a:avLst/>
-            </a:prstGeom>
-            <a:ln w="19050">
-              <a:solidFill>
-                <a:schemeClr val="tx1"/>
-              </a:solidFill>
-              <a:tailEnd type="arrow"/>
-            </a:ln>
-          </p:spPr>
-          <p:style>
-            <a:lnRef idx="1">
-              <a:schemeClr val="accent1"/>
-            </a:lnRef>
-            <a:fillRef idx="0">
-              <a:schemeClr val="accent1"/>
-            </a:fillRef>
-            <a:effectRef idx="0">
-              <a:schemeClr val="accent1"/>
-            </a:effectRef>
-            <a:fontRef idx="minor">
-              <a:schemeClr val="tx1"/>
-            </a:fontRef>
-          </p:style>
-        </p:cxnSp>
-        <p:cxnSp>
-          <p:nvCxnSpPr>
-            <p:cNvPr id="26" name="Straight Arrow Connector 25"/>
-            <p:cNvCxnSpPr/>
-            <p:nvPr/>
-          </p:nvCxnSpPr>
-          <p:spPr>
-            <a:xfrm>
-              <a:off x="2051720" y="3053485"/>
-              <a:ext cx="6480720" cy="0"/>
-            </a:xfrm>
-            <a:prstGeom prst="straightConnector1">
-              <a:avLst/>
-            </a:prstGeom>
-            <a:ln w="19050">
-              <a:solidFill>
-                <a:schemeClr val="tx1"/>
-              </a:solidFill>
-              <a:tailEnd type="arrow"/>
-            </a:ln>
-          </p:spPr>
-          <p:style>
-            <a:lnRef idx="1">
-              <a:schemeClr val="accent1"/>
-            </a:lnRef>
-            <a:fillRef idx="0">
-              <a:schemeClr val="accent1"/>
-            </a:fillRef>
-            <a:effectRef idx="0">
-              <a:schemeClr val="accent1"/>
-            </a:effectRef>
-            <a:fontRef idx="minor">
-              <a:schemeClr val="tx1"/>
-            </a:fontRef>
-          </p:style>
-        </p:cxnSp>
-        <p:cxnSp>
-          <p:nvCxnSpPr>
-            <p:cNvPr id="27" name="Straight Arrow Connector 26"/>
-            <p:cNvCxnSpPr/>
-            <p:nvPr/>
-          </p:nvCxnSpPr>
-          <p:spPr>
-            <a:xfrm>
-              <a:off x="2051720" y="3528739"/>
-              <a:ext cx="6480720" cy="0"/>
-            </a:xfrm>
-            <a:prstGeom prst="straightConnector1">
-              <a:avLst/>
-            </a:prstGeom>
-            <a:ln w="19050">
-              <a:solidFill>
-                <a:schemeClr val="tx1"/>
-              </a:solidFill>
-              <a:tailEnd type="arrow"/>
-            </a:ln>
-          </p:spPr>
-          <p:style>
-            <a:lnRef idx="1">
-              <a:schemeClr val="accent1"/>
-            </a:lnRef>
-            <a:fillRef idx="0">
-              <a:schemeClr val="accent1"/>
-            </a:fillRef>
-            <a:effectRef idx="0">
-              <a:schemeClr val="accent1"/>
-            </a:effectRef>
-            <a:fontRef idx="minor">
-              <a:schemeClr val="tx1"/>
-            </a:fontRef>
-          </p:style>
-        </p:cxnSp>
-        <p:cxnSp>
-          <p:nvCxnSpPr>
-            <p:cNvPr id="28" name="Straight Arrow Connector 27"/>
-            <p:cNvCxnSpPr/>
-            <p:nvPr/>
-          </p:nvCxnSpPr>
-          <p:spPr>
-            <a:xfrm>
-              <a:off x="2051720" y="3687157"/>
-              <a:ext cx="6480720" cy="0"/>
-            </a:xfrm>
-            <a:prstGeom prst="straightConnector1">
-              <a:avLst/>
-            </a:prstGeom>
-            <a:ln w="19050">
-              <a:solidFill>
-                <a:schemeClr val="tx1"/>
-              </a:solidFill>
-              <a:tailEnd type="arrow"/>
-            </a:ln>
-          </p:spPr>
-          <p:style>
-            <a:lnRef idx="1">
-              <a:schemeClr val="accent1"/>
-            </a:lnRef>
-            <a:fillRef idx="0">
-              <a:schemeClr val="accent1"/>
-            </a:fillRef>
-            <a:effectRef idx="0">
-              <a:schemeClr val="accent1"/>
-            </a:effectRef>
-            <a:fontRef idx="minor">
-              <a:schemeClr val="tx1"/>
-            </a:fontRef>
-          </p:style>
-        </p:cxnSp>
-        <p:cxnSp>
-          <p:nvCxnSpPr>
-            <p:cNvPr id="29" name="Straight Arrow Connector 28"/>
-            <p:cNvCxnSpPr/>
-            <p:nvPr/>
-          </p:nvCxnSpPr>
-          <p:spPr>
-            <a:xfrm>
-              <a:off x="2051720" y="3845573"/>
-              <a:ext cx="6480720" cy="0"/>
-            </a:xfrm>
-            <a:prstGeom prst="straightConnector1">
-              <a:avLst/>
-            </a:prstGeom>
-            <a:ln w="19050">
-              <a:solidFill>
-                <a:schemeClr val="tx1"/>
-              </a:solidFill>
-              <a:tailEnd type="arrow"/>
-            </a:ln>
-          </p:spPr>
-          <p:style>
-            <a:lnRef idx="1">
-              <a:schemeClr val="accent1"/>
-            </a:lnRef>
-            <a:fillRef idx="0">
-              <a:schemeClr val="accent1"/>
-            </a:fillRef>
-            <a:effectRef idx="0">
-              <a:schemeClr val="accent1"/>
-            </a:effectRef>
-            <a:fontRef idx="minor">
-              <a:schemeClr val="tx1"/>
-            </a:fontRef>
-          </p:style>
-        </p:cxnSp>
-        <p:sp>
-          <p:nvSpPr>
-            <p:cNvPr id="30" name="TextBox 29"/>
-            <p:cNvSpPr txBox="1"/>
-            <p:nvPr/>
-          </p:nvSpPr>
-          <p:spPr>
-            <a:xfrm>
-              <a:off x="2552689" y="2700622"/>
-              <a:ext cx="1619995" cy="215444"/>
-            </a:xfrm>
-            <a:prstGeom prst="rect">
-              <a:avLst/>
-            </a:prstGeom>
-            <a:noFill/>
-          </p:spPr>
-          <p:txBody>
-            <a:bodyPr wrap="none" lIns="0" tIns="0" rIns="0" bIns="0" rtlCol="0">
-              <a:spAutoFit/>
-            </a:bodyPr>
-            <a:lstStyle/>
-            <a:p>
-              <a:r>
-                <a:rPr lang="en-GB" sz="1400" dirty="0" smtClean="0"/>
-                <a:t>Telemetry (machine)</a:t>
-              </a:r>
-              <a:endParaRPr lang="en-GB" sz="1400" dirty="0" smtClean="0"/>
-            </a:p>
-          </p:txBody>
-        </p:sp>
-      </p:grpSp>
-      <p:sp>
-        <p:nvSpPr>
-          <p:cNvPr id="31" name="TextBox 30"/>
-          <p:cNvSpPr txBox="1"/>
-          <p:nvPr/>
-        </p:nvSpPr>
-        <p:spPr>
-          <a:xfrm>
-            <a:off x="5627019" y="3933056"/>
-            <a:ext cx="328616" cy="215444"/>
-          </a:xfrm>
-          <a:prstGeom prst="rect">
-            <a:avLst/>
-          </a:prstGeom>
-          <a:noFill/>
-        </p:spPr>
-        <p:txBody>
-          <a:bodyPr wrap="none" lIns="0" tIns="0" rIns="0" bIns="0" rtlCol="0">
-            <a:spAutoFit/>
-          </a:bodyPr>
-          <a:lstStyle/>
-          <a:p>
-            <a:r>
-              <a:rPr lang="en-GB" sz="1400" dirty="0" smtClean="0"/>
-              <a:t>now</a:t>
-            </a:r>
-            <a:endParaRPr lang="en-GB" sz="1400" dirty="0" smtClean="0"/>
-          </a:p>
-        </p:txBody>
-      </p:sp>
-      <p:sp>
-        <p:nvSpPr>
-          <p:cNvPr id="33" name="Left Brace 32"/>
-          <p:cNvSpPr/>
-          <p:nvPr/>
-        </p:nvSpPr>
-        <p:spPr>
-          <a:xfrm rot="16200000">
-            <a:off x="6977377" y="1899911"/>
-            <a:ext cx="428961" cy="2801058"/>
-          </a:xfrm>
-          <a:prstGeom prst="leftBrace">
-            <a:avLst/>
-          </a:prstGeom>
-        </p:spPr>
-        <p:style>
-          <a:lnRef idx="1">
-            <a:schemeClr val="accent1"/>
-          </a:lnRef>
-          <a:fillRef idx="0">
-            <a:schemeClr val="accent1"/>
-          </a:fillRef>
-          <a:effectRef idx="0">
-            <a:schemeClr val="accent1"/>
-          </a:effectRef>
-          <a:fontRef idx="minor">
-            <a:schemeClr val="tx1"/>
-          </a:fontRef>
-        </p:style>
-        <p:txBody>
-          <a:bodyPr rtlCol="0" anchor="ctr"/>
-          <a:lstStyle/>
-          <a:p>
-            <a:pPr algn="ctr"/>
-            <a:endParaRPr lang="en-GB"/>
-          </a:p>
-        </p:txBody>
-      </p:sp>
-      <p:sp>
-        <p:nvSpPr>
           <p:cNvPr id="35" name="TextBox 34"/>
           <p:cNvSpPr txBox="1"/>
           <p:nvPr/>
@@ -9527,7 +6862,6 @@
               <a:rPr lang="en-GB" sz="1400" dirty="0" smtClean="0"/>
               <a:t>future</a:t>
             </a:r>
-            <a:endParaRPr lang="en-GB" sz="1400" dirty="0" smtClean="0"/>
           </a:p>
         </p:txBody>
       </p:sp>
@@ -9541,7 +6875,7 @@
         </p:nvSpPr>
         <p:spPr>
           <a:xfrm>
-            <a:off x="2051720" y="5459532"/>
+            <a:off x="2089471" y="4325859"/>
             <a:ext cx="6867473" cy="950412"/>
           </a:xfrm>
           <a:prstGeom prst="rect">
@@ -9730,7 +7064,7 @@
 </p:sld>
 </file>
 
-<file path=ppt/slides/slide13.xml><?xml version="1.0" encoding="utf-8"?>
+<file path=ppt/slides/slide11.xml><?xml version="1.0" encoding="utf-8"?>
 <p:sld xmlns:a="http://schemas.openxmlformats.org/drawingml/2006/main" xmlns:r="http://schemas.openxmlformats.org/officeDocument/2006/relationships" xmlns:p="http://schemas.openxmlformats.org/presentationml/2006/main">
   <p:cSld>
     <p:spTree>
@@ -9962,11 +7296,6 @@
               </a:rPr>
               <a:t>event</a:t>
             </a:r>
-            <a:endParaRPr lang="en-GB" dirty="0" smtClean="0">
-              <a:solidFill>
-                <a:schemeClr val="bg1"/>
-              </a:solidFill>
-            </a:endParaRPr>
           </a:p>
         </p:txBody>
       </p:sp>
@@ -10015,11 +7344,6 @@
               </a:rPr>
               <a:t>machine</a:t>
             </a:r>
-            <a:endParaRPr lang="en-GB" dirty="0" smtClean="0">
-              <a:solidFill>
-                <a:schemeClr val="bg1"/>
-              </a:solidFill>
-            </a:endParaRPr>
           </a:p>
         </p:txBody>
       </p:sp>
@@ -10068,11 +7392,6 @@
               </a:rPr>
               <a:t>machine</a:t>
             </a:r>
-            <a:endParaRPr lang="en-GB" dirty="0" smtClean="0">
-              <a:solidFill>
-                <a:schemeClr val="bg1"/>
-              </a:solidFill>
-            </a:endParaRPr>
           </a:p>
         </p:txBody>
       </p:sp>
@@ -10121,11 +7440,6 @@
               </a:rPr>
               <a:t>machine</a:t>
             </a:r>
-            <a:endParaRPr lang="en-GB" dirty="0" smtClean="0">
-              <a:solidFill>
-                <a:schemeClr val="bg1"/>
-              </a:solidFill>
-            </a:endParaRPr>
           </a:p>
         </p:txBody>
       </p:sp>
@@ -10162,7 +7476,12 @@
             <p:ph type="subTitle" idx="15"/>
           </p:nvPr>
         </p:nvSpPr>
-        <p:spPr/>
+        <p:spPr>
+          <a:xfrm>
+            <a:off x="2466977" y="5207060"/>
+            <a:ext cx="6416610" cy="338328"/>
+          </a:xfrm>
+        </p:spPr>
         <p:txBody>
           <a:bodyPr/>
           <a:lstStyle/>
@@ -10245,11 +7564,6 @@
               </a:rPr>
               <a:t>machine</a:t>
             </a:r>
-            <a:endParaRPr lang="en-GB" dirty="0" smtClean="0">
-              <a:solidFill>
-                <a:schemeClr val="bg1"/>
-              </a:solidFill>
-            </a:endParaRPr>
           </a:p>
         </p:txBody>
       </p:sp>
@@ -10345,7 +7659,6 @@
               <a:rPr lang="en-GB" sz="1400" dirty="0" smtClean="0"/>
               <a:t>time</a:t>
             </a:r>
-            <a:endParaRPr lang="en-GB" sz="1400" dirty="0" smtClean="0"/>
           </a:p>
         </p:txBody>
       </p:sp>
@@ -10373,13 +7686,8 @@
           <a:p>
             <a:r>
               <a:rPr lang="en-GB" sz="1400" dirty="0" smtClean="0"/>
-              <a:t>Dat</a:t>
+              <a:t>Data streams</a:t>
             </a:r>
-            <a:r>
-              <a:rPr lang="en-GB" sz="1400" dirty="0" smtClean="0"/>
-              <a:t>a streams</a:t>
-            </a:r>
-            <a:endParaRPr lang="en-GB" sz="1400" dirty="0" smtClean="0"/>
           </a:p>
         </p:txBody>
       </p:sp>
@@ -10562,11 +7870,6 @@
               </a:rPr>
               <a:t>event</a:t>
             </a:r>
-            <a:endParaRPr lang="en-GB" dirty="0" smtClean="0">
-              <a:solidFill>
-                <a:schemeClr val="bg1"/>
-              </a:solidFill>
-            </a:endParaRPr>
           </a:p>
         </p:txBody>
       </p:sp>
@@ -10664,7 +7967,6 @@
               <a:rPr lang="en-GB" sz="1400" dirty="0" smtClean="0"/>
               <a:t>sources</a:t>
             </a:r>
-            <a:endParaRPr lang="en-GB" sz="1400" dirty="0" smtClean="0"/>
           </a:p>
         </p:txBody>
       </p:sp>
@@ -11567,11 +8869,6 @@
               </a:rPr>
               <a:t>event</a:t>
             </a:r>
-            <a:endParaRPr lang="en-GB" dirty="0" smtClean="0">
-              <a:solidFill>
-                <a:schemeClr val="tx1"/>
-              </a:solidFill>
-            </a:endParaRPr>
           </a:p>
         </p:txBody>
       </p:sp>
@@ -11635,7 +8932,7 @@
 </p:sld>
 </file>
 
-<file path=ppt/slides/slide14.xml><?xml version="1.0" encoding="utf-8"?>
+<file path=ppt/slides/slide12.xml><?xml version="1.0" encoding="utf-8"?>
 <p:sld xmlns:a="http://schemas.openxmlformats.org/drawingml/2006/main" xmlns:r="http://schemas.openxmlformats.org/officeDocument/2006/relationships" xmlns:p="http://schemas.openxmlformats.org/presentationml/2006/main">
   <p:cSld>
     <p:spTree>
@@ -11796,11 +9093,6 @@
               </a:rPr>
               <a:t>schedule</a:t>
             </a:r>
-            <a:endParaRPr lang="en-GB" dirty="0" smtClean="0">
-              <a:solidFill>
-                <a:schemeClr val="bg1"/>
-              </a:solidFill>
-            </a:endParaRPr>
           </a:p>
         </p:txBody>
       </p:sp>
@@ -11896,7 +9188,6 @@
               <a:rPr lang="en-GB" sz="1400" dirty="0" smtClean="0"/>
               <a:t>time</a:t>
             </a:r>
-            <a:endParaRPr lang="en-GB" sz="1400" dirty="0" smtClean="0"/>
           </a:p>
         </p:txBody>
       </p:sp>
@@ -11924,13 +9215,8 @@
           <a:p>
             <a:r>
               <a:rPr lang="en-GB" sz="1400" dirty="0" smtClean="0"/>
-              <a:t>Dat</a:t>
+              <a:t>Data streams</a:t>
             </a:r>
-            <a:r>
-              <a:rPr lang="en-GB" sz="1400" dirty="0" smtClean="0"/>
-              <a:t>a streams</a:t>
-            </a:r>
-            <a:endParaRPr lang="en-GB" sz="1400" dirty="0" smtClean="0"/>
           </a:p>
         </p:txBody>
       </p:sp>
@@ -12153,11 +9439,6 @@
               </a:rPr>
               <a:t>weather</a:t>
             </a:r>
-            <a:endParaRPr lang="en-GB" dirty="0" smtClean="0">
-              <a:solidFill>
-                <a:schemeClr val="bg1"/>
-              </a:solidFill>
-            </a:endParaRPr>
           </a:p>
         </p:txBody>
       </p:sp>
@@ -13361,11 +10642,6 @@
               </a:rPr>
               <a:t>machine</a:t>
             </a:r>
-            <a:endParaRPr lang="en-GB" dirty="0" smtClean="0">
-              <a:solidFill>
-                <a:schemeClr val="bg1"/>
-              </a:solidFill>
-            </a:endParaRPr>
           </a:p>
         </p:txBody>
       </p:sp>
@@ -13478,11 +10754,6 @@
               </a:rPr>
               <a:t>event</a:t>
             </a:r>
-            <a:endParaRPr lang="en-GB" dirty="0" smtClean="0">
-              <a:solidFill>
-                <a:schemeClr val="tx1"/>
-              </a:solidFill>
-            </a:endParaRPr>
           </a:p>
         </p:txBody>
       </p:sp>
@@ -13797,7 +11068,6 @@
               <a:rPr lang="en-GB" sz="1400" dirty="0" smtClean="0"/>
               <a:t>Not ideal</a:t>
             </a:r>
-            <a:endParaRPr lang="en-GB" sz="1400" dirty="0" smtClean="0"/>
           </a:p>
         </p:txBody>
       </p:sp>
@@ -13826,7 +11096,7 @@
 </p:sld>
 </file>
 
-<file path=ppt/slides/slide15.xml><?xml version="1.0" encoding="utf-8"?>
+<file path=ppt/slides/slide13.xml><?xml version="1.0" encoding="utf-8"?>
 <p:sld xmlns:a="http://schemas.openxmlformats.org/drawingml/2006/main" xmlns:r="http://schemas.openxmlformats.org/officeDocument/2006/relationships" xmlns:p="http://schemas.openxmlformats.org/presentationml/2006/main">
   <p:cSld>
     <p:spTree>
@@ -14079,11 +11349,6 @@
               </a:rPr>
               <a:t>event</a:t>
             </a:r>
-            <a:endParaRPr lang="en-GB" dirty="0" smtClean="0">
-              <a:solidFill>
-                <a:schemeClr val="bg1"/>
-              </a:solidFill>
-            </a:endParaRPr>
           </a:p>
         </p:txBody>
       </p:sp>
@@ -14132,11 +11397,6 @@
               </a:rPr>
               <a:t>machine</a:t>
             </a:r>
-            <a:endParaRPr lang="en-GB" dirty="0" smtClean="0">
-              <a:solidFill>
-                <a:schemeClr val="bg1"/>
-              </a:solidFill>
-            </a:endParaRPr>
           </a:p>
         </p:txBody>
       </p:sp>
@@ -14185,11 +11445,6 @@
               </a:rPr>
               <a:t>machine</a:t>
             </a:r>
-            <a:endParaRPr lang="en-GB" dirty="0" smtClean="0">
-              <a:solidFill>
-                <a:schemeClr val="bg1"/>
-              </a:solidFill>
-            </a:endParaRPr>
           </a:p>
         </p:txBody>
       </p:sp>
@@ -14238,11 +11493,6 @@
               </a:rPr>
               <a:t>machine</a:t>
             </a:r>
-            <a:endParaRPr lang="en-GB" dirty="0" smtClean="0">
-              <a:solidFill>
-                <a:schemeClr val="bg1"/>
-              </a:solidFill>
-            </a:endParaRPr>
           </a:p>
         </p:txBody>
       </p:sp>
@@ -14356,11 +11606,6 @@
               </a:rPr>
               <a:t>machine</a:t>
             </a:r>
-            <a:endParaRPr lang="en-GB" dirty="0" smtClean="0">
-              <a:solidFill>
-                <a:schemeClr val="bg1"/>
-              </a:solidFill>
-            </a:endParaRPr>
           </a:p>
         </p:txBody>
       </p:sp>
@@ -14456,7 +11701,6 @@
               <a:rPr lang="en-GB" sz="1400" dirty="0" smtClean="0"/>
               <a:t>time</a:t>
             </a:r>
-            <a:endParaRPr lang="en-GB" sz="1400" dirty="0" smtClean="0"/>
           </a:p>
         </p:txBody>
       </p:sp>
@@ -14484,13 +11728,8 @@
           <a:p>
             <a:r>
               <a:rPr lang="en-GB" sz="1400" dirty="0" smtClean="0"/>
-              <a:t>Dat</a:t>
+              <a:t>Data streams</a:t>
             </a:r>
-            <a:r>
-              <a:rPr lang="en-GB" sz="1400" dirty="0" smtClean="0"/>
-              <a:t>a streams</a:t>
-            </a:r>
-            <a:endParaRPr lang="en-GB" sz="1400" dirty="0" smtClean="0"/>
           </a:p>
         </p:txBody>
       </p:sp>
@@ -14550,11 +11789,6 @@
               </a:rPr>
               <a:t>event</a:t>
             </a:r>
-            <a:endParaRPr lang="en-GB" dirty="0" smtClean="0">
-              <a:solidFill>
-                <a:schemeClr val="bg1"/>
-              </a:solidFill>
-            </a:endParaRPr>
           </a:p>
         </p:txBody>
       </p:sp>
@@ -14617,7 +11851,6 @@
               <a:rPr lang="en-GB" sz="1400" dirty="0" smtClean="0"/>
               <a:t>sources</a:t>
             </a:r>
-            <a:endParaRPr lang="en-GB" sz="1400" dirty="0" smtClean="0"/>
           </a:p>
         </p:txBody>
       </p:sp>
@@ -14910,15 +12143,7 @@
                   <a:schemeClr val="bg1"/>
                 </a:solidFill>
               </a:rPr>
-              <a:t>a</a:t>
-            </a:r>
-            <a:r>
-              <a:rPr lang="en-GB" dirty="0" smtClean="0">
-                <a:solidFill>
-                  <a:schemeClr val="bg1"/>
-                </a:solidFill>
-              </a:rPr>
-              <a:t>ggregate</a:t>
+              <a:t>aggregate</a:t>
             </a:r>
           </a:p>
         </p:txBody>
@@ -14968,11 +12193,6 @@
               </a:rPr>
               <a:t>aggregate</a:t>
             </a:r>
-            <a:endParaRPr lang="en-GB" dirty="0" smtClean="0">
-              <a:solidFill>
-                <a:schemeClr val="bg1"/>
-              </a:solidFill>
-            </a:endParaRPr>
           </a:p>
         </p:txBody>
       </p:sp>
@@ -15109,7 +12329,7 @@
 </p:sld>
 </file>
 
-<file path=ppt/slides/slide16.xml><?xml version="1.0" encoding="utf-8"?>
+<file path=ppt/slides/slide14.xml><?xml version="1.0" encoding="utf-8"?>
 <p:sld xmlns:a="http://schemas.openxmlformats.org/drawingml/2006/main" xmlns:r="http://schemas.openxmlformats.org/officeDocument/2006/relationships" xmlns:p="http://schemas.openxmlformats.org/presentationml/2006/main">
   <p:cSld>
     <p:spTree>
@@ -15362,11 +12582,6 @@
               </a:rPr>
               <a:t>event</a:t>
             </a:r>
-            <a:endParaRPr lang="en-GB" dirty="0" smtClean="0">
-              <a:solidFill>
-                <a:schemeClr val="bg1"/>
-              </a:solidFill>
-            </a:endParaRPr>
           </a:p>
         </p:txBody>
       </p:sp>
@@ -15415,11 +12630,6 @@
               </a:rPr>
               <a:t>machine</a:t>
             </a:r>
-            <a:endParaRPr lang="en-GB" dirty="0" smtClean="0">
-              <a:solidFill>
-                <a:schemeClr val="bg1"/>
-              </a:solidFill>
-            </a:endParaRPr>
           </a:p>
         </p:txBody>
       </p:sp>
@@ -15468,11 +12678,6 @@
               </a:rPr>
               <a:t>machine</a:t>
             </a:r>
-            <a:endParaRPr lang="en-GB" dirty="0" smtClean="0">
-              <a:solidFill>
-                <a:schemeClr val="bg1"/>
-              </a:solidFill>
-            </a:endParaRPr>
           </a:p>
         </p:txBody>
       </p:sp>
@@ -15521,11 +12726,6 @@
               </a:rPr>
               <a:t>machine</a:t>
             </a:r>
-            <a:endParaRPr lang="en-GB" dirty="0" smtClean="0">
-              <a:solidFill>
-                <a:schemeClr val="bg1"/>
-              </a:solidFill>
-            </a:endParaRPr>
           </a:p>
         </p:txBody>
       </p:sp>
@@ -15635,11 +12835,6 @@
               </a:rPr>
               <a:t>machine</a:t>
             </a:r>
-            <a:endParaRPr lang="en-GB" dirty="0" smtClean="0">
-              <a:solidFill>
-                <a:schemeClr val="bg1"/>
-              </a:solidFill>
-            </a:endParaRPr>
           </a:p>
         </p:txBody>
       </p:sp>
@@ -15735,7 +12930,6 @@
               <a:rPr lang="en-GB" sz="1400" dirty="0" smtClean="0"/>
               <a:t>time</a:t>
             </a:r>
-            <a:endParaRPr lang="en-GB" sz="1400" dirty="0" smtClean="0"/>
           </a:p>
         </p:txBody>
       </p:sp>
@@ -15763,13 +12957,8 @@
           <a:p>
             <a:r>
               <a:rPr lang="en-GB" sz="1400" dirty="0" smtClean="0"/>
-              <a:t>Dat</a:t>
+              <a:t>Data streams</a:t>
             </a:r>
-            <a:r>
-              <a:rPr lang="en-GB" sz="1400" dirty="0" smtClean="0"/>
-              <a:t>a streams</a:t>
-            </a:r>
-            <a:endParaRPr lang="en-GB" sz="1400" dirty="0" smtClean="0"/>
           </a:p>
         </p:txBody>
       </p:sp>
@@ -15829,11 +13018,6 @@
               </a:rPr>
               <a:t>event</a:t>
             </a:r>
-            <a:endParaRPr lang="en-GB" dirty="0" smtClean="0">
-              <a:solidFill>
-                <a:schemeClr val="bg1"/>
-              </a:solidFill>
-            </a:endParaRPr>
           </a:p>
         </p:txBody>
       </p:sp>
@@ -15896,7 +13080,6 @@
               <a:rPr lang="en-GB" sz="1400" dirty="0" smtClean="0"/>
               <a:t>sources</a:t>
             </a:r>
-            <a:endParaRPr lang="en-GB" sz="1400" dirty="0" smtClean="0"/>
           </a:p>
         </p:txBody>
       </p:sp>
@@ -16226,15 +13409,7 @@
                   <a:schemeClr val="bg1"/>
                 </a:solidFill>
               </a:rPr>
-              <a:t>a</a:t>
-            </a:r>
-            <a:r>
-              <a:rPr lang="en-GB" dirty="0" smtClean="0">
-                <a:solidFill>
-                  <a:schemeClr val="bg1"/>
-                </a:solidFill>
-              </a:rPr>
-              <a:t>ggregate</a:t>
+              <a:t>aggregate</a:t>
             </a:r>
           </a:p>
         </p:txBody>
@@ -16284,11 +13459,6 @@
               </a:rPr>
               <a:t>aggregate</a:t>
             </a:r>
-            <a:endParaRPr lang="en-GB" dirty="0" smtClean="0">
-              <a:solidFill>
-                <a:schemeClr val="bg1"/>
-              </a:solidFill>
-            </a:endParaRPr>
           </a:p>
         </p:txBody>
       </p:sp>
@@ -16570,7 +13740,6 @@
               <a:rPr lang="en-GB" sz="1400" dirty="0" smtClean="0"/>
               <a:t>now</a:t>
             </a:r>
-            <a:endParaRPr lang="en-GB" sz="1400" dirty="0" smtClean="0"/>
           </a:p>
         </p:txBody>
       </p:sp>
@@ -16638,7 +13807,6 @@
               <a:rPr lang="en-GB" sz="1400" dirty="0" smtClean="0"/>
               <a:t>future</a:t>
             </a:r>
-            <a:endParaRPr lang="en-GB" sz="1400" dirty="0" smtClean="0"/>
           </a:p>
         </p:txBody>
       </p:sp>
@@ -16667,7 +13835,7 @@
 </p:sld>
 </file>
 
-<file path=ppt/slides/slide17.xml><?xml version="1.0" encoding="utf-8"?>
+<file path=ppt/slides/slide15.xml><?xml version="1.0" encoding="utf-8"?>
 <p:sld xmlns:a="http://schemas.openxmlformats.org/drawingml/2006/main" xmlns:r="http://schemas.openxmlformats.org/officeDocument/2006/relationships" xmlns:p="http://schemas.openxmlformats.org/presentationml/2006/main">
   <p:cSld>
     <p:spTree>
@@ -17857,11 +15025,6 @@
               </a:rPr>
               <a:t>aggregate</a:t>
             </a:r>
-            <a:endParaRPr lang="en-GB" dirty="0" smtClean="0">
-              <a:solidFill>
-                <a:schemeClr val="bg1"/>
-              </a:solidFill>
-            </a:endParaRPr>
           </a:p>
         </p:txBody>
       </p:sp>
@@ -17912,11 +15075,6 @@
               </a:rPr>
               <a:t>aggregate</a:t>
             </a:r>
-            <a:endParaRPr lang="en-GB" dirty="0" smtClean="0">
-              <a:solidFill>
-                <a:schemeClr val="bg1"/>
-              </a:solidFill>
-            </a:endParaRPr>
           </a:p>
         </p:txBody>
       </p:sp>
@@ -17945,7 +15103,7 @@
 </p:sld>
 </file>
 
-<file path=ppt/slides/slide18.xml><?xml version="1.0" encoding="utf-8"?>
+<file path=ppt/slides/slide16.xml><?xml version="1.0" encoding="utf-8"?>
 <p:sld xmlns:a="http://schemas.openxmlformats.org/drawingml/2006/main" xmlns:r="http://schemas.openxmlformats.org/officeDocument/2006/relationships" xmlns:p="http://schemas.openxmlformats.org/presentationml/2006/main">
   <p:cSld>
     <p:spTree>
@@ -19134,7 +16292,7 @@
 </p:sld>
 </file>
 
-<file path=ppt/slides/slide19.xml><?xml version="1.0" encoding="utf-8"?>
+<file path=ppt/slides/slide17.xml><?xml version="1.0" encoding="utf-8"?>
 <p:sld xmlns:a="http://schemas.openxmlformats.org/drawingml/2006/main" xmlns:r="http://schemas.openxmlformats.org/officeDocument/2006/relationships" xmlns:p="http://schemas.openxmlformats.org/presentationml/2006/main">
   <p:cSld>
     <p:spTree>
@@ -20327,577 +17485,7 @@
 </p:sld>
 </file>
 
-<file path=ppt/slides/slide2.xml><?xml version="1.0" encoding="utf-8"?>
-<p:sld xmlns:a="http://schemas.openxmlformats.org/drawingml/2006/main" xmlns:r="http://schemas.openxmlformats.org/officeDocument/2006/relationships" xmlns:p="http://schemas.openxmlformats.org/presentationml/2006/main">
-  <p:cSld>
-    <p:spTree>
-      <p:nvGrpSpPr>
-        <p:cNvPr id="1" name=""/>
-        <p:cNvGrpSpPr/>
-        <p:nvPr/>
-      </p:nvGrpSpPr>
-      <p:grpSpPr>
-        <a:xfrm>
-          <a:off x="0" y="0"/>
-          <a:ext cx="0" cy="0"/>
-          <a:chOff x="0" y="0"/>
-          <a:chExt cx="0" cy="0"/>
-        </a:xfrm>
-      </p:grpSpPr>
-      <p:sp>
-        <p:nvSpPr>
-          <p:cNvPr id="5" name="Title 4"/>
-          <p:cNvSpPr>
-            <a:spLocks noGrp="1"/>
-          </p:cNvSpPr>
-          <p:nvPr>
-            <p:ph type="title"/>
-          </p:nvPr>
-        </p:nvSpPr>
-        <p:spPr/>
-        <p:txBody>
-          <a:bodyPr/>
-          <a:lstStyle/>
-          <a:p>
-            <a:r>
-              <a:rPr lang="en-GB" dirty="0" smtClean="0"/>
-              <a:t>One machine generates N streams of telemetry …</a:t>
-            </a:r>
-            <a:endParaRPr lang="en-GB" dirty="0"/>
-          </a:p>
-        </p:txBody>
-      </p:sp>
-      <p:sp>
-        <p:nvSpPr>
-          <p:cNvPr id="6" name="Subtitle 5"/>
-          <p:cNvSpPr>
-            <a:spLocks noGrp="1"/>
-          </p:cNvSpPr>
-          <p:nvPr>
-            <p:ph type="subTitle" idx="15"/>
-          </p:nvPr>
-        </p:nvSpPr>
-        <p:spPr/>
-        <p:txBody>
-          <a:bodyPr/>
-          <a:lstStyle/>
-          <a:p>
-            <a:endParaRPr lang="en-GB"/>
-          </a:p>
-        </p:txBody>
-      </p:sp>
-      <p:sp>
-        <p:nvSpPr>
-          <p:cNvPr id="4" name="Footer Placeholder 3"/>
-          <p:cNvSpPr>
-            <a:spLocks noGrp="1"/>
-          </p:cNvSpPr>
-          <p:nvPr>
-            <p:ph type="ftr" sz="quarter" idx="3"/>
-          </p:nvPr>
-        </p:nvSpPr>
-        <p:spPr/>
-        <p:txBody>
-          <a:bodyPr/>
-          <a:lstStyle/>
-          <a:p>
-            <a:endParaRPr lang="en-US" dirty="0"/>
-          </a:p>
-        </p:txBody>
-      </p:sp>
-      <p:sp>
-        <p:nvSpPr>
-          <p:cNvPr id="7" name="Rectangle 6"/>
-          <p:cNvSpPr/>
-          <p:nvPr/>
-        </p:nvSpPr>
-        <p:spPr>
-          <a:xfrm>
-            <a:off x="323528" y="1844824"/>
-            <a:ext cx="1728192" cy="1080120"/>
-          </a:xfrm>
-          <a:prstGeom prst="rect">
-            <a:avLst/>
-          </a:prstGeom>
-          <a:ln/>
-        </p:spPr>
-        <p:style>
-          <a:lnRef idx="2">
-            <a:schemeClr val="accent1">
-              <a:shade val="50000"/>
-            </a:schemeClr>
-          </a:lnRef>
-          <a:fillRef idx="1">
-            <a:schemeClr val="accent1"/>
-          </a:fillRef>
-          <a:effectRef idx="0">
-            <a:schemeClr val="accent1"/>
-          </a:effectRef>
-          <a:fontRef idx="minor">
-            <a:schemeClr val="lt1"/>
-          </a:fontRef>
-        </p:style>
-        <p:txBody>
-          <a:bodyPr rtlCol="0" anchor="ctr"/>
-          <a:lstStyle/>
-          <a:p>
-            <a:pPr algn="ctr"/>
-            <a:r>
-              <a:rPr lang="en-GB" dirty="0" smtClean="0">
-                <a:solidFill>
-                  <a:schemeClr val="bg1"/>
-                </a:solidFill>
-              </a:rPr>
-              <a:t>machine</a:t>
-            </a:r>
-            <a:endParaRPr lang="en-GB" dirty="0" smtClean="0">
-              <a:solidFill>
-                <a:schemeClr val="bg1"/>
-              </a:solidFill>
-            </a:endParaRPr>
-          </a:p>
-        </p:txBody>
-      </p:sp>
-      <p:cxnSp>
-        <p:nvCxnSpPr>
-          <p:cNvPr id="9" name="Straight Arrow Connector 8"/>
-          <p:cNvCxnSpPr>
-            <a:stCxn id="7" idx="3"/>
-          </p:cNvCxnSpPr>
-          <p:nvPr/>
-        </p:nvCxnSpPr>
-        <p:spPr>
-          <a:xfrm>
-            <a:off x="2051720" y="2384884"/>
-            <a:ext cx="6480720" cy="0"/>
-          </a:xfrm>
-          <a:prstGeom prst="straightConnector1">
-            <a:avLst/>
-          </a:prstGeom>
-          <a:ln w="19050">
-            <a:solidFill>
-              <a:schemeClr val="tx1"/>
-            </a:solidFill>
-            <a:tailEnd type="arrow"/>
-          </a:ln>
-        </p:spPr>
-        <p:style>
-          <a:lnRef idx="1">
-            <a:schemeClr val="accent1"/>
-          </a:lnRef>
-          <a:fillRef idx="0">
-            <a:schemeClr val="accent1"/>
-          </a:fillRef>
-          <a:effectRef idx="0">
-            <a:schemeClr val="accent1"/>
-          </a:effectRef>
-          <a:fontRef idx="minor">
-            <a:schemeClr val="tx1"/>
-          </a:fontRef>
-        </p:style>
-      </p:cxnSp>
-      <p:cxnSp>
-        <p:nvCxnSpPr>
-          <p:cNvPr id="10" name="Straight Arrow Connector 9"/>
-          <p:cNvCxnSpPr/>
-          <p:nvPr/>
-        </p:nvCxnSpPr>
-        <p:spPr>
-          <a:xfrm>
-            <a:off x="2051720" y="2305676"/>
-            <a:ext cx="6480720" cy="0"/>
-          </a:xfrm>
-          <a:prstGeom prst="straightConnector1">
-            <a:avLst/>
-          </a:prstGeom>
-          <a:ln w="19050">
-            <a:solidFill>
-              <a:schemeClr val="tx1"/>
-            </a:solidFill>
-            <a:tailEnd type="arrow"/>
-          </a:ln>
-        </p:spPr>
-        <p:style>
-          <a:lnRef idx="1">
-            <a:schemeClr val="accent1"/>
-          </a:lnRef>
-          <a:fillRef idx="0">
-            <a:schemeClr val="accent1"/>
-          </a:fillRef>
-          <a:effectRef idx="0">
-            <a:schemeClr val="accent1"/>
-          </a:effectRef>
-          <a:fontRef idx="minor">
-            <a:schemeClr val="tx1"/>
-          </a:fontRef>
-        </p:style>
-      </p:cxnSp>
-      <p:cxnSp>
-        <p:nvCxnSpPr>
-          <p:cNvPr id="11" name="Straight Arrow Connector 10"/>
-          <p:cNvCxnSpPr/>
-          <p:nvPr/>
-        </p:nvCxnSpPr>
-        <p:spPr>
-          <a:xfrm>
-            <a:off x="2051720" y="2147258"/>
-            <a:ext cx="6480720" cy="0"/>
-          </a:xfrm>
-          <a:prstGeom prst="straightConnector1">
-            <a:avLst/>
-          </a:prstGeom>
-          <a:ln w="19050">
-            <a:solidFill>
-              <a:schemeClr val="tx1"/>
-            </a:solidFill>
-            <a:tailEnd type="arrow"/>
-          </a:ln>
-        </p:spPr>
-        <p:style>
-          <a:lnRef idx="1">
-            <a:schemeClr val="accent1"/>
-          </a:lnRef>
-          <a:fillRef idx="0">
-            <a:schemeClr val="accent1"/>
-          </a:fillRef>
-          <a:effectRef idx="0">
-            <a:schemeClr val="accent1"/>
-          </a:effectRef>
-          <a:fontRef idx="minor">
-            <a:schemeClr val="tx1"/>
-          </a:fontRef>
-        </p:style>
-      </p:cxnSp>
-      <p:cxnSp>
-        <p:nvCxnSpPr>
-          <p:cNvPr id="12" name="Straight Arrow Connector 11"/>
-          <p:cNvCxnSpPr/>
-          <p:nvPr/>
-        </p:nvCxnSpPr>
-        <p:spPr>
-          <a:xfrm>
-            <a:off x="2051720" y="1988840"/>
-            <a:ext cx="6480720" cy="0"/>
-          </a:xfrm>
-          <a:prstGeom prst="straightConnector1">
-            <a:avLst/>
-          </a:prstGeom>
-          <a:ln w="19050">
-            <a:solidFill>
-              <a:schemeClr val="tx1"/>
-            </a:solidFill>
-            <a:tailEnd type="arrow"/>
-          </a:ln>
-        </p:spPr>
-        <p:style>
-          <a:lnRef idx="1">
-            <a:schemeClr val="accent1"/>
-          </a:lnRef>
-          <a:fillRef idx="0">
-            <a:schemeClr val="accent1"/>
-          </a:fillRef>
-          <a:effectRef idx="0">
-            <a:schemeClr val="accent1"/>
-          </a:effectRef>
-          <a:fontRef idx="minor">
-            <a:schemeClr val="tx1"/>
-          </a:fontRef>
-        </p:style>
-      </p:cxnSp>
-      <p:cxnSp>
-        <p:nvCxnSpPr>
-          <p:cNvPr id="13" name="Straight Arrow Connector 12"/>
-          <p:cNvCxnSpPr/>
-          <p:nvPr/>
-        </p:nvCxnSpPr>
-        <p:spPr>
-          <a:xfrm>
-            <a:off x="2051720" y="2464094"/>
-            <a:ext cx="6480720" cy="0"/>
-          </a:xfrm>
-          <a:prstGeom prst="straightConnector1">
-            <a:avLst/>
-          </a:prstGeom>
-          <a:ln w="19050">
-            <a:solidFill>
-              <a:schemeClr val="tx1"/>
-            </a:solidFill>
-            <a:tailEnd type="arrow"/>
-          </a:ln>
-        </p:spPr>
-        <p:style>
-          <a:lnRef idx="1">
-            <a:schemeClr val="accent1"/>
-          </a:lnRef>
-          <a:fillRef idx="0">
-            <a:schemeClr val="accent1"/>
-          </a:fillRef>
-          <a:effectRef idx="0">
-            <a:schemeClr val="accent1"/>
-          </a:effectRef>
-          <a:fontRef idx="minor">
-            <a:schemeClr val="tx1"/>
-          </a:fontRef>
-        </p:style>
-      </p:cxnSp>
-      <p:cxnSp>
-        <p:nvCxnSpPr>
-          <p:cNvPr id="14" name="Straight Arrow Connector 13"/>
-          <p:cNvCxnSpPr/>
-          <p:nvPr/>
-        </p:nvCxnSpPr>
-        <p:spPr>
-          <a:xfrm>
-            <a:off x="2051720" y="2622512"/>
-            <a:ext cx="6480720" cy="0"/>
-          </a:xfrm>
-          <a:prstGeom prst="straightConnector1">
-            <a:avLst/>
-          </a:prstGeom>
-          <a:ln w="19050">
-            <a:solidFill>
-              <a:schemeClr val="tx1"/>
-            </a:solidFill>
-            <a:tailEnd type="arrow"/>
-          </a:ln>
-        </p:spPr>
-        <p:style>
-          <a:lnRef idx="1">
-            <a:schemeClr val="accent1"/>
-          </a:lnRef>
-          <a:fillRef idx="0">
-            <a:schemeClr val="accent1"/>
-          </a:fillRef>
-          <a:effectRef idx="0">
-            <a:schemeClr val="accent1"/>
-          </a:effectRef>
-          <a:fontRef idx="minor">
-            <a:schemeClr val="tx1"/>
-          </a:fontRef>
-        </p:style>
-      </p:cxnSp>
-      <p:cxnSp>
-        <p:nvCxnSpPr>
-          <p:cNvPr id="15" name="Straight Arrow Connector 14"/>
-          <p:cNvCxnSpPr/>
-          <p:nvPr/>
-        </p:nvCxnSpPr>
-        <p:spPr>
-          <a:xfrm>
-            <a:off x="2051720" y="2780928"/>
-            <a:ext cx="6480720" cy="0"/>
-          </a:xfrm>
-          <a:prstGeom prst="straightConnector1">
-            <a:avLst/>
-          </a:prstGeom>
-          <a:ln w="19050">
-            <a:solidFill>
-              <a:schemeClr val="tx1"/>
-            </a:solidFill>
-            <a:tailEnd type="arrow"/>
-          </a:ln>
-        </p:spPr>
-        <p:style>
-          <a:lnRef idx="1">
-            <a:schemeClr val="accent1"/>
-          </a:lnRef>
-          <a:fillRef idx="0">
-            <a:schemeClr val="accent1"/>
-          </a:fillRef>
-          <a:effectRef idx="0">
-            <a:schemeClr val="accent1"/>
-          </a:effectRef>
-          <a:fontRef idx="minor">
-            <a:schemeClr val="tx1"/>
-          </a:fontRef>
-        </p:style>
-      </p:cxnSp>
-      <p:sp>
-        <p:nvSpPr>
-          <p:cNvPr id="16" name="TextBox 15"/>
-          <p:cNvSpPr txBox="1"/>
-          <p:nvPr/>
-        </p:nvSpPr>
-        <p:spPr>
-          <a:xfrm>
-            <a:off x="2552689" y="1635977"/>
-            <a:ext cx="1619995" cy="215444"/>
-          </a:xfrm>
-          <a:prstGeom prst="rect">
-            <a:avLst/>
-          </a:prstGeom>
-          <a:noFill/>
-        </p:spPr>
-        <p:txBody>
-          <a:bodyPr wrap="none" lIns="0" tIns="0" rIns="0" bIns="0" rtlCol="0">
-            <a:spAutoFit/>
-          </a:bodyPr>
-          <a:lstStyle/>
-          <a:p>
-            <a:r>
-              <a:rPr lang="en-GB" sz="1400" dirty="0" smtClean="0"/>
-              <a:t>Telemetry (machine)</a:t>
-            </a:r>
-            <a:endParaRPr lang="en-GB" sz="1400" dirty="0" smtClean="0"/>
-          </a:p>
-        </p:txBody>
-      </p:sp>
-      <p:cxnSp>
-        <p:nvCxnSpPr>
-          <p:cNvPr id="18" name="Straight Arrow Connector 17"/>
-          <p:cNvCxnSpPr/>
-          <p:nvPr/>
-        </p:nvCxnSpPr>
-        <p:spPr>
-          <a:xfrm flipV="1">
-            <a:off x="323528" y="5517232"/>
-            <a:ext cx="0" cy="1008112"/>
-          </a:xfrm>
-          <a:prstGeom prst="straightConnector1">
-            <a:avLst/>
-          </a:prstGeom>
-          <a:ln>
-            <a:tailEnd type="arrow"/>
-          </a:ln>
-        </p:spPr>
-        <p:style>
-          <a:lnRef idx="1">
-            <a:schemeClr val="accent1"/>
-          </a:lnRef>
-          <a:fillRef idx="0">
-            <a:schemeClr val="accent1"/>
-          </a:fillRef>
-          <a:effectRef idx="0">
-            <a:schemeClr val="accent1"/>
-          </a:effectRef>
-          <a:fontRef idx="minor">
-            <a:schemeClr val="tx1"/>
-          </a:fontRef>
-        </p:style>
-      </p:cxnSp>
-      <p:cxnSp>
-        <p:nvCxnSpPr>
-          <p:cNvPr id="20" name="Straight Arrow Connector 19"/>
-          <p:cNvCxnSpPr/>
-          <p:nvPr/>
-        </p:nvCxnSpPr>
-        <p:spPr>
-          <a:xfrm>
-            <a:off x="323528" y="6525344"/>
-            <a:ext cx="1008112" cy="0"/>
-          </a:xfrm>
-          <a:prstGeom prst="straightConnector1">
-            <a:avLst/>
-          </a:prstGeom>
-          <a:ln>
-            <a:tailEnd type="arrow"/>
-          </a:ln>
-        </p:spPr>
-        <p:style>
-          <a:lnRef idx="1">
-            <a:schemeClr val="accent1"/>
-          </a:lnRef>
-          <a:fillRef idx="0">
-            <a:schemeClr val="accent1"/>
-          </a:fillRef>
-          <a:effectRef idx="0">
-            <a:schemeClr val="accent1"/>
-          </a:effectRef>
-          <a:fontRef idx="minor">
-            <a:schemeClr val="tx1"/>
-          </a:fontRef>
-        </p:style>
-      </p:cxnSp>
-      <p:sp>
-        <p:nvSpPr>
-          <p:cNvPr id="21" name="TextBox 20"/>
-          <p:cNvSpPr txBox="1"/>
-          <p:nvPr/>
-        </p:nvSpPr>
-        <p:spPr>
-          <a:xfrm>
-            <a:off x="1331640" y="6419618"/>
-            <a:ext cx="338234" cy="215444"/>
-          </a:xfrm>
-          <a:prstGeom prst="rect">
-            <a:avLst/>
-          </a:prstGeom>
-          <a:noFill/>
-        </p:spPr>
-        <p:txBody>
-          <a:bodyPr wrap="none" lIns="0" tIns="0" rIns="0" bIns="0" rtlCol="0">
-            <a:spAutoFit/>
-          </a:bodyPr>
-          <a:lstStyle/>
-          <a:p>
-            <a:r>
-              <a:rPr lang="en-GB" sz="1400" dirty="0" smtClean="0"/>
-              <a:t>time</a:t>
-            </a:r>
-            <a:endParaRPr lang="en-GB" sz="1400" dirty="0" smtClean="0"/>
-          </a:p>
-        </p:txBody>
-      </p:sp>
-      <p:sp>
-        <p:nvSpPr>
-          <p:cNvPr id="22" name="TextBox 21"/>
-          <p:cNvSpPr txBox="1"/>
-          <p:nvPr/>
-        </p:nvSpPr>
-        <p:spPr>
-          <a:xfrm>
-            <a:off x="123230" y="5265432"/>
-            <a:ext cx="1064394" cy="215444"/>
-          </a:xfrm>
-          <a:prstGeom prst="rect">
-            <a:avLst/>
-          </a:prstGeom>
-          <a:noFill/>
-        </p:spPr>
-        <p:txBody>
-          <a:bodyPr wrap="none" lIns="0" tIns="0" rIns="0" bIns="0" rtlCol="0">
-            <a:spAutoFit/>
-          </a:bodyPr>
-          <a:lstStyle/>
-          <a:p>
-            <a:r>
-              <a:rPr lang="en-GB" sz="1400" dirty="0" smtClean="0"/>
-              <a:t>Dat</a:t>
-            </a:r>
-            <a:r>
-              <a:rPr lang="en-GB" sz="1400" dirty="0" smtClean="0"/>
-              <a:t>a streams</a:t>
-            </a:r>
-            <a:endParaRPr lang="en-GB" sz="1400" dirty="0" smtClean="0"/>
-          </a:p>
-        </p:txBody>
-      </p:sp>
-    </p:spTree>
-    <p:extLst>
-      <p:ext uri="{BB962C8B-B14F-4D97-AF65-F5344CB8AC3E}">
-        <p14:creationId xmlns:p14="http://schemas.microsoft.com/office/powerpoint/2010/main" val="4206989484"/>
-      </p:ext>
-    </p:extLst>
-  </p:cSld>
-  <p:clrMapOvr>
-    <a:masterClrMapping/>
-  </p:clrMapOvr>
-  <mc:AlternateContent xmlns:mc="http://schemas.openxmlformats.org/markup-compatibility/2006" xmlns:p14="http://schemas.microsoft.com/office/powerpoint/2010/main">
-    <mc:Choice Requires="p14">
-      <p:transition spd="med" p14:dur="600">
-        <p:fade/>
-      </p:transition>
-    </mc:Choice>
-    <mc:Fallback xmlns="">
-      <p:transition spd="med">
-        <p:fade/>
-      </p:transition>
-    </mc:Fallback>
-  </mc:AlternateContent>
-</p:sld>
-</file>
-
-<file path=ppt/slides/slide20.xml><?xml version="1.0" encoding="utf-8"?>
+<file path=ppt/slides/slide18.xml><?xml version="1.0" encoding="utf-8"?>
 <p:sld xmlns:a="http://schemas.openxmlformats.org/drawingml/2006/main" xmlns:r="http://schemas.openxmlformats.org/officeDocument/2006/relationships" xmlns:p="http://schemas.openxmlformats.org/presentationml/2006/main">
   <p:cSld>
     <p:spTree>
@@ -22160,11 +18748,6 @@
               </a:rPr>
               <a:t>aggregate</a:t>
             </a:r>
-            <a:endParaRPr lang="en-GB" dirty="0" smtClean="0">
-              <a:solidFill>
-                <a:schemeClr val="bg1"/>
-              </a:solidFill>
-            </a:endParaRPr>
           </a:p>
         </p:txBody>
       </p:sp>
@@ -22276,6 +18859,1036 @@
     <p:extLst>
       <p:ext uri="{BB962C8B-B14F-4D97-AF65-F5344CB8AC3E}">
         <p14:creationId xmlns:p14="http://schemas.microsoft.com/office/powerpoint/2010/main" val="1263811527"/>
+      </p:ext>
+    </p:extLst>
+  </p:cSld>
+  <p:clrMapOvr>
+    <a:masterClrMapping/>
+  </p:clrMapOvr>
+  <mc:AlternateContent xmlns:mc="http://schemas.openxmlformats.org/markup-compatibility/2006" xmlns:p14="http://schemas.microsoft.com/office/powerpoint/2010/main">
+    <mc:Choice Requires="p14">
+      <p:transition spd="med" p14:dur="600">
+        <p:fade/>
+      </p:transition>
+    </mc:Choice>
+    <mc:Fallback xmlns="">
+      <p:transition spd="med">
+        <p:fade/>
+      </p:transition>
+    </mc:Fallback>
+  </mc:AlternateContent>
+</p:sld>
+</file>
+
+<file path=ppt/slides/slide19.xml><?xml version="1.0" encoding="utf-8"?>
+<p:sld xmlns:a="http://schemas.openxmlformats.org/drawingml/2006/main" xmlns:r="http://schemas.openxmlformats.org/officeDocument/2006/relationships" xmlns:p="http://schemas.openxmlformats.org/presentationml/2006/main">
+  <p:cSld>
+    <p:spTree>
+      <p:nvGrpSpPr>
+        <p:cNvPr id="1" name=""/>
+        <p:cNvGrpSpPr/>
+        <p:nvPr/>
+      </p:nvGrpSpPr>
+      <p:grpSpPr>
+        <a:xfrm>
+          <a:off x="0" y="0"/>
+          <a:ext cx="0" cy="0"/>
+          <a:chOff x="0" y="0"/>
+          <a:chExt cx="0" cy="0"/>
+        </a:xfrm>
+      </p:grpSpPr>
+      <p:cxnSp>
+        <p:nvCxnSpPr>
+          <p:cNvPr id="24" name="Straight Arrow Connector 23"/>
+          <p:cNvCxnSpPr/>
+          <p:nvPr/>
+        </p:nvCxnSpPr>
+        <p:spPr>
+          <a:xfrm>
+            <a:off x="2843808" y="4332123"/>
+            <a:ext cx="5832648" cy="1447412"/>
+          </a:xfrm>
+          <a:prstGeom prst="straightConnector1">
+            <a:avLst/>
+          </a:prstGeom>
+          <a:ln>
+            <a:solidFill>
+              <a:schemeClr val="tx1"/>
+            </a:solidFill>
+            <a:tailEnd type="arrow"/>
+          </a:ln>
+        </p:spPr>
+        <p:style>
+          <a:lnRef idx="1">
+            <a:schemeClr val="accent1"/>
+          </a:lnRef>
+          <a:fillRef idx="0">
+            <a:schemeClr val="accent1"/>
+          </a:fillRef>
+          <a:effectRef idx="0">
+            <a:schemeClr val="accent1"/>
+          </a:effectRef>
+          <a:fontRef idx="minor">
+            <a:schemeClr val="tx1"/>
+          </a:fontRef>
+        </p:style>
+      </p:cxnSp>
+      <p:cxnSp>
+        <p:nvCxnSpPr>
+          <p:cNvPr id="15" name="Straight Arrow Connector 14"/>
+          <p:cNvCxnSpPr/>
+          <p:nvPr/>
+        </p:nvCxnSpPr>
+        <p:spPr>
+          <a:xfrm flipV="1">
+            <a:off x="2915816" y="1988840"/>
+            <a:ext cx="6048672" cy="1286853"/>
+          </a:xfrm>
+          <a:prstGeom prst="straightConnector1">
+            <a:avLst/>
+          </a:prstGeom>
+          <a:ln>
+            <a:solidFill>
+              <a:schemeClr val="tx1"/>
+            </a:solidFill>
+            <a:tailEnd type="arrow"/>
+          </a:ln>
+        </p:spPr>
+        <p:style>
+          <a:lnRef idx="1">
+            <a:schemeClr val="accent1"/>
+          </a:lnRef>
+          <a:fillRef idx="0">
+            <a:schemeClr val="accent1"/>
+          </a:fillRef>
+          <a:effectRef idx="0">
+            <a:schemeClr val="accent1"/>
+          </a:effectRef>
+          <a:fontRef idx="minor">
+            <a:schemeClr val="tx1"/>
+          </a:fontRef>
+        </p:style>
+      </p:cxnSp>
+      <p:sp>
+        <p:nvSpPr>
+          <p:cNvPr id="2" name="Title 1"/>
+          <p:cNvSpPr>
+            <a:spLocks noGrp="1"/>
+          </p:cNvSpPr>
+          <p:nvPr>
+            <p:ph type="title"/>
+          </p:nvPr>
+        </p:nvSpPr>
+        <p:spPr/>
+        <p:txBody>
+          <a:bodyPr/>
+          <a:lstStyle/>
+          <a:p>
+            <a:r>
+              <a:rPr lang="en-GB" dirty="0" smtClean="0"/>
+              <a:t>We can view the aggregate streams in the same way</a:t>
+            </a:r>
+            <a:endParaRPr lang="en-GB" dirty="0"/>
+          </a:p>
+        </p:txBody>
+      </p:sp>
+      <p:sp>
+        <p:nvSpPr>
+          <p:cNvPr id="3" name="Subtitle 2"/>
+          <p:cNvSpPr>
+            <a:spLocks noGrp="1"/>
+          </p:cNvSpPr>
+          <p:nvPr>
+            <p:ph type="subTitle" idx="15"/>
+          </p:nvPr>
+        </p:nvSpPr>
+        <p:spPr/>
+        <p:txBody>
+          <a:bodyPr/>
+          <a:lstStyle/>
+          <a:p>
+            <a:endParaRPr lang="en-GB" dirty="0"/>
+          </a:p>
+        </p:txBody>
+      </p:sp>
+      <p:sp>
+        <p:nvSpPr>
+          <p:cNvPr id="4" name="Footer Placeholder 3"/>
+          <p:cNvSpPr>
+            <a:spLocks noGrp="1"/>
+          </p:cNvSpPr>
+          <p:nvPr>
+            <p:ph type="ftr" sz="quarter" idx="3"/>
+          </p:nvPr>
+        </p:nvSpPr>
+        <p:spPr/>
+        <p:txBody>
+          <a:bodyPr/>
+          <a:lstStyle/>
+          <a:p>
+            <a:endParaRPr lang="en-US" dirty="0"/>
+          </a:p>
+        </p:txBody>
+      </p:sp>
+      <p:sp>
+        <p:nvSpPr>
+          <p:cNvPr id="7" name="Rectangle 6"/>
+          <p:cNvSpPr/>
+          <p:nvPr/>
+        </p:nvSpPr>
+        <p:spPr>
+          <a:xfrm>
+            <a:off x="971600" y="3252003"/>
+            <a:ext cx="1728192" cy="1080120"/>
+          </a:xfrm>
+          <a:prstGeom prst="rect">
+            <a:avLst/>
+          </a:prstGeom>
+          <a:ln/>
+        </p:spPr>
+        <p:style>
+          <a:lnRef idx="2">
+            <a:schemeClr val="accent1">
+              <a:shade val="50000"/>
+            </a:schemeClr>
+          </a:lnRef>
+          <a:fillRef idx="1">
+            <a:schemeClr val="accent1"/>
+          </a:fillRef>
+          <a:effectRef idx="0">
+            <a:schemeClr val="accent1"/>
+          </a:effectRef>
+          <a:fontRef idx="minor">
+            <a:schemeClr val="lt1"/>
+          </a:fontRef>
+        </p:style>
+        <p:txBody>
+          <a:bodyPr rtlCol="0" anchor="ctr"/>
+          <a:lstStyle/>
+          <a:p>
+            <a:pPr algn="ctr"/>
+            <a:r>
+              <a:rPr lang="en-GB" dirty="0" smtClean="0">
+                <a:solidFill>
+                  <a:schemeClr val="bg1"/>
+                </a:solidFill>
+              </a:rPr>
+              <a:t>aggregate</a:t>
+            </a:r>
+            <a:endParaRPr lang="en-GB" dirty="0" smtClean="0">
+              <a:solidFill>
+                <a:schemeClr val="bg1"/>
+              </a:solidFill>
+            </a:endParaRPr>
+          </a:p>
+        </p:txBody>
+      </p:sp>
+      <p:sp>
+        <p:nvSpPr>
+          <p:cNvPr id="5" name="Rectangle 4"/>
+          <p:cNvSpPr/>
+          <p:nvPr/>
+        </p:nvSpPr>
+        <p:spPr>
+          <a:xfrm>
+            <a:off x="2339752" y="2132856"/>
+            <a:ext cx="5904656" cy="3528392"/>
+          </a:xfrm>
+          <a:prstGeom prst="rect">
+            <a:avLst/>
+          </a:prstGeom>
+          <a:ln/>
+        </p:spPr>
+        <p:style>
+          <a:lnRef idx="2">
+            <a:schemeClr val="accent6">
+              <a:shade val="50000"/>
+            </a:schemeClr>
+          </a:lnRef>
+          <a:fillRef idx="1">
+            <a:schemeClr val="accent6"/>
+          </a:fillRef>
+          <a:effectRef idx="0">
+            <a:schemeClr val="accent6"/>
+          </a:effectRef>
+          <a:fontRef idx="minor">
+            <a:schemeClr val="lt1"/>
+          </a:fontRef>
+        </p:style>
+        <p:txBody>
+          <a:bodyPr rtlCol="0" anchor="ctr"/>
+          <a:lstStyle/>
+          <a:p>
+            <a:pPr algn="ctr"/>
+            <a:endParaRPr lang="en-GB" dirty="0" smtClean="0">
+              <a:solidFill>
+                <a:schemeClr val="bg1"/>
+              </a:solidFill>
+            </a:endParaRPr>
+          </a:p>
+        </p:txBody>
+      </p:sp>
+      <p:sp>
+        <p:nvSpPr>
+          <p:cNvPr id="8" name="TextBox 7"/>
+          <p:cNvSpPr txBox="1"/>
+          <p:nvPr/>
+        </p:nvSpPr>
+        <p:spPr>
+          <a:xfrm>
+            <a:off x="2631105" y="2390807"/>
+            <a:ext cx="2440605" cy="369332"/>
+          </a:xfrm>
+          <a:prstGeom prst="rect">
+            <a:avLst/>
+          </a:prstGeom>
+          <a:noFill/>
+        </p:spPr>
+        <p:txBody>
+          <a:bodyPr wrap="none" lIns="0" tIns="0" rIns="0" bIns="0" rtlCol="0">
+            <a:spAutoFit/>
+          </a:bodyPr>
+          <a:lstStyle/>
+          <a:p>
+            <a:r>
+              <a:rPr lang="en-GB" sz="2400" dirty="0" smtClean="0"/>
+              <a:t>Efficiency : 96.5%</a:t>
+            </a:r>
+            <a:endParaRPr lang="en-GB" sz="2400" dirty="0" smtClean="0"/>
+          </a:p>
+        </p:txBody>
+      </p:sp>
+      <p:sp>
+        <p:nvSpPr>
+          <p:cNvPr id="9" name="TextBox 8"/>
+          <p:cNvSpPr txBox="1"/>
+          <p:nvPr/>
+        </p:nvSpPr>
+        <p:spPr>
+          <a:xfrm>
+            <a:off x="2555776" y="3275692"/>
+            <a:ext cx="5520999" cy="369332"/>
+          </a:xfrm>
+          <a:prstGeom prst="rect">
+            <a:avLst/>
+          </a:prstGeom>
+          <a:noFill/>
+        </p:spPr>
+        <p:txBody>
+          <a:bodyPr wrap="none" lIns="0" tIns="0" rIns="0" bIns="0" rtlCol="0">
+            <a:spAutoFit/>
+          </a:bodyPr>
+          <a:lstStyle/>
+          <a:p>
+            <a:r>
+              <a:rPr lang="en-GB" sz="2400" dirty="0" smtClean="0"/>
+              <a:t>Last breakdown : Tuesday, </a:t>
+            </a:r>
+            <a:r>
+              <a:rPr lang="en-GB" sz="2400" u="sng" dirty="0" smtClean="0"/>
+              <a:t>CIC</a:t>
+            </a:r>
+            <a:r>
+              <a:rPr lang="en-GB" sz="2400" dirty="0" smtClean="0"/>
+              <a:t> (Boston)</a:t>
+            </a:r>
+            <a:endParaRPr lang="en-GB" sz="2400" dirty="0" smtClean="0"/>
+          </a:p>
+        </p:txBody>
+      </p:sp>
+      <p:sp>
+        <p:nvSpPr>
+          <p:cNvPr id="10" name="TextBox 9"/>
+          <p:cNvSpPr txBox="1"/>
+          <p:nvPr/>
+        </p:nvSpPr>
+        <p:spPr>
+          <a:xfrm>
+            <a:off x="2555776" y="4221088"/>
+            <a:ext cx="4227119" cy="369332"/>
+          </a:xfrm>
+          <a:prstGeom prst="rect">
+            <a:avLst/>
+          </a:prstGeom>
+          <a:noFill/>
+        </p:spPr>
+        <p:txBody>
+          <a:bodyPr wrap="none" lIns="0" tIns="0" rIns="0" bIns="0" rtlCol="0">
+            <a:spAutoFit/>
+          </a:bodyPr>
+          <a:lstStyle/>
+          <a:p>
+            <a:r>
+              <a:rPr lang="en-GB" sz="2400" dirty="0" smtClean="0"/>
+              <a:t>Overall energy used : 3460 kW</a:t>
+            </a:r>
+            <a:endParaRPr lang="en-GB" sz="2400" dirty="0" smtClean="0"/>
+          </a:p>
+        </p:txBody>
+      </p:sp>
+      <p:cxnSp>
+        <p:nvCxnSpPr>
+          <p:cNvPr id="12" name="Straight Arrow Connector 11"/>
+          <p:cNvCxnSpPr/>
+          <p:nvPr/>
+        </p:nvCxnSpPr>
+        <p:spPr>
+          <a:xfrm flipV="1">
+            <a:off x="971600" y="1556792"/>
+            <a:ext cx="2088232" cy="1695211"/>
+          </a:xfrm>
+          <a:prstGeom prst="straightConnector1">
+            <a:avLst/>
+          </a:prstGeom>
+          <a:ln>
+            <a:solidFill>
+              <a:schemeClr val="tx1"/>
+            </a:solidFill>
+            <a:tailEnd type="arrow"/>
+          </a:ln>
+        </p:spPr>
+        <p:style>
+          <a:lnRef idx="1">
+            <a:schemeClr val="accent1"/>
+          </a:lnRef>
+          <a:fillRef idx="0">
+            <a:schemeClr val="accent1"/>
+          </a:fillRef>
+          <a:effectRef idx="0">
+            <a:schemeClr val="accent1"/>
+          </a:effectRef>
+          <a:fontRef idx="minor">
+            <a:schemeClr val="tx1"/>
+          </a:fontRef>
+        </p:style>
+      </p:cxnSp>
+      <p:cxnSp>
+        <p:nvCxnSpPr>
+          <p:cNvPr id="17" name="Straight Arrow Connector 16"/>
+          <p:cNvCxnSpPr/>
+          <p:nvPr/>
+        </p:nvCxnSpPr>
+        <p:spPr>
+          <a:xfrm>
+            <a:off x="971600" y="4332123"/>
+            <a:ext cx="1944216" cy="1905189"/>
+          </a:xfrm>
+          <a:prstGeom prst="straightConnector1">
+            <a:avLst/>
+          </a:prstGeom>
+          <a:ln>
+            <a:solidFill>
+              <a:schemeClr val="tx1"/>
+            </a:solidFill>
+            <a:tailEnd type="arrow"/>
+          </a:ln>
+        </p:spPr>
+        <p:style>
+          <a:lnRef idx="1">
+            <a:schemeClr val="accent1"/>
+          </a:lnRef>
+          <a:fillRef idx="0">
+            <a:schemeClr val="accent1"/>
+          </a:fillRef>
+          <a:effectRef idx="0">
+            <a:schemeClr val="accent1"/>
+          </a:effectRef>
+          <a:fontRef idx="minor">
+            <a:schemeClr val="tx1"/>
+          </a:fontRef>
+        </p:style>
+      </p:cxnSp>
+      <p:sp>
+        <p:nvSpPr>
+          <p:cNvPr id="19" name="TextBox 18"/>
+          <p:cNvSpPr txBox="1"/>
+          <p:nvPr/>
+        </p:nvSpPr>
+        <p:spPr>
+          <a:xfrm>
+            <a:off x="1466451" y="5564091"/>
+            <a:ext cx="644151" cy="215444"/>
+          </a:xfrm>
+          <a:prstGeom prst="rect">
+            <a:avLst/>
+          </a:prstGeom>
+          <a:noFill/>
+        </p:spPr>
+        <p:txBody>
+          <a:bodyPr wrap="none" lIns="0" tIns="0" rIns="0" bIns="0" rtlCol="0">
+            <a:spAutoFit/>
+          </a:bodyPr>
+          <a:lstStyle/>
+          <a:p>
+            <a:r>
+              <a:rPr lang="en-GB" sz="1400" dirty="0" smtClean="0"/>
+              <a:t>Time = t</a:t>
+            </a:r>
+          </a:p>
+        </p:txBody>
+      </p:sp>
+    </p:spTree>
+    <p:extLst>
+      <p:ext uri="{BB962C8B-B14F-4D97-AF65-F5344CB8AC3E}">
+        <p14:creationId xmlns:p14="http://schemas.microsoft.com/office/powerpoint/2010/main" val="1258474857"/>
+      </p:ext>
+    </p:extLst>
+  </p:cSld>
+  <p:clrMapOvr>
+    <a:masterClrMapping/>
+  </p:clrMapOvr>
+  <mc:AlternateContent xmlns:mc="http://schemas.openxmlformats.org/markup-compatibility/2006" xmlns:p14="http://schemas.microsoft.com/office/powerpoint/2010/main">
+    <mc:Choice Requires="p14">
+      <p:transition spd="med" p14:dur="600">
+        <p:fade/>
+      </p:transition>
+    </mc:Choice>
+    <mc:Fallback xmlns="">
+      <p:transition spd="med">
+        <p:fade/>
+      </p:transition>
+    </mc:Fallback>
+  </mc:AlternateContent>
+</p:sld>
+</file>
+
+<file path=ppt/slides/slide2.xml><?xml version="1.0" encoding="utf-8"?>
+<p:sld xmlns:a="http://schemas.openxmlformats.org/drawingml/2006/main" xmlns:r="http://schemas.openxmlformats.org/officeDocument/2006/relationships" xmlns:p="http://schemas.openxmlformats.org/presentationml/2006/main">
+  <p:cSld>
+    <p:spTree>
+      <p:nvGrpSpPr>
+        <p:cNvPr id="1" name=""/>
+        <p:cNvGrpSpPr/>
+        <p:nvPr/>
+      </p:nvGrpSpPr>
+      <p:grpSpPr>
+        <a:xfrm>
+          <a:off x="0" y="0"/>
+          <a:ext cx="0" cy="0"/>
+          <a:chOff x="0" y="0"/>
+          <a:chExt cx="0" cy="0"/>
+        </a:xfrm>
+      </p:grpSpPr>
+      <p:sp>
+        <p:nvSpPr>
+          <p:cNvPr id="5" name="Title 4"/>
+          <p:cNvSpPr>
+            <a:spLocks noGrp="1"/>
+          </p:cNvSpPr>
+          <p:nvPr>
+            <p:ph type="title"/>
+          </p:nvPr>
+        </p:nvSpPr>
+        <p:spPr/>
+        <p:txBody>
+          <a:bodyPr/>
+          <a:lstStyle/>
+          <a:p>
+            <a:r>
+              <a:rPr lang="en-GB" dirty="0" smtClean="0"/>
+              <a:t>One machine generates N streams of telemetry …</a:t>
+            </a:r>
+            <a:endParaRPr lang="en-GB" dirty="0"/>
+          </a:p>
+        </p:txBody>
+      </p:sp>
+      <p:sp>
+        <p:nvSpPr>
+          <p:cNvPr id="6" name="Subtitle 5"/>
+          <p:cNvSpPr>
+            <a:spLocks noGrp="1"/>
+          </p:cNvSpPr>
+          <p:nvPr>
+            <p:ph type="subTitle" idx="15"/>
+          </p:nvPr>
+        </p:nvSpPr>
+        <p:spPr/>
+        <p:txBody>
+          <a:bodyPr/>
+          <a:lstStyle/>
+          <a:p>
+            <a:endParaRPr lang="en-GB"/>
+          </a:p>
+        </p:txBody>
+      </p:sp>
+      <p:sp>
+        <p:nvSpPr>
+          <p:cNvPr id="4" name="Footer Placeholder 3"/>
+          <p:cNvSpPr>
+            <a:spLocks noGrp="1"/>
+          </p:cNvSpPr>
+          <p:nvPr>
+            <p:ph type="ftr" sz="quarter" idx="3"/>
+          </p:nvPr>
+        </p:nvSpPr>
+        <p:spPr/>
+        <p:txBody>
+          <a:bodyPr/>
+          <a:lstStyle/>
+          <a:p>
+            <a:endParaRPr lang="en-US" dirty="0"/>
+          </a:p>
+        </p:txBody>
+      </p:sp>
+      <p:sp>
+        <p:nvSpPr>
+          <p:cNvPr id="7" name="Rectangle 6"/>
+          <p:cNvSpPr/>
+          <p:nvPr/>
+        </p:nvSpPr>
+        <p:spPr>
+          <a:xfrm>
+            <a:off x="323528" y="1844824"/>
+            <a:ext cx="1728192" cy="1080120"/>
+          </a:xfrm>
+          <a:prstGeom prst="rect">
+            <a:avLst/>
+          </a:prstGeom>
+          <a:ln/>
+        </p:spPr>
+        <p:style>
+          <a:lnRef idx="2">
+            <a:schemeClr val="accent1">
+              <a:shade val="50000"/>
+            </a:schemeClr>
+          </a:lnRef>
+          <a:fillRef idx="1">
+            <a:schemeClr val="accent1"/>
+          </a:fillRef>
+          <a:effectRef idx="0">
+            <a:schemeClr val="accent1"/>
+          </a:effectRef>
+          <a:fontRef idx="minor">
+            <a:schemeClr val="lt1"/>
+          </a:fontRef>
+        </p:style>
+        <p:txBody>
+          <a:bodyPr rtlCol="0" anchor="ctr"/>
+          <a:lstStyle/>
+          <a:p>
+            <a:pPr algn="ctr"/>
+            <a:r>
+              <a:rPr lang="en-GB" dirty="0" smtClean="0">
+                <a:solidFill>
+                  <a:schemeClr val="bg1"/>
+                </a:solidFill>
+              </a:rPr>
+              <a:t>machine</a:t>
+            </a:r>
+          </a:p>
+        </p:txBody>
+      </p:sp>
+      <p:cxnSp>
+        <p:nvCxnSpPr>
+          <p:cNvPr id="9" name="Straight Arrow Connector 8"/>
+          <p:cNvCxnSpPr>
+            <a:stCxn id="7" idx="3"/>
+          </p:cNvCxnSpPr>
+          <p:nvPr/>
+        </p:nvCxnSpPr>
+        <p:spPr>
+          <a:xfrm>
+            <a:off x="2051720" y="2384884"/>
+            <a:ext cx="6480720" cy="0"/>
+          </a:xfrm>
+          <a:prstGeom prst="straightConnector1">
+            <a:avLst/>
+          </a:prstGeom>
+          <a:ln w="19050">
+            <a:solidFill>
+              <a:schemeClr val="tx1"/>
+            </a:solidFill>
+            <a:tailEnd type="arrow"/>
+          </a:ln>
+        </p:spPr>
+        <p:style>
+          <a:lnRef idx="1">
+            <a:schemeClr val="accent1"/>
+          </a:lnRef>
+          <a:fillRef idx="0">
+            <a:schemeClr val="accent1"/>
+          </a:fillRef>
+          <a:effectRef idx="0">
+            <a:schemeClr val="accent1"/>
+          </a:effectRef>
+          <a:fontRef idx="minor">
+            <a:schemeClr val="tx1"/>
+          </a:fontRef>
+        </p:style>
+      </p:cxnSp>
+      <p:cxnSp>
+        <p:nvCxnSpPr>
+          <p:cNvPr id="10" name="Straight Arrow Connector 9"/>
+          <p:cNvCxnSpPr/>
+          <p:nvPr/>
+        </p:nvCxnSpPr>
+        <p:spPr>
+          <a:xfrm>
+            <a:off x="2051720" y="2305676"/>
+            <a:ext cx="6480720" cy="0"/>
+          </a:xfrm>
+          <a:prstGeom prst="straightConnector1">
+            <a:avLst/>
+          </a:prstGeom>
+          <a:ln w="19050">
+            <a:solidFill>
+              <a:schemeClr val="tx1"/>
+            </a:solidFill>
+            <a:tailEnd type="arrow"/>
+          </a:ln>
+        </p:spPr>
+        <p:style>
+          <a:lnRef idx="1">
+            <a:schemeClr val="accent1"/>
+          </a:lnRef>
+          <a:fillRef idx="0">
+            <a:schemeClr val="accent1"/>
+          </a:fillRef>
+          <a:effectRef idx="0">
+            <a:schemeClr val="accent1"/>
+          </a:effectRef>
+          <a:fontRef idx="minor">
+            <a:schemeClr val="tx1"/>
+          </a:fontRef>
+        </p:style>
+      </p:cxnSp>
+      <p:cxnSp>
+        <p:nvCxnSpPr>
+          <p:cNvPr id="11" name="Straight Arrow Connector 10"/>
+          <p:cNvCxnSpPr/>
+          <p:nvPr/>
+        </p:nvCxnSpPr>
+        <p:spPr>
+          <a:xfrm>
+            <a:off x="2051720" y="2147258"/>
+            <a:ext cx="6480720" cy="0"/>
+          </a:xfrm>
+          <a:prstGeom prst="straightConnector1">
+            <a:avLst/>
+          </a:prstGeom>
+          <a:ln w="19050">
+            <a:solidFill>
+              <a:schemeClr val="tx1"/>
+            </a:solidFill>
+            <a:tailEnd type="arrow"/>
+          </a:ln>
+        </p:spPr>
+        <p:style>
+          <a:lnRef idx="1">
+            <a:schemeClr val="accent1"/>
+          </a:lnRef>
+          <a:fillRef idx="0">
+            <a:schemeClr val="accent1"/>
+          </a:fillRef>
+          <a:effectRef idx="0">
+            <a:schemeClr val="accent1"/>
+          </a:effectRef>
+          <a:fontRef idx="minor">
+            <a:schemeClr val="tx1"/>
+          </a:fontRef>
+        </p:style>
+      </p:cxnSp>
+      <p:cxnSp>
+        <p:nvCxnSpPr>
+          <p:cNvPr id="12" name="Straight Arrow Connector 11"/>
+          <p:cNvCxnSpPr/>
+          <p:nvPr/>
+        </p:nvCxnSpPr>
+        <p:spPr>
+          <a:xfrm>
+            <a:off x="2051720" y="1988840"/>
+            <a:ext cx="6480720" cy="0"/>
+          </a:xfrm>
+          <a:prstGeom prst="straightConnector1">
+            <a:avLst/>
+          </a:prstGeom>
+          <a:ln w="19050">
+            <a:solidFill>
+              <a:schemeClr val="tx1"/>
+            </a:solidFill>
+            <a:tailEnd type="arrow"/>
+          </a:ln>
+        </p:spPr>
+        <p:style>
+          <a:lnRef idx="1">
+            <a:schemeClr val="accent1"/>
+          </a:lnRef>
+          <a:fillRef idx="0">
+            <a:schemeClr val="accent1"/>
+          </a:fillRef>
+          <a:effectRef idx="0">
+            <a:schemeClr val="accent1"/>
+          </a:effectRef>
+          <a:fontRef idx="minor">
+            <a:schemeClr val="tx1"/>
+          </a:fontRef>
+        </p:style>
+      </p:cxnSp>
+      <p:cxnSp>
+        <p:nvCxnSpPr>
+          <p:cNvPr id="13" name="Straight Arrow Connector 12"/>
+          <p:cNvCxnSpPr/>
+          <p:nvPr/>
+        </p:nvCxnSpPr>
+        <p:spPr>
+          <a:xfrm>
+            <a:off x="2051720" y="2464094"/>
+            <a:ext cx="6480720" cy="0"/>
+          </a:xfrm>
+          <a:prstGeom prst="straightConnector1">
+            <a:avLst/>
+          </a:prstGeom>
+          <a:ln w="19050">
+            <a:solidFill>
+              <a:schemeClr val="tx1"/>
+            </a:solidFill>
+            <a:tailEnd type="arrow"/>
+          </a:ln>
+        </p:spPr>
+        <p:style>
+          <a:lnRef idx="1">
+            <a:schemeClr val="accent1"/>
+          </a:lnRef>
+          <a:fillRef idx="0">
+            <a:schemeClr val="accent1"/>
+          </a:fillRef>
+          <a:effectRef idx="0">
+            <a:schemeClr val="accent1"/>
+          </a:effectRef>
+          <a:fontRef idx="minor">
+            <a:schemeClr val="tx1"/>
+          </a:fontRef>
+        </p:style>
+      </p:cxnSp>
+      <p:cxnSp>
+        <p:nvCxnSpPr>
+          <p:cNvPr id="14" name="Straight Arrow Connector 13"/>
+          <p:cNvCxnSpPr/>
+          <p:nvPr/>
+        </p:nvCxnSpPr>
+        <p:spPr>
+          <a:xfrm>
+            <a:off x="2051720" y="2622512"/>
+            <a:ext cx="6480720" cy="0"/>
+          </a:xfrm>
+          <a:prstGeom prst="straightConnector1">
+            <a:avLst/>
+          </a:prstGeom>
+          <a:ln w="19050">
+            <a:solidFill>
+              <a:schemeClr val="tx1"/>
+            </a:solidFill>
+            <a:tailEnd type="arrow"/>
+          </a:ln>
+        </p:spPr>
+        <p:style>
+          <a:lnRef idx="1">
+            <a:schemeClr val="accent1"/>
+          </a:lnRef>
+          <a:fillRef idx="0">
+            <a:schemeClr val="accent1"/>
+          </a:fillRef>
+          <a:effectRef idx="0">
+            <a:schemeClr val="accent1"/>
+          </a:effectRef>
+          <a:fontRef idx="minor">
+            <a:schemeClr val="tx1"/>
+          </a:fontRef>
+        </p:style>
+      </p:cxnSp>
+      <p:cxnSp>
+        <p:nvCxnSpPr>
+          <p:cNvPr id="15" name="Straight Arrow Connector 14"/>
+          <p:cNvCxnSpPr/>
+          <p:nvPr/>
+        </p:nvCxnSpPr>
+        <p:spPr>
+          <a:xfrm>
+            <a:off x="2051720" y="2780928"/>
+            <a:ext cx="6480720" cy="0"/>
+          </a:xfrm>
+          <a:prstGeom prst="straightConnector1">
+            <a:avLst/>
+          </a:prstGeom>
+          <a:ln w="19050">
+            <a:solidFill>
+              <a:schemeClr val="tx1"/>
+            </a:solidFill>
+            <a:tailEnd type="arrow"/>
+          </a:ln>
+        </p:spPr>
+        <p:style>
+          <a:lnRef idx="1">
+            <a:schemeClr val="accent1"/>
+          </a:lnRef>
+          <a:fillRef idx="0">
+            <a:schemeClr val="accent1"/>
+          </a:fillRef>
+          <a:effectRef idx="0">
+            <a:schemeClr val="accent1"/>
+          </a:effectRef>
+          <a:fontRef idx="minor">
+            <a:schemeClr val="tx1"/>
+          </a:fontRef>
+        </p:style>
+      </p:cxnSp>
+      <p:sp>
+        <p:nvSpPr>
+          <p:cNvPr id="16" name="TextBox 15"/>
+          <p:cNvSpPr txBox="1"/>
+          <p:nvPr/>
+        </p:nvSpPr>
+        <p:spPr>
+          <a:xfrm>
+            <a:off x="2552689" y="1635977"/>
+            <a:ext cx="1619995" cy="215444"/>
+          </a:xfrm>
+          <a:prstGeom prst="rect">
+            <a:avLst/>
+          </a:prstGeom>
+          <a:noFill/>
+        </p:spPr>
+        <p:txBody>
+          <a:bodyPr wrap="none" lIns="0" tIns="0" rIns="0" bIns="0" rtlCol="0">
+            <a:spAutoFit/>
+          </a:bodyPr>
+          <a:lstStyle/>
+          <a:p>
+            <a:r>
+              <a:rPr lang="en-GB" sz="1400" dirty="0" smtClean="0"/>
+              <a:t>Telemetry (machine)</a:t>
+            </a:r>
+          </a:p>
+        </p:txBody>
+      </p:sp>
+      <p:cxnSp>
+        <p:nvCxnSpPr>
+          <p:cNvPr id="18" name="Straight Arrow Connector 17"/>
+          <p:cNvCxnSpPr/>
+          <p:nvPr/>
+        </p:nvCxnSpPr>
+        <p:spPr>
+          <a:xfrm flipV="1">
+            <a:off x="323528" y="5517232"/>
+            <a:ext cx="0" cy="1008112"/>
+          </a:xfrm>
+          <a:prstGeom prst="straightConnector1">
+            <a:avLst/>
+          </a:prstGeom>
+          <a:ln>
+            <a:tailEnd type="arrow"/>
+          </a:ln>
+        </p:spPr>
+        <p:style>
+          <a:lnRef idx="1">
+            <a:schemeClr val="accent1"/>
+          </a:lnRef>
+          <a:fillRef idx="0">
+            <a:schemeClr val="accent1"/>
+          </a:fillRef>
+          <a:effectRef idx="0">
+            <a:schemeClr val="accent1"/>
+          </a:effectRef>
+          <a:fontRef idx="minor">
+            <a:schemeClr val="tx1"/>
+          </a:fontRef>
+        </p:style>
+      </p:cxnSp>
+      <p:cxnSp>
+        <p:nvCxnSpPr>
+          <p:cNvPr id="20" name="Straight Arrow Connector 19"/>
+          <p:cNvCxnSpPr/>
+          <p:nvPr/>
+        </p:nvCxnSpPr>
+        <p:spPr>
+          <a:xfrm>
+            <a:off x="323528" y="6525344"/>
+            <a:ext cx="1008112" cy="0"/>
+          </a:xfrm>
+          <a:prstGeom prst="straightConnector1">
+            <a:avLst/>
+          </a:prstGeom>
+          <a:ln>
+            <a:tailEnd type="arrow"/>
+          </a:ln>
+        </p:spPr>
+        <p:style>
+          <a:lnRef idx="1">
+            <a:schemeClr val="accent1"/>
+          </a:lnRef>
+          <a:fillRef idx="0">
+            <a:schemeClr val="accent1"/>
+          </a:fillRef>
+          <a:effectRef idx="0">
+            <a:schemeClr val="accent1"/>
+          </a:effectRef>
+          <a:fontRef idx="minor">
+            <a:schemeClr val="tx1"/>
+          </a:fontRef>
+        </p:style>
+      </p:cxnSp>
+      <p:sp>
+        <p:nvSpPr>
+          <p:cNvPr id="21" name="TextBox 20"/>
+          <p:cNvSpPr txBox="1"/>
+          <p:nvPr/>
+        </p:nvSpPr>
+        <p:spPr>
+          <a:xfrm>
+            <a:off x="1331640" y="6419618"/>
+            <a:ext cx="338234" cy="215444"/>
+          </a:xfrm>
+          <a:prstGeom prst="rect">
+            <a:avLst/>
+          </a:prstGeom>
+          <a:noFill/>
+        </p:spPr>
+        <p:txBody>
+          <a:bodyPr wrap="none" lIns="0" tIns="0" rIns="0" bIns="0" rtlCol="0">
+            <a:spAutoFit/>
+          </a:bodyPr>
+          <a:lstStyle/>
+          <a:p>
+            <a:r>
+              <a:rPr lang="en-GB" sz="1400" dirty="0" smtClean="0"/>
+              <a:t>time</a:t>
+            </a:r>
+          </a:p>
+        </p:txBody>
+      </p:sp>
+      <p:sp>
+        <p:nvSpPr>
+          <p:cNvPr id="22" name="TextBox 21"/>
+          <p:cNvSpPr txBox="1"/>
+          <p:nvPr/>
+        </p:nvSpPr>
+        <p:spPr>
+          <a:xfrm>
+            <a:off x="123230" y="5265432"/>
+            <a:ext cx="1064394" cy="215444"/>
+          </a:xfrm>
+          <a:prstGeom prst="rect">
+            <a:avLst/>
+          </a:prstGeom>
+          <a:noFill/>
+        </p:spPr>
+        <p:txBody>
+          <a:bodyPr wrap="none" lIns="0" tIns="0" rIns="0" bIns="0" rtlCol="0">
+            <a:spAutoFit/>
+          </a:bodyPr>
+          <a:lstStyle/>
+          <a:p>
+            <a:r>
+              <a:rPr lang="en-GB" sz="1400" dirty="0" smtClean="0"/>
+              <a:t>Data streams</a:t>
+            </a:r>
+          </a:p>
+        </p:txBody>
+      </p:sp>
+    </p:spTree>
+    <p:extLst>
+      <p:ext uri="{BB962C8B-B14F-4D97-AF65-F5344CB8AC3E}">
+        <p14:creationId xmlns:p14="http://schemas.microsoft.com/office/powerpoint/2010/main" val="4206989484"/>
       </p:ext>
     </p:extLst>
   </p:cSld>
@@ -22423,11 +20036,6 @@
               </a:rPr>
               <a:t>machine</a:t>
             </a:r>
-            <a:endParaRPr lang="en-GB" dirty="0" smtClean="0">
-              <a:solidFill>
-                <a:schemeClr val="bg1"/>
-              </a:solidFill>
-            </a:endParaRPr>
           </a:p>
         </p:txBody>
       </p:sp>
@@ -22799,7 +20407,6 @@
               <a:rPr lang="en-GB" sz="1400" dirty="0" smtClean="0"/>
               <a:t>time</a:t>
             </a:r>
-            <a:endParaRPr lang="en-GB" sz="1400" dirty="0" smtClean="0"/>
           </a:p>
         </p:txBody>
       </p:sp>
@@ -22827,13 +20434,8 @@
           <a:p>
             <a:r>
               <a:rPr lang="en-GB" sz="1400" dirty="0" smtClean="0"/>
-              <a:t>Dat</a:t>
+              <a:t>Data streams</a:t>
             </a:r>
-            <a:r>
-              <a:rPr lang="en-GB" sz="1400" dirty="0" smtClean="0"/>
-              <a:t>a streams</a:t>
-            </a:r>
-            <a:endParaRPr lang="en-GB" sz="1400" dirty="0" smtClean="0"/>
           </a:p>
         </p:txBody>
       </p:sp>
@@ -23162,7 +20764,6 @@
                 <a:rPr lang="en-GB" sz="1400" dirty="0" smtClean="0"/>
                 <a:t>Telemetry (machine)</a:t>
               </a:r>
-              <a:endParaRPr lang="en-GB" sz="1400" dirty="0" smtClean="0"/>
             </a:p>
           </p:txBody>
         </p:sp>
@@ -23193,7 +20794,6 @@
               <a:rPr lang="en-GB" sz="1400" dirty="0" smtClean="0"/>
               <a:t>Time = t</a:t>
             </a:r>
-            <a:endParaRPr lang="en-GB" sz="1400" dirty="0" smtClean="0"/>
           </a:p>
         </p:txBody>
       </p:sp>
@@ -23375,7 +20975,6 @@
               <a:rPr lang="en-GB" dirty="0"/>
               <a:t>machine’s medical record as of “now”…</a:t>
             </a:r>
-            <a:endParaRPr lang="en-GB" dirty="0"/>
           </a:p>
         </p:txBody>
       </p:sp>
@@ -23462,11 +21061,6 @@
               </a:rPr>
               <a:t>machine</a:t>
             </a:r>
-            <a:endParaRPr lang="en-GB" dirty="0" smtClean="0">
-              <a:solidFill>
-                <a:schemeClr val="bg1"/>
-              </a:solidFill>
-            </a:endParaRPr>
           </a:p>
         </p:txBody>
       </p:sp>
@@ -23541,7 +21135,6 @@
               <a:rPr lang="en-GB" sz="2400" dirty="0" smtClean="0"/>
               <a:t>Temperature : 45 degrees</a:t>
             </a:r>
-            <a:endParaRPr lang="en-GB" sz="2400" dirty="0" smtClean="0"/>
           </a:p>
         </p:txBody>
       </p:sp>
@@ -23571,7 +21164,6 @@
               <a:rPr lang="en-GB" sz="2400" dirty="0" smtClean="0"/>
               <a:t>Pressure : 21 Pa</a:t>
             </a:r>
-            <a:endParaRPr lang="en-GB" sz="2400" dirty="0" smtClean="0"/>
           </a:p>
         </p:txBody>
       </p:sp>
@@ -23599,13 +21191,8 @@
           <a:p>
             <a:r>
               <a:rPr lang="en-GB" sz="2400" dirty="0" smtClean="0"/>
-              <a:t>Altitude </a:t>
+              <a:t>Altitude : 210 m</a:t>
             </a:r>
-            <a:r>
-              <a:rPr lang="en-GB" sz="2400" dirty="0" smtClean="0"/>
-              <a:t>: 210 m</a:t>
-            </a:r>
-            <a:endParaRPr lang="en-GB" sz="2400" dirty="0" smtClean="0"/>
           </a:p>
         </p:txBody>
       </p:sp>
@@ -23707,7 +21294,6 @@
               <a:rPr lang="en-GB" sz="1400" dirty="0" smtClean="0"/>
               <a:t>Time = t</a:t>
             </a:r>
-            <a:endParaRPr lang="en-GB" sz="1400" dirty="0" smtClean="0"/>
           </a:p>
         </p:txBody>
       </p:sp>
@@ -23859,11 +21445,6 @@
               </a:rPr>
               <a:t>source</a:t>
             </a:r>
-            <a:endParaRPr lang="en-GB" dirty="0" smtClean="0">
-              <a:solidFill>
-                <a:schemeClr val="bg1"/>
-              </a:solidFill>
-            </a:endParaRPr>
           </a:p>
         </p:txBody>
       </p:sp>
@@ -23959,7 +21540,6 @@
               <a:rPr lang="en-GB" sz="1400" dirty="0" smtClean="0"/>
               <a:t>time</a:t>
             </a:r>
-            <a:endParaRPr lang="en-GB" sz="1400" dirty="0" smtClean="0"/>
           </a:p>
         </p:txBody>
       </p:sp>
@@ -23987,13 +21567,8 @@
           <a:p>
             <a:r>
               <a:rPr lang="en-GB" sz="1400" dirty="0" smtClean="0"/>
-              <a:t>Dat</a:t>
+              <a:t>Data streams</a:t>
             </a:r>
-            <a:r>
-              <a:rPr lang="en-GB" sz="1400" dirty="0" smtClean="0"/>
-              <a:t>a streams</a:t>
-            </a:r>
-            <a:endParaRPr lang="en-GB" sz="1400" dirty="0" smtClean="0"/>
           </a:p>
         </p:txBody>
       </p:sp>
@@ -24322,7 +21897,6 @@
                 <a:rPr lang="en-GB" sz="1400" dirty="0" smtClean="0"/>
                 <a:t>Telemetry (machine)</a:t>
               </a:r>
-              <a:endParaRPr lang="en-GB" sz="1400" dirty="0" smtClean="0"/>
             </a:p>
           </p:txBody>
         </p:sp>
@@ -24357,7 +21931,6 @@
               <a:rPr lang="en-GB" sz="1400" dirty="0" smtClean="0"/>
               <a:t>-2</a:t>
             </a:r>
-            <a:endParaRPr lang="en-GB" sz="1400" dirty="0" smtClean="0"/>
           </a:p>
         </p:txBody>
       </p:sp>
@@ -24425,7 +21998,207 @@
               <a:rPr lang="en-GB" sz="1400" dirty="0" smtClean="0"/>
               <a:t>history</a:t>
             </a:r>
-            <a:endParaRPr lang="en-GB" sz="1400" dirty="0" smtClean="0"/>
+          </a:p>
+        </p:txBody>
+      </p:sp>
+      <p:sp>
+        <p:nvSpPr>
+          <p:cNvPr id="33" name="Content Placeholder 2"/>
+          <p:cNvSpPr txBox="1">
+            <a:spLocks/>
+          </p:cNvSpPr>
+          <p:nvPr/>
+        </p:nvSpPr>
+        <p:spPr>
+          <a:xfrm>
+            <a:off x="2051720" y="4509120"/>
+            <a:ext cx="6867473" cy="1900824"/>
+          </a:xfrm>
+          <a:prstGeom prst="rect">
+            <a:avLst/>
+          </a:prstGeom>
+        </p:spPr>
+        <p:txBody>
+          <a:bodyPr/>
+          <a:lstStyle>
+            <a:lvl1pPr marL="230188" indent="-230188" algn="l" defTabSz="914400" rtl="0" eaLnBrk="1" latinLnBrk="0" hangingPunct="1">
+              <a:spcBef>
+                <a:spcPts val="1800"/>
+              </a:spcBef>
+              <a:buClr>
+                <a:schemeClr val="bg2"/>
+              </a:buClr>
+              <a:buFont typeface="Arial" pitchFamily="34" charset="0"/>
+              <a:buChar char="•"/>
+              <a:defRPr sz="2000" kern="1200">
+                <a:solidFill>
+                  <a:schemeClr val="bg2"/>
+                </a:solidFill>
+                <a:latin typeface="+mn-lt"/>
+                <a:ea typeface="+mn-ea"/>
+                <a:cs typeface="+mn-cs"/>
+              </a:defRPr>
+            </a:lvl1pPr>
+            <a:lvl2pPr marL="684213" indent="-228600" algn="l" defTabSz="914400" rtl="0" eaLnBrk="1" latinLnBrk="0" hangingPunct="1">
+              <a:spcBef>
+                <a:spcPts val="0"/>
+              </a:spcBef>
+              <a:spcAft>
+                <a:spcPts val="200"/>
+              </a:spcAft>
+              <a:buFont typeface="Arial" pitchFamily="34" charset="0"/>
+              <a:buChar char="–"/>
+              <a:defRPr sz="1800" kern="1200">
+                <a:solidFill>
+                  <a:srgbClr val="4C4D4F"/>
+                </a:solidFill>
+                <a:latin typeface="Arial Narrow" pitchFamily="34" charset="0"/>
+                <a:ea typeface="+mn-ea"/>
+                <a:cs typeface="+mn-cs"/>
+              </a:defRPr>
+            </a:lvl2pPr>
+            <a:lvl3pPr marL="1143000" indent="-228600" algn="l" defTabSz="1085850" rtl="0" eaLnBrk="1" latinLnBrk="0" hangingPunct="1">
+              <a:spcBef>
+                <a:spcPts val="0"/>
+              </a:spcBef>
+              <a:spcAft>
+                <a:spcPts val="200"/>
+              </a:spcAft>
+              <a:buFont typeface="Arial" pitchFamily="34" charset="0"/>
+              <a:buChar char="•"/>
+              <a:defRPr sz="1600" kern="1200">
+                <a:solidFill>
+                  <a:srgbClr val="4C4D4F"/>
+                </a:solidFill>
+                <a:latin typeface="Arial Narrow" pitchFamily="34" charset="0"/>
+                <a:ea typeface="+mn-ea"/>
+                <a:cs typeface="+mn-cs"/>
+              </a:defRPr>
+            </a:lvl3pPr>
+            <a:lvl4pPr marL="1600200" indent="-228600" algn="l" defTabSz="914400" rtl="0" eaLnBrk="1" latinLnBrk="0" hangingPunct="1">
+              <a:spcBef>
+                <a:spcPct val="20000"/>
+              </a:spcBef>
+              <a:buFont typeface="Arial" pitchFamily="34" charset="0"/>
+              <a:buChar char="–"/>
+              <a:defRPr sz="1400" kern="1200">
+                <a:solidFill>
+                  <a:srgbClr val="4C4D4F"/>
+                </a:solidFill>
+                <a:latin typeface="+mn-lt"/>
+                <a:ea typeface="+mn-ea"/>
+                <a:cs typeface="+mn-cs"/>
+              </a:defRPr>
+            </a:lvl4pPr>
+            <a:lvl5pPr marL="2057400" indent="-228600" algn="l" defTabSz="914400" rtl="0" eaLnBrk="1" latinLnBrk="0" hangingPunct="1">
+              <a:spcBef>
+                <a:spcPct val="20000"/>
+              </a:spcBef>
+              <a:buFont typeface="Arial" pitchFamily="34" charset="0"/>
+              <a:buChar char="»"/>
+              <a:defRPr sz="1400" kern="1200">
+                <a:solidFill>
+                  <a:srgbClr val="4C4D4F"/>
+                </a:solidFill>
+                <a:latin typeface="+mn-lt"/>
+                <a:ea typeface="+mn-ea"/>
+                <a:cs typeface="+mn-cs"/>
+              </a:defRPr>
+            </a:lvl5pPr>
+            <a:lvl6pPr marL="2514600" indent="-228600" algn="l" defTabSz="914400" rtl="0" eaLnBrk="1" latinLnBrk="0" hangingPunct="1">
+              <a:spcBef>
+                <a:spcPct val="20000"/>
+              </a:spcBef>
+              <a:buFont typeface="Arial" pitchFamily="34" charset="0"/>
+              <a:buChar char="•"/>
+              <a:defRPr sz="2000" kern="1200">
+                <a:solidFill>
+                  <a:schemeClr val="tx1"/>
+                </a:solidFill>
+                <a:latin typeface="+mn-lt"/>
+                <a:ea typeface="+mn-ea"/>
+                <a:cs typeface="+mn-cs"/>
+              </a:defRPr>
+            </a:lvl6pPr>
+            <a:lvl7pPr marL="2971800" indent="-228600" algn="l" defTabSz="914400" rtl="0" eaLnBrk="1" latinLnBrk="0" hangingPunct="1">
+              <a:spcBef>
+                <a:spcPct val="20000"/>
+              </a:spcBef>
+              <a:buFont typeface="Arial" pitchFamily="34" charset="0"/>
+              <a:buChar char="•"/>
+              <a:defRPr sz="2000" kern="1200">
+                <a:solidFill>
+                  <a:schemeClr val="tx1"/>
+                </a:solidFill>
+                <a:latin typeface="+mn-lt"/>
+                <a:ea typeface="+mn-ea"/>
+                <a:cs typeface="+mn-cs"/>
+              </a:defRPr>
+            </a:lvl7pPr>
+            <a:lvl8pPr marL="3429000" indent="-228600" algn="l" defTabSz="914400" rtl="0" eaLnBrk="1" latinLnBrk="0" hangingPunct="1">
+              <a:spcBef>
+                <a:spcPct val="20000"/>
+              </a:spcBef>
+              <a:buFont typeface="Arial" pitchFamily="34" charset="0"/>
+              <a:buChar char="•"/>
+              <a:defRPr sz="2000" kern="1200">
+                <a:solidFill>
+                  <a:schemeClr val="tx1"/>
+                </a:solidFill>
+                <a:latin typeface="+mn-lt"/>
+                <a:ea typeface="+mn-ea"/>
+                <a:cs typeface="+mn-cs"/>
+              </a:defRPr>
+            </a:lvl8pPr>
+            <a:lvl9pPr marL="3886200" indent="-228600" algn="l" defTabSz="914400" rtl="0" eaLnBrk="1" latinLnBrk="0" hangingPunct="1">
+              <a:spcBef>
+                <a:spcPct val="20000"/>
+              </a:spcBef>
+              <a:buFont typeface="Arial" pitchFamily="34" charset="0"/>
+              <a:buChar char="•"/>
+              <a:defRPr sz="2000" kern="1200">
+                <a:solidFill>
+                  <a:schemeClr val="tx1"/>
+                </a:solidFill>
+                <a:latin typeface="+mn-lt"/>
+                <a:ea typeface="+mn-ea"/>
+                <a:cs typeface="+mn-cs"/>
+              </a:defRPr>
+            </a:lvl9pPr>
+          </a:lstStyle>
+          <a:p>
+            <a:r>
+              <a:rPr lang="en-GB" smtClean="0"/>
+              <a:t>Think of it this way :</a:t>
+            </a:r>
+          </a:p>
+          <a:p>
+            <a:pPr lvl="1"/>
+            <a:r>
+              <a:rPr lang="en-GB" smtClean="0"/>
+              <a:t>The machine / data source is constantly writing it’s autobiography</a:t>
+            </a:r>
+          </a:p>
+          <a:p>
+            <a:pPr lvl="1"/>
+            <a:endParaRPr lang="en-GB" smtClean="0"/>
+          </a:p>
+          <a:p>
+            <a:pPr marL="455613" lvl="1" indent="0">
+              <a:buFont typeface="Arial" pitchFamily="34" charset="0"/>
+              <a:buNone/>
+            </a:pPr>
+            <a:r>
+              <a:rPr lang="en-GB" smtClean="0"/>
+              <a:t>=&gt; “What is happening to me right now”</a:t>
+            </a:r>
+          </a:p>
+          <a:p>
+            <a:r>
+              <a:rPr lang="en-GB" smtClean="0"/>
+              <a:t>And we can look back at previous pages to see what has happened in the past …</a:t>
+            </a:r>
+            <a:endParaRPr lang="en-GB" dirty="0"/>
           </a:p>
         </p:txBody>
       </p:sp>
@@ -24657,11 +22430,6 @@
               </a:rPr>
               <a:t>machine</a:t>
             </a:r>
-            <a:endParaRPr lang="en-GB" dirty="0" smtClean="0">
-              <a:solidFill>
-                <a:schemeClr val="bg1"/>
-              </a:solidFill>
-            </a:endParaRPr>
           </a:p>
         </p:txBody>
       </p:sp>
@@ -24912,7 +22680,6 @@
               <a:rPr lang="en-GB" sz="2400" dirty="0" smtClean="0"/>
               <a:t>Temperature : 47 degrees</a:t>
             </a:r>
-            <a:endParaRPr lang="en-GB" sz="2400" dirty="0" smtClean="0"/>
           </a:p>
         </p:txBody>
       </p:sp>
@@ -24950,11 +22717,6 @@
               </a:rPr>
               <a:t>51 Pa</a:t>
             </a:r>
-            <a:endParaRPr lang="en-GB" sz="2400" dirty="0" smtClean="0">
-              <a:solidFill>
-                <a:srgbClr val="FF0000"/>
-              </a:solidFill>
-            </a:endParaRPr>
           </a:p>
         </p:txBody>
       </p:sp>
@@ -24982,13 +22744,8 @@
           <a:p>
             <a:r>
               <a:rPr lang="en-GB" sz="2400" dirty="0" smtClean="0"/>
-              <a:t>Altitude </a:t>
+              <a:t>Altitude : 210 m</a:t>
             </a:r>
-            <a:r>
-              <a:rPr lang="en-GB" sz="2400" dirty="0" smtClean="0"/>
-              <a:t>: 210 m</a:t>
-            </a:r>
-            <a:endParaRPr lang="en-GB" sz="2400" dirty="0" smtClean="0"/>
           </a:p>
         </p:txBody>
       </p:sp>
@@ -25018,7 +22775,6 @@
               <a:rPr lang="en-GB" sz="1400" dirty="0" smtClean="0"/>
               <a:t>Time = t-2</a:t>
             </a:r>
-            <a:endParaRPr lang="en-GB" sz="1400" dirty="0" smtClean="0"/>
           </a:p>
         </p:txBody>
       </p:sp>
@@ -25217,7 +22973,6 @@
               <a:rPr lang="en-GB" sz="2400" dirty="0" smtClean="0"/>
               <a:t>Temperature : </a:t>
             </a:r>
-            <a:endParaRPr lang="en-GB" sz="2400" dirty="0" smtClean="0"/>
           </a:p>
         </p:txBody>
       </p:sp>
@@ -25247,7 +23002,6 @@
               <a:rPr lang="en-GB" sz="2400" dirty="0" smtClean="0"/>
               <a:t>Pressure : </a:t>
             </a:r>
-            <a:endParaRPr lang="en-GB" sz="2400" dirty="0" smtClean="0"/>
           </a:p>
         </p:txBody>
       </p:sp>
@@ -25275,13 +23029,8 @@
           <a:p>
             <a:r>
               <a:rPr lang="en-GB" sz="2400" dirty="0" smtClean="0"/>
-              <a:t>Altitude </a:t>
+              <a:t>Altitude : </a:t>
             </a:r>
-            <a:r>
-              <a:rPr lang="en-GB" sz="2400" dirty="0" smtClean="0"/>
-              <a:t>: </a:t>
-            </a:r>
-            <a:endParaRPr lang="en-GB" sz="2400" dirty="0" smtClean="0"/>
           </a:p>
         </p:txBody>
       </p:sp>
@@ -26736,7 +24485,6 @@
               <a:rPr lang="en-GB" sz="1400" dirty="0" smtClean="0"/>
               <a:t>Time = t</a:t>
             </a:r>
-            <a:endParaRPr lang="en-GB" sz="1400" dirty="0" smtClean="0"/>
           </a:p>
         </p:txBody>
       </p:sp>
@@ -26766,7 +24514,6 @@
               <a:rPr lang="en-GB" sz="1400" dirty="0" smtClean="0"/>
               <a:t>34</a:t>
             </a:r>
-            <a:endParaRPr lang="en-GB" sz="1400" dirty="0" smtClean="0"/>
           </a:p>
         </p:txBody>
       </p:sp>
@@ -26796,7 +24543,6 @@
               <a:rPr lang="en-GB" sz="1400" dirty="0" smtClean="0"/>
               <a:t>87</a:t>
             </a:r>
-            <a:endParaRPr lang="en-GB" sz="1400" dirty="0" smtClean="0"/>
           </a:p>
         </p:txBody>
       </p:sp>
@@ -26826,7 +24572,6 @@
               <a:rPr lang="en-GB" sz="1400" dirty="0" smtClean="0"/>
               <a:t>123</a:t>
             </a:r>
-            <a:endParaRPr lang="en-GB" sz="1400" dirty="0" smtClean="0"/>
           </a:p>
         </p:txBody>
       </p:sp>
@@ -26978,11 +24723,6 @@
               </a:rPr>
               <a:t>machine</a:t>
             </a:r>
-            <a:endParaRPr lang="en-GB" dirty="0" smtClean="0">
-              <a:solidFill>
-                <a:schemeClr val="bg1"/>
-              </a:solidFill>
-            </a:endParaRPr>
           </a:p>
         </p:txBody>
       </p:sp>
@@ -27266,7 +25006,6 @@
               <a:rPr lang="en-GB" sz="1400" dirty="0" smtClean="0"/>
               <a:t>telemetry (machine)</a:t>
             </a:r>
-            <a:endParaRPr lang="en-GB" sz="1400" dirty="0" smtClean="0"/>
           </a:p>
         </p:txBody>
       </p:sp>
@@ -27362,7 +25101,6 @@
               <a:rPr lang="en-GB" sz="1400" dirty="0" smtClean="0"/>
               <a:t>time</a:t>
             </a:r>
-            <a:endParaRPr lang="en-GB" sz="1400" dirty="0" smtClean="0"/>
           </a:p>
         </p:txBody>
       </p:sp>
@@ -27390,13 +25128,8 @@
           <a:p>
             <a:r>
               <a:rPr lang="en-GB" sz="1400" dirty="0" smtClean="0"/>
-              <a:t>Dat</a:t>
+              <a:t>Data streams</a:t>
             </a:r>
-            <a:r>
-              <a:rPr lang="en-GB" sz="1400" dirty="0" smtClean="0"/>
-              <a:t>a streams</a:t>
-            </a:r>
-            <a:endParaRPr lang="en-GB" sz="1400" dirty="0" smtClean="0"/>
           </a:p>
         </p:txBody>
       </p:sp>
@@ -27572,11 +25305,6 @@
               </a:rPr>
               <a:t>event</a:t>
             </a:r>
-            <a:endParaRPr lang="en-GB" dirty="0" smtClean="0">
-              <a:solidFill>
-                <a:schemeClr val="bg1"/>
-              </a:solidFill>
-            </a:endParaRPr>
           </a:p>
         </p:txBody>
       </p:sp>
@@ -27894,11 +25622,6 @@
               </a:rPr>
               <a:t>event</a:t>
             </a:r>
-            <a:endParaRPr lang="en-GB" dirty="0" smtClean="0">
-              <a:solidFill>
-                <a:schemeClr val="bg1"/>
-              </a:solidFill>
-            </a:endParaRPr>
           </a:p>
         </p:txBody>
       </p:sp>
@@ -27947,11 +25670,6 @@
               </a:rPr>
               <a:t>machine</a:t>
             </a:r>
-            <a:endParaRPr lang="en-GB" dirty="0" smtClean="0">
-              <a:solidFill>
-                <a:schemeClr val="bg1"/>
-              </a:solidFill>
-            </a:endParaRPr>
           </a:p>
         </p:txBody>
       </p:sp>
@@ -28000,11 +25718,6 @@
               </a:rPr>
               <a:t>machine</a:t>
             </a:r>
-            <a:endParaRPr lang="en-GB" dirty="0" smtClean="0">
-              <a:solidFill>
-                <a:schemeClr val="bg1"/>
-              </a:solidFill>
-            </a:endParaRPr>
           </a:p>
         </p:txBody>
       </p:sp>
@@ -28053,11 +25766,6 @@
               </a:rPr>
               <a:t>machine</a:t>
             </a:r>
-            <a:endParaRPr lang="en-GB" dirty="0" smtClean="0">
-              <a:solidFill>
-                <a:schemeClr val="bg1"/>
-              </a:solidFill>
-            </a:endParaRPr>
           </a:p>
         </p:txBody>
       </p:sp>
@@ -28175,11 +25883,6 @@
               </a:rPr>
               <a:t>machine</a:t>
             </a:r>
-            <a:endParaRPr lang="en-GB" dirty="0" smtClean="0">
-              <a:solidFill>
-                <a:schemeClr val="bg1"/>
-              </a:solidFill>
-            </a:endParaRPr>
           </a:p>
         </p:txBody>
       </p:sp>
@@ -28467,7 +26170,6 @@
               <a:rPr lang="en-GB" sz="1400" dirty="0" smtClean="0"/>
               <a:t>elemetry (machine)</a:t>
             </a:r>
-            <a:endParaRPr lang="en-GB" sz="1400" dirty="0" smtClean="0"/>
           </a:p>
         </p:txBody>
       </p:sp>
@@ -28563,7 +26265,6 @@
               <a:rPr lang="en-GB" sz="1400" dirty="0" smtClean="0"/>
               <a:t>time</a:t>
             </a:r>
-            <a:endParaRPr lang="en-GB" sz="1400" dirty="0" smtClean="0"/>
           </a:p>
         </p:txBody>
       </p:sp>
@@ -28591,13 +26292,8 @@
           <a:p>
             <a:r>
               <a:rPr lang="en-GB" sz="1400" dirty="0" smtClean="0"/>
-              <a:t>Dat</a:t>
+              <a:t>Data streams</a:t>
             </a:r>
-            <a:r>
-              <a:rPr lang="en-GB" sz="1400" dirty="0" smtClean="0"/>
-              <a:t>a streams</a:t>
-            </a:r>
-            <a:endParaRPr lang="en-GB" sz="1400" dirty="0" smtClean="0"/>
           </a:p>
         </p:txBody>
       </p:sp>
@@ -28773,11 +26469,6 @@
               </a:rPr>
               <a:t>event</a:t>
             </a:r>
-            <a:endParaRPr lang="en-GB" dirty="0" smtClean="0">
-              <a:solidFill>
-                <a:schemeClr val="bg1"/>
-              </a:solidFill>
-            </a:endParaRPr>
           </a:p>
         </p:txBody>
       </p:sp>
@@ -28976,7 +26667,6 @@
               <a:rPr lang="en-GB" sz="1400" dirty="0" smtClean="0"/>
               <a:t>sources</a:t>
             </a:r>
-            <a:endParaRPr lang="en-GB" sz="1400" dirty="0" smtClean="0"/>
           </a:p>
         </p:txBody>
       </p:sp>
@@ -29469,7 +27159,7 @@
   <a:extraClrSchemeLst/>
   <a:extLst>
     <a:ext uri="{05A4C25C-085E-4340-85A3-A5531E510DB2}">
-      <thm15:themeFamily xmlns:thm15="http://schemas.microsoft.com/office/thememl/2012/main" xmlns="" name="Default Theme" id="{60D8BA8C-9729-41DF-95DA-F7E2EA5BAF67}" vid="{20480253-1F85-40A7-9C79-C403C37E6553}"/>
+      <thm15:themeFamily xmlns="" xmlns:thm15="http://schemas.microsoft.com/office/thememl/2012/main" name="Default Theme" id="{60D8BA8C-9729-41DF-95DA-F7E2EA5BAF67}" vid="{20480253-1F85-40A7-9C79-C403C37E6553}"/>
     </a:ext>
   </a:extLst>
 </a:theme>

--- a/journal.pptx
+++ b/journal.pptx
@@ -5,7 +5,7 @@
     <p:sldMasterId id="2147483648" r:id="rId1"/>
   </p:sldMasterIdLst>
   <p:notesMasterIdLst>
-    <p:notesMasterId r:id="rId21"/>
+    <p:notesMasterId r:id="rId22"/>
   </p:notesMasterIdLst>
   <p:sldIdLst>
     <p:sldId id="256" r:id="rId2"/>
@@ -27,6 +27,7 @@
     <p:sldId id="274" r:id="rId18"/>
     <p:sldId id="273" r:id="rId19"/>
     <p:sldId id="276" r:id="rId20"/>
+    <p:sldId id="277" r:id="rId21"/>
   </p:sldIdLst>
   <p:sldSz cx="9144000" cy="6858000" type="screen4x3"/>
   <p:notesSz cx="6946900" cy="9220200"/>
@@ -127,7 +128,7 @@
   </p:defaultTextStyle>
   <p:extLst>
     <p:ext uri="{EFAFB233-063F-42B5-8137-9DF3F51BA10A}">
-      <p15:sldGuideLst xmlns="" xmlns:p15="http://schemas.microsoft.com/office/powerpoint/2012/main">
+      <p15:sldGuideLst xmlns:p15="http://schemas.microsoft.com/office/powerpoint/2012/main" xmlns="">
         <p15:guide id="1" orient="horz" pos="218">
           <p15:clr>
             <a:srgbClr val="A4A3A4"/>
@@ -5889,6 +5890,39 @@
           </a:p>
         </p:txBody>
       </p:sp>
+      <p:pic>
+        <p:nvPicPr>
+          <p:cNvPr id="7" name="Prisoner_of_Azkaban_-_Sirius_Black.gif">
+            <a:hlinkClick r:id="" action="ppaction://media"/>
+          </p:cNvPr>
+          <p:cNvPicPr>
+            <a:picLocks noChangeAspect="1"/>
+          </p:cNvPicPr>
+          <p:nvPr>
+            <a:videoFile r:link="rId2"/>
+            <p:extLst>
+              <p:ext uri="{DAA4B4D4-6D71-4841-9C94-3DE7FCFB9230}">
+                <p14:media xmlns:p14="http://schemas.microsoft.com/office/powerpoint/2010/main" r:embed="rId1"/>
+              </p:ext>
+            </p:extLst>
+          </p:nvPr>
+        </p:nvPicPr>
+        <p:blipFill>
+          <a:blip r:embed="rId4"/>
+          <a:stretch>
+            <a:fillRect/>
+          </a:stretch>
+        </p:blipFill>
+        <p:spPr>
+          <a:xfrm>
+            <a:off x="2555776" y="2132856"/>
+            <a:ext cx="4762500" cy="2009775"/>
+          </a:xfrm>
+          <a:prstGeom prst="rect">
+            <a:avLst/>
+          </a:prstGeom>
+        </p:spPr>
+      </p:pic>
     </p:spTree>
     <p:extLst>
       <p:ext uri="{BB962C8B-B14F-4D97-AF65-F5344CB8AC3E}">
@@ -5911,6 +5945,86 @@
       </p:transition>
     </mc:Fallback>
   </mc:AlternateContent>
+  <p:timing>
+    <p:tnLst>
+      <p:par>
+        <p:cTn id="1" dur="indefinite" restart="never" nodeType="tmRoot">
+          <p:childTnLst>
+            <p:seq concurrent="1" nextAc="seek">
+              <p:cTn id="2" restart="whenNotActive" fill="hold" evtFilter="cancelBubble" nodeType="interactiveSeq">
+                <p:stCondLst>
+                  <p:cond evt="onClick" delay="0">
+                    <p:tgtEl>
+                      <p:spTgt spid="7"/>
+                    </p:tgtEl>
+                  </p:cond>
+                </p:stCondLst>
+                <p:endSync evt="end" delay="0">
+                  <p:rtn val="all"/>
+                </p:endSync>
+                <p:childTnLst>
+                  <p:par>
+                    <p:cTn id="3" fill="hold">
+                      <p:stCondLst>
+                        <p:cond delay="0"/>
+                      </p:stCondLst>
+                      <p:childTnLst>
+                        <p:par>
+                          <p:cTn id="4" fill="hold">
+                            <p:stCondLst>
+                              <p:cond delay="0"/>
+                            </p:stCondLst>
+                            <p:childTnLst>
+                              <p:par>
+                                <p:cTn id="5" presetID="2" presetClass="mediacall" presetSubtype="0" fill="hold" nodeType="clickEffect">
+                                  <p:stCondLst>
+                                    <p:cond delay="0"/>
+                                  </p:stCondLst>
+                                  <p:childTnLst>
+                                    <p:cmd type="call" cmd="togglePause">
+                                      <p:cBhvr>
+                                        <p:cTn id="6" dur="1" fill="hold"/>
+                                        <p:tgtEl>
+                                          <p:spTgt spid="7"/>
+                                        </p:tgtEl>
+                                      </p:cBhvr>
+                                    </p:cmd>
+                                  </p:childTnLst>
+                                </p:cTn>
+                              </p:par>
+                            </p:childTnLst>
+                          </p:cTn>
+                        </p:par>
+                      </p:childTnLst>
+                    </p:cTn>
+                  </p:par>
+                </p:childTnLst>
+              </p:cTn>
+              <p:nextCondLst>
+                <p:cond evt="onClick" delay="0">
+                  <p:tgtEl>
+                    <p:spTgt spid="7"/>
+                  </p:tgtEl>
+                </p:cond>
+              </p:nextCondLst>
+            </p:seq>
+            <p:video>
+              <p:cMediaNode vol="80000">
+                <p:cTn id="7" fill="hold" display="0">
+                  <p:stCondLst>
+                    <p:cond delay="indefinite"/>
+                  </p:stCondLst>
+                </p:cTn>
+                <p:tgtEl>
+                  <p:spTgt spid="7"/>
+                </p:tgtEl>
+              </p:cMediaNode>
+            </p:video>
+          </p:childTnLst>
+        </p:cTn>
+      </p:par>
+    </p:tnLst>
+  </p:timing>
 </p:sld>
 </file>
 
@@ -7061,6 +7175,13 @@
       </p:transition>
     </mc:Fallback>
   </mc:AlternateContent>
+  <p:timing>
+    <p:tnLst>
+      <p:par>
+        <p:cTn id="1" dur="indefinite" restart="never" nodeType="tmRoot"/>
+      </p:par>
+    </p:tnLst>
+  </p:timing>
 </p:sld>
 </file>
 
@@ -8929,6 +9050,13 @@
       </p:transition>
     </mc:Fallback>
   </mc:AlternateContent>
+  <p:timing>
+    <p:tnLst>
+      <p:par>
+        <p:cTn id="1" dur="indefinite" restart="never" nodeType="tmRoot"/>
+      </p:par>
+    </p:tnLst>
+  </p:timing>
 </p:sld>
 </file>
 
@@ -11093,6 +11221,13 @@
       </p:transition>
     </mc:Fallback>
   </mc:AlternateContent>
+  <p:timing>
+    <p:tnLst>
+      <p:par>
+        <p:cTn id="1" dur="indefinite" restart="never" nodeType="tmRoot"/>
+      </p:par>
+    </p:tnLst>
+  </p:timing>
 </p:sld>
 </file>
 
@@ -12326,6 +12461,13 @@
       </p:transition>
     </mc:Fallback>
   </mc:AlternateContent>
+  <p:timing>
+    <p:tnLst>
+      <p:par>
+        <p:cTn id="1" dur="indefinite" restart="never" nodeType="tmRoot"/>
+      </p:par>
+    </p:tnLst>
+  </p:timing>
 </p:sld>
 </file>
 
@@ -13832,6 +13974,13 @@
       </p:transition>
     </mc:Fallback>
   </mc:AlternateContent>
+  <p:timing>
+    <p:tnLst>
+      <p:par>
+        <p:cTn id="1" dur="indefinite" restart="never" nodeType="tmRoot"/>
+      </p:par>
+    </p:tnLst>
+  </p:timing>
 </p:sld>
 </file>
 
@@ -15100,6 +15249,13 @@
       </p:transition>
     </mc:Fallback>
   </mc:AlternateContent>
+  <p:timing>
+    <p:tnLst>
+      <p:par>
+        <p:cTn id="1" dur="indefinite" restart="never" nodeType="tmRoot"/>
+      </p:par>
+    </p:tnLst>
+  </p:timing>
 </p:sld>
 </file>
 
@@ -16289,6 +16445,13 @@
       </p:transition>
     </mc:Fallback>
   </mc:AlternateContent>
+  <p:timing>
+    <p:tnLst>
+      <p:par>
+        <p:cTn id="1" dur="indefinite" restart="never" nodeType="tmRoot"/>
+      </p:par>
+    </p:tnLst>
+  </p:timing>
 </p:sld>
 </file>
 
@@ -17482,6 +17645,13 @@
       </p:transition>
     </mc:Fallback>
   </mc:AlternateContent>
+  <p:timing>
+    <p:tnLst>
+      <p:par>
+        <p:cTn id="1" dur="indefinite" restart="never" nodeType="tmRoot"/>
+      </p:par>
+    </p:tnLst>
+  </p:timing>
 </p:sld>
 </file>
 
@@ -18877,6 +19047,13 @@
       </p:transition>
     </mc:Fallback>
   </mc:AlternateContent>
+  <p:timing>
+    <p:tnLst>
+      <p:par>
+        <p:cTn id="1" dur="indefinite" restart="never" nodeType="tmRoot"/>
+      </p:par>
+    </p:tnLst>
+  </p:timing>
 </p:sld>
 </file>
 
@@ -19075,11 +19252,6 @@
               </a:rPr>
               <a:t>aggregate</a:t>
             </a:r>
-            <a:endParaRPr lang="en-GB" dirty="0" smtClean="0">
-              <a:solidFill>
-                <a:schemeClr val="bg1"/>
-              </a:solidFill>
-            </a:endParaRPr>
           </a:p>
         </p:txBody>
       </p:sp>
@@ -19154,7 +19326,6 @@
               <a:rPr lang="en-GB" sz="2400" dirty="0" smtClean="0"/>
               <a:t>Efficiency : 96.5%</a:t>
             </a:r>
-            <a:endParaRPr lang="en-GB" sz="2400" dirty="0" smtClean="0"/>
           </a:p>
         </p:txBody>
       </p:sp>
@@ -19192,7 +19363,6 @@
               <a:rPr lang="en-GB" sz="2400" dirty="0" smtClean="0"/>
               <a:t> (Boston)</a:t>
             </a:r>
-            <a:endParaRPr lang="en-GB" sz="2400" dirty="0" smtClean="0"/>
           </a:p>
         </p:txBody>
       </p:sp>
@@ -19222,7 +19392,6 @@
               <a:rPr lang="en-GB" sz="2400" dirty="0" smtClean="0"/>
               <a:t>Overall energy used : 3460 kW</a:t>
             </a:r>
-            <a:endParaRPr lang="en-GB" sz="2400" dirty="0" smtClean="0"/>
           </a:p>
         </p:txBody>
       </p:sp>
@@ -19349,6 +19518,13 @@
       </p:transition>
     </mc:Fallback>
   </mc:AlternateContent>
+  <p:timing>
+    <p:tnLst>
+      <p:par>
+        <p:cTn id="1" dur="indefinite" restart="never" nodeType="tmRoot"/>
+      </p:par>
+    </p:tnLst>
+  </p:timing>
 </p:sld>
 </file>
 
@@ -19907,6 +20083,295 @@
       </p:transition>
     </mc:Fallback>
   </mc:AlternateContent>
+  <p:timing>
+    <p:tnLst>
+      <p:par>
+        <p:cTn id="1" dur="indefinite" restart="never" nodeType="tmRoot"/>
+      </p:par>
+    </p:tnLst>
+  </p:timing>
+</p:sld>
+</file>
+
+<file path=ppt/slides/slide20.xml><?xml version="1.0" encoding="utf-8"?>
+<p:sld xmlns:a="http://schemas.openxmlformats.org/drawingml/2006/main" xmlns:r="http://schemas.openxmlformats.org/officeDocument/2006/relationships" xmlns:p="http://schemas.openxmlformats.org/presentationml/2006/main">
+  <p:cSld>
+    <p:spTree>
+      <p:nvGrpSpPr>
+        <p:cNvPr id="1" name=""/>
+        <p:cNvGrpSpPr/>
+        <p:nvPr/>
+      </p:nvGrpSpPr>
+      <p:grpSpPr>
+        <a:xfrm>
+          <a:off x="0" y="0"/>
+          <a:ext cx="0" cy="0"/>
+          <a:chOff x="0" y="0"/>
+          <a:chExt cx="0" cy="0"/>
+        </a:xfrm>
+      </p:grpSpPr>
+      <p:sp>
+        <p:nvSpPr>
+          <p:cNvPr id="6" name="Content Placeholder 5"/>
+          <p:cNvSpPr>
+            <a:spLocks noGrp="1"/>
+          </p:cNvSpPr>
+          <p:nvPr>
+            <p:ph idx="1"/>
+          </p:nvPr>
+        </p:nvSpPr>
+        <p:spPr/>
+        <p:txBody>
+          <a:bodyPr/>
+          <a:lstStyle/>
+          <a:p>
+            <a:r>
+              <a:rPr lang="en-GB" dirty="0" smtClean="0"/>
+              <a:t>Text</a:t>
+            </a:r>
+          </a:p>
+          <a:p>
+            <a:pPr lvl="1"/>
+            <a:r>
+              <a:rPr lang="en-GB" dirty="0" smtClean="0"/>
+              <a:t>Captions and blocks</a:t>
+            </a:r>
+          </a:p>
+          <a:p>
+            <a:r>
+              <a:rPr lang="en-GB" dirty="0" smtClean="0"/>
+              <a:t>Images</a:t>
+            </a:r>
+          </a:p>
+          <a:p>
+            <a:pPr lvl="1"/>
+            <a:r>
+              <a:rPr lang="en-GB" dirty="0" smtClean="0"/>
+              <a:t>2d</a:t>
+            </a:r>
+          </a:p>
+          <a:p>
+            <a:pPr lvl="1"/>
+            <a:r>
+              <a:rPr lang="en-GB" dirty="0" smtClean="0"/>
+              <a:t>3d</a:t>
+            </a:r>
+          </a:p>
+          <a:p>
+            <a:pPr lvl="1"/>
+            <a:r>
+              <a:rPr lang="en-GB" dirty="0" smtClean="0"/>
+              <a:t>movies</a:t>
+            </a:r>
+          </a:p>
+          <a:p>
+            <a:r>
+              <a:rPr lang="en-GB" dirty="0" smtClean="0"/>
+              <a:t>Graphs &amp; charts</a:t>
+            </a:r>
+          </a:p>
+          <a:p>
+            <a:pPr lvl="1"/>
+            <a:r>
+              <a:rPr lang="en-GB" dirty="0" smtClean="0"/>
+              <a:t>Individual streams</a:t>
+            </a:r>
+          </a:p>
+          <a:p>
+            <a:pPr lvl="1"/>
+            <a:r>
+              <a:rPr lang="en-GB" dirty="0" smtClean="0"/>
+              <a:t>Composite (aggregate) streams</a:t>
+            </a:r>
+          </a:p>
+          <a:p>
+            <a:r>
+              <a:rPr lang="en-GB" dirty="0" smtClean="0"/>
+              <a:t>Which is all presented in “magazine” form</a:t>
+            </a:r>
+          </a:p>
+          <a:p>
+            <a:pPr lvl="1"/>
+            <a:r>
+              <a:rPr lang="en-GB" dirty="0" smtClean="0"/>
+              <a:t>Familiar layout paradigm</a:t>
+            </a:r>
+          </a:p>
+          <a:p>
+            <a:pPr lvl="1"/>
+            <a:r>
+              <a:rPr lang="en-GB" dirty="0" smtClean="0"/>
+              <a:t>Broadsheet or tabloid form factors</a:t>
+            </a:r>
+          </a:p>
+          <a:p>
+            <a:pPr lvl="1"/>
+            <a:r>
+              <a:rPr lang="en-GB" dirty="0" smtClean="0"/>
+              <a:t>Different pages showing different views e.g. news, page3, finance, sport</a:t>
+            </a:r>
+          </a:p>
+          <a:p>
+            <a:pPr lvl="1"/>
+            <a:r>
+              <a:rPr lang="en-GB" dirty="0" smtClean="0"/>
+              <a:t>Each page can be laid out in different ways</a:t>
+            </a:r>
+          </a:p>
+          <a:p>
+            <a:pPr lvl="2"/>
+            <a:r>
+              <a:rPr lang="en-GB" dirty="0" smtClean="0"/>
+              <a:t>Content on the page can be dynamic – real-time 3d, real-time telemetry</a:t>
+            </a:r>
+          </a:p>
+          <a:p>
+            <a:pPr marL="0" indent="0">
+              <a:buNone/>
+            </a:pPr>
+            <a:endParaRPr lang="en-GB" dirty="0" smtClean="0"/>
+          </a:p>
+          <a:p>
+            <a:pPr lvl="1"/>
+            <a:endParaRPr lang="en-GB" dirty="0"/>
+          </a:p>
+        </p:txBody>
+      </p:sp>
+      <p:sp>
+        <p:nvSpPr>
+          <p:cNvPr id="2" name="Title 1"/>
+          <p:cNvSpPr>
+            <a:spLocks noGrp="1"/>
+          </p:cNvSpPr>
+          <p:nvPr>
+            <p:ph type="title"/>
+          </p:nvPr>
+        </p:nvSpPr>
+        <p:spPr/>
+        <p:txBody>
+          <a:bodyPr/>
+          <a:lstStyle/>
+          <a:p>
+            <a:r>
+              <a:rPr lang="en-GB" dirty="0" smtClean="0"/>
+              <a:t>The records can contain all sorts of (dynamic) media</a:t>
+            </a:r>
+            <a:endParaRPr lang="en-GB" dirty="0"/>
+          </a:p>
+        </p:txBody>
+      </p:sp>
+      <p:sp>
+        <p:nvSpPr>
+          <p:cNvPr id="11" name="Subtitle 10"/>
+          <p:cNvSpPr>
+            <a:spLocks noGrp="1"/>
+          </p:cNvSpPr>
+          <p:nvPr>
+            <p:ph type="subTitle" idx="15"/>
+          </p:nvPr>
+        </p:nvSpPr>
+        <p:spPr/>
+        <p:txBody>
+          <a:bodyPr/>
+          <a:lstStyle/>
+          <a:p>
+            <a:r>
+              <a:rPr lang="en-GB" dirty="0" smtClean="0"/>
+              <a:t>Based on your role</a:t>
+            </a:r>
+            <a:endParaRPr lang="en-GB" dirty="0"/>
+          </a:p>
+        </p:txBody>
+      </p:sp>
+      <p:sp>
+        <p:nvSpPr>
+          <p:cNvPr id="4" name="Footer Placeholder 3"/>
+          <p:cNvSpPr>
+            <a:spLocks noGrp="1"/>
+          </p:cNvSpPr>
+          <p:nvPr>
+            <p:ph type="ftr" sz="quarter" idx="3"/>
+          </p:nvPr>
+        </p:nvSpPr>
+        <p:spPr/>
+        <p:txBody>
+          <a:bodyPr/>
+          <a:lstStyle/>
+          <a:p>
+            <a:endParaRPr lang="en-US" dirty="0"/>
+          </a:p>
+        </p:txBody>
+      </p:sp>
+      <p:pic>
+        <p:nvPicPr>
+          <p:cNvPr id="1026" name="Picture 2" descr="http://i.dailymail.co.uk/i/pix/2009/08/20/article-1207944-06207B1F000005DC-246_468x363.jpg"/>
+          <p:cNvPicPr>
+            <a:picLocks noChangeAspect="1" noChangeArrowheads="1"/>
+          </p:cNvPicPr>
+          <p:nvPr/>
+        </p:nvPicPr>
+        <p:blipFill>
+          <a:blip r:embed="rId2">
+            <a:extLst>
+              <a:ext uri="{28A0092B-C50C-407E-A947-70E740481C1C}">
+                <a14:useLocalDpi xmlns:a14="http://schemas.microsoft.com/office/drawing/2010/main" val="0"/>
+              </a:ext>
+            </a:extLst>
+          </a:blip>
+          <a:srcRect/>
+          <a:stretch>
+            <a:fillRect/>
+          </a:stretch>
+        </p:blipFill>
+        <p:spPr bwMode="auto">
+          <a:xfrm>
+            <a:off x="4434394" y="1052736"/>
+            <a:ext cx="4457700" cy="3457576"/>
+          </a:xfrm>
+          <a:prstGeom prst="rect">
+            <a:avLst/>
+          </a:prstGeom>
+          <a:noFill/>
+          <a:extLst>
+            <a:ext uri="{909E8E84-426E-40DD-AFC4-6F175D3DCCD1}">
+              <a14:hiddenFill xmlns:a14="http://schemas.microsoft.com/office/drawing/2010/main">
+                <a:solidFill>
+                  <a:srgbClr val="FFFFFF"/>
+                </a:solidFill>
+              </a14:hiddenFill>
+            </a:ext>
+          </a:extLst>
+        </p:spPr>
+      </p:pic>
+    </p:spTree>
+    <p:extLst>
+      <p:ext uri="{BB962C8B-B14F-4D97-AF65-F5344CB8AC3E}">
+        <p14:creationId xmlns:p14="http://schemas.microsoft.com/office/powerpoint/2010/main" val="3652681068"/>
+      </p:ext>
+    </p:extLst>
+  </p:cSld>
+  <p:clrMapOvr>
+    <a:masterClrMapping/>
+  </p:clrMapOvr>
+  <mc:AlternateContent xmlns:mc="http://schemas.openxmlformats.org/markup-compatibility/2006" xmlns:p14="http://schemas.microsoft.com/office/powerpoint/2010/main">
+    <mc:Choice Requires="p14">
+      <p:transition spd="med" p14:dur="600">
+        <p:fade/>
+      </p:transition>
+    </mc:Choice>
+    <mc:Fallback xmlns="">
+      <p:transition spd="med">
+        <p:fade/>
+      </p:transition>
+    </mc:Fallback>
+  </mc:AlternateContent>
+  <p:timing>
+    <p:tnLst>
+      <p:par>
+        <p:cTn id="1" dur="indefinite" restart="never" nodeType="tmRoot"/>
+      </p:par>
+    </p:tnLst>
+  </p:timing>
 </p:sld>
 </file>
 
@@ -20860,6 +21325,13 @@
       </p:transition>
     </mc:Fallback>
   </mc:AlternateContent>
+  <p:timing>
+    <p:tnLst>
+      <p:par>
+        <p:cTn id="1" dur="indefinite" restart="never" nodeType="tmRoot"/>
+      </p:par>
+    </p:tnLst>
+  </p:timing>
 </p:sld>
 </file>
 
@@ -21319,6 +21791,13 @@
       </p:transition>
     </mc:Fallback>
   </mc:AlternateContent>
+  <p:timing>
+    <p:tnLst>
+      <p:par>
+        <p:cTn id="1" dur="indefinite" restart="never" nodeType="tmRoot"/>
+      </p:par>
+    </p:tnLst>
+  </p:timing>
 </p:sld>
 </file>
 
@@ -22224,6 +22703,13 @@
       </p:transition>
     </mc:Fallback>
   </mc:AlternateContent>
+  <p:timing>
+    <p:tnLst>
+      <p:par>
+        <p:cTn id="1" dur="indefinite" restart="never" nodeType="tmRoot"/>
+      </p:par>
+    </p:tnLst>
+  </p:timing>
 </p:sld>
 </file>
 
@@ -22514,7 +23000,7 @@
         <p:spPr>
           <a:xfrm>
             <a:off x="1691680" y="2665510"/>
-            <a:ext cx="5904656" cy="2390320"/>
+            <a:ext cx="4068452" cy="2390320"/>
           </a:xfrm>
           <a:prstGeom prst="rect">
             <a:avLst/>
@@ -22559,7 +23045,7 @@
         <p:spPr>
           <a:xfrm>
             <a:off x="2015716" y="2404397"/>
-            <a:ext cx="5904656" cy="2968819"/>
+            <a:ext cx="5004556" cy="2968819"/>
           </a:xfrm>
           <a:prstGeom prst="rect">
             <a:avLst/>
@@ -22800,6 +23286,13 @@
       </p:transition>
     </mc:Fallback>
   </mc:AlternateContent>
+  <p:timing>
+    <p:tnLst>
+      <p:par>
+        <p:cTn id="1" dur="indefinite" restart="never" nodeType="tmRoot"/>
+      </p:par>
+    </p:tnLst>
+  </p:timing>
 </p:sld>
 </file>
 
@@ -24468,7 +24961,7 @@
         <p:spPr>
           <a:xfrm>
             <a:off x="5195154" y="4941168"/>
-            <a:ext cx="644151" cy="215444"/>
+            <a:ext cx="802848" cy="215444"/>
           </a:xfrm>
           <a:prstGeom prst="rect">
             <a:avLst/>
@@ -24483,8 +24976,13 @@
           <a:p>
             <a:r>
               <a:rPr lang="en-GB" sz="1400" dirty="0" smtClean="0"/>
-              <a:t>Time = t</a:t>
-            </a:r>
+              <a:t>Time = </a:t>
+            </a:r>
+            <a:r>
+              <a:rPr lang="en-GB" sz="1400" dirty="0" smtClean="0"/>
+              <a:t>t-2</a:t>
+            </a:r>
+            <a:endParaRPr lang="en-GB" sz="1400" dirty="0" smtClean="0"/>
           </a:p>
         </p:txBody>
       </p:sp>
@@ -24512,8 +25010,9 @@
           <a:p>
             <a:r>
               <a:rPr lang="en-GB" sz="1400" dirty="0" smtClean="0"/>
-              <a:t>34</a:t>
-            </a:r>
+              <a:t>47</a:t>
+            </a:r>
+            <a:endParaRPr lang="en-GB" sz="1400" dirty="0" smtClean="0"/>
           </a:p>
         </p:txBody>
       </p:sp>
@@ -24541,8 +25040,9 @@
           <a:p>
             <a:r>
               <a:rPr lang="en-GB" sz="1400" dirty="0" smtClean="0"/>
-              <a:t>87</a:t>
-            </a:r>
+              <a:t>51</a:t>
+            </a:r>
+            <a:endParaRPr lang="en-GB" sz="1400" dirty="0" smtClean="0"/>
           </a:p>
         </p:txBody>
       </p:sp>
@@ -24570,8 +25070,9 @@
           <a:p>
             <a:r>
               <a:rPr lang="en-GB" sz="1400" dirty="0" smtClean="0"/>
-              <a:t>123</a:t>
-            </a:r>
+              <a:t>210</a:t>
+            </a:r>
+            <a:endParaRPr lang="en-GB" sz="1400" dirty="0" smtClean="0"/>
           </a:p>
         </p:txBody>
       </p:sp>
@@ -24597,6 +25098,13 @@
       </p:transition>
     </mc:Fallback>
   </mc:AlternateContent>
+  <p:timing>
+    <p:tnLst>
+      <p:par>
+        <p:cTn id="1" dur="indefinite" restart="never" nodeType="tmRoot"/>
+      </p:par>
+    </p:tnLst>
+  </p:timing>
 </p:sld>
 </file>
 
@@ -25466,6 +25974,13 @@
       </p:transition>
     </mc:Fallback>
   </mc:AlternateContent>
+  <p:timing>
+    <p:tnLst>
+      <p:par>
+        <p:cTn id="1" dur="indefinite" restart="never" nodeType="tmRoot"/>
+      </p:par>
+    </p:tnLst>
+  </p:timing>
 </p:sld>
 </file>
 
@@ -26827,6 +27342,13 @@
       </p:transition>
     </mc:Fallback>
   </mc:AlternateContent>
+  <p:timing>
+    <p:tnLst>
+      <p:par>
+        <p:cTn id="1" dur="indefinite" restart="never" nodeType="tmRoot"/>
+      </p:par>
+    </p:tnLst>
+  </p:timing>
 </p:sld>
 </file>
 
@@ -27159,7 +27681,7 @@
   <a:extraClrSchemeLst/>
   <a:extLst>
     <a:ext uri="{05A4C25C-085E-4340-85A3-A5531E510DB2}">
-      <thm15:themeFamily xmlns="" xmlns:thm15="http://schemas.microsoft.com/office/thememl/2012/main" name="Default Theme" id="{60D8BA8C-9729-41DF-95DA-F7E2EA5BAF67}" vid="{20480253-1F85-40A7-9C79-C403C37E6553}"/>
+      <thm15:themeFamily xmlns:thm15="http://schemas.microsoft.com/office/thememl/2012/main" xmlns="" name="Default Theme" id="{60D8BA8C-9729-41DF-95DA-F7E2EA5BAF67}" vid="{20480253-1F85-40A7-9C79-C403C37E6553}"/>
     </a:ext>
   </a:extLst>
 </a:theme>
